--- a/slides/DockerIntro.pptx
+++ b/slides/DockerIntro.pptx
@@ -78,7 +78,7 @@
       </p:grpSpPr>
       <p:sp>
         <p:nvSpPr>
-          <p:cNvPr id="26" name="PlaceHolder 1"/>
+          <p:cNvPr id="24" name="PlaceHolder 1"/>
           <p:cNvSpPr>
             <a:spLocks noGrp="1"/>
           </p:cNvSpPr>
@@ -89,7 +89,7 @@
         <p:spPr>
           <a:xfrm>
             <a:off x="504000" y="301320"/>
-            <a:ext cx="9071640" cy="1262160"/>
+            <a:ext cx="9072000" cy="1261800"/>
           </a:xfrm>
           <a:prstGeom prst="rect">
             <a:avLst/>
@@ -105,7 +105,7 @@
       </p:sp>
       <p:sp>
         <p:nvSpPr>
-          <p:cNvPr id="27" name="PlaceHolder 2"/>
+          <p:cNvPr id="25" name="PlaceHolder 2"/>
           <p:cNvSpPr>
             <a:spLocks noGrp="1"/>
           </p:cNvSpPr>
@@ -115,8 +115,8 @@
         </p:nvSpPr>
         <p:spPr>
           <a:xfrm>
-            <a:off x="504000" y="1769040"/>
-            <a:ext cx="9071640" cy="2091240"/>
+            <a:off x="504000" y="1768680"/>
+            <a:ext cx="9072000" cy="2090880"/>
           </a:xfrm>
           <a:prstGeom prst="rect">
             <a:avLst/>
@@ -131,7 +131,7 @@
       </p:sp>
       <p:sp>
         <p:nvSpPr>
-          <p:cNvPr id="28" name="PlaceHolder 3"/>
+          <p:cNvPr id="26" name="PlaceHolder 3"/>
           <p:cNvSpPr>
             <a:spLocks noGrp="1"/>
           </p:cNvSpPr>
@@ -141,8 +141,8 @@
         </p:nvSpPr>
         <p:spPr>
           <a:xfrm>
-            <a:off x="504000" y="4059360"/>
-            <a:ext cx="9071640" cy="2091240"/>
+            <a:off x="504000" y="4058640"/>
+            <a:ext cx="9072000" cy="2090880"/>
           </a:xfrm>
           <a:prstGeom prst="rect">
             <a:avLst/>
@@ -179,7 +179,7 @@
       </p:grpSpPr>
       <p:sp>
         <p:nvSpPr>
-          <p:cNvPr id="29" name="PlaceHolder 1"/>
+          <p:cNvPr id="27" name="PlaceHolder 1"/>
           <p:cNvSpPr>
             <a:spLocks noGrp="1"/>
           </p:cNvSpPr>
@@ -190,7 +190,7 @@
         <p:spPr>
           <a:xfrm>
             <a:off x="504000" y="301320"/>
-            <a:ext cx="9071640" cy="1262160"/>
+            <a:ext cx="9072000" cy="1261800"/>
           </a:xfrm>
           <a:prstGeom prst="rect">
             <a:avLst/>
@@ -206,7 +206,7 @@
       </p:sp>
       <p:sp>
         <p:nvSpPr>
-          <p:cNvPr id="30" name="PlaceHolder 2"/>
+          <p:cNvPr id="28" name="PlaceHolder 2"/>
           <p:cNvSpPr>
             <a:spLocks noGrp="1"/>
           </p:cNvSpPr>
@@ -216,8 +216,8 @@
         </p:nvSpPr>
         <p:spPr>
           <a:xfrm>
-            <a:off x="504000" y="1769040"/>
-            <a:ext cx="4426920" cy="2091240"/>
+            <a:off x="504000" y="1768680"/>
+            <a:ext cx="4426920" cy="2090880"/>
           </a:xfrm>
           <a:prstGeom prst="rect">
             <a:avLst/>
@@ -232,7 +232,7 @@
       </p:sp>
       <p:sp>
         <p:nvSpPr>
-          <p:cNvPr id="31" name="PlaceHolder 3"/>
+          <p:cNvPr id="29" name="PlaceHolder 3"/>
           <p:cNvSpPr>
             <a:spLocks noGrp="1"/>
           </p:cNvSpPr>
@@ -242,8 +242,8 @@
         </p:nvSpPr>
         <p:spPr>
           <a:xfrm>
-            <a:off x="5152680" y="1769040"/>
-            <a:ext cx="4426920" cy="2091240"/>
+            <a:off x="5152680" y="1768680"/>
+            <a:ext cx="4426920" cy="2090880"/>
           </a:xfrm>
           <a:prstGeom prst="rect">
             <a:avLst/>
@@ -258,7 +258,7 @@
       </p:sp>
       <p:sp>
         <p:nvSpPr>
-          <p:cNvPr id="32" name="PlaceHolder 4"/>
+          <p:cNvPr id="30" name="PlaceHolder 4"/>
           <p:cNvSpPr>
             <a:spLocks noGrp="1"/>
           </p:cNvSpPr>
@@ -268,8 +268,8 @@
         </p:nvSpPr>
         <p:spPr>
           <a:xfrm>
-            <a:off x="5152680" y="4059360"/>
-            <a:ext cx="4426920" cy="2091240"/>
+            <a:off x="5152680" y="4058640"/>
+            <a:ext cx="4426920" cy="2090880"/>
           </a:xfrm>
           <a:prstGeom prst="rect">
             <a:avLst/>
@@ -284,7 +284,7 @@
       </p:sp>
       <p:sp>
         <p:nvSpPr>
-          <p:cNvPr id="33" name="PlaceHolder 5"/>
+          <p:cNvPr id="31" name="PlaceHolder 5"/>
           <p:cNvSpPr>
             <a:spLocks noGrp="1"/>
           </p:cNvSpPr>
@@ -294,8 +294,8 @@
         </p:nvSpPr>
         <p:spPr>
           <a:xfrm>
-            <a:off x="504000" y="4059360"/>
-            <a:ext cx="4426920" cy="2091240"/>
+            <a:off x="504000" y="4058640"/>
+            <a:ext cx="4426920" cy="2090880"/>
           </a:xfrm>
           <a:prstGeom prst="rect">
             <a:avLst/>
@@ -332,7 +332,7 @@
       </p:grpSpPr>
       <p:sp>
         <p:nvSpPr>
-          <p:cNvPr id="34" name="PlaceHolder 1"/>
+          <p:cNvPr id="32" name="PlaceHolder 1"/>
           <p:cNvSpPr>
             <a:spLocks noGrp="1"/>
           </p:cNvSpPr>
@@ -343,7 +343,7 @@
         <p:spPr>
           <a:xfrm>
             <a:off x="504000" y="301320"/>
-            <a:ext cx="9071640" cy="1262160"/>
+            <a:ext cx="9072000" cy="1261800"/>
           </a:xfrm>
           <a:prstGeom prst="rect">
             <a:avLst/>
@@ -359,7 +359,7 @@
       </p:sp>
       <p:sp>
         <p:nvSpPr>
-          <p:cNvPr id="35" name="PlaceHolder 2"/>
+          <p:cNvPr id="33" name="PlaceHolder 2"/>
           <p:cNvSpPr>
             <a:spLocks noGrp="1"/>
           </p:cNvSpPr>
@@ -369,8 +369,8 @@
         </p:nvSpPr>
         <p:spPr>
           <a:xfrm>
-            <a:off x="504000" y="1769040"/>
-            <a:ext cx="9071640" cy="4384440"/>
+            <a:off x="504000" y="1768680"/>
+            <a:ext cx="9072000" cy="4384080"/>
           </a:xfrm>
           <a:prstGeom prst="rect">
             <a:avLst/>
@@ -385,7 +385,7 @@
       </p:sp>
       <p:sp>
         <p:nvSpPr>
-          <p:cNvPr id="36" name="PlaceHolder 3"/>
+          <p:cNvPr id="34" name="PlaceHolder 3"/>
           <p:cNvSpPr>
             <a:spLocks noGrp="1"/>
           </p:cNvSpPr>
@@ -395,8 +395,8 @@
         </p:nvSpPr>
         <p:spPr>
           <a:xfrm>
-            <a:off x="504000" y="1769040"/>
-            <a:ext cx="9071640" cy="4384440"/>
+            <a:off x="504000" y="1768680"/>
+            <a:ext cx="9072000" cy="4384080"/>
           </a:xfrm>
           <a:prstGeom prst="rect">
             <a:avLst/>
@@ -411,7 +411,7 @@
       </p:sp>
       <p:pic>
         <p:nvPicPr>
-          <p:cNvPr id="37" name="" descr=""/>
+          <p:cNvPr id="35" name="" descr=""/>
           <p:cNvPicPr/>
           <p:nvPr/>
         </p:nvPicPr>
@@ -421,8 +421,8 @@
         </p:blipFill>
         <p:spPr>
           <a:xfrm>
-            <a:off x="2292120" y="1768680"/>
-            <a:ext cx="5495040" cy="4384440"/>
+            <a:off x="2292480" y="1768680"/>
+            <a:ext cx="5494680" cy="4384080"/>
           </a:xfrm>
           <a:prstGeom prst="rect">
             <a:avLst/>
@@ -434,7 +434,7 @@
       </p:pic>
       <p:pic>
         <p:nvPicPr>
-          <p:cNvPr id="38" name="" descr=""/>
+          <p:cNvPr id="36" name="" descr=""/>
           <p:cNvPicPr/>
           <p:nvPr/>
         </p:nvPicPr>
@@ -444,8 +444,8 @@
         </p:blipFill>
         <p:spPr>
           <a:xfrm>
-            <a:off x="2292120" y="1768680"/>
-            <a:ext cx="5495040" cy="4384440"/>
+            <a:off x="2292480" y="1768680"/>
+            <a:ext cx="5494680" cy="4384080"/>
           </a:xfrm>
           <a:prstGeom prst="rect">
             <a:avLst/>
@@ -479,7 +479,7 @@
       </p:grpSpPr>
       <p:sp>
         <p:nvSpPr>
-          <p:cNvPr id="5" name="PlaceHolder 1"/>
+          <p:cNvPr id="3" name="PlaceHolder 1"/>
           <p:cNvSpPr>
             <a:spLocks noGrp="1"/>
           </p:cNvSpPr>
@@ -490,7 +490,7 @@
         <p:spPr>
           <a:xfrm>
             <a:off x="504000" y="301320"/>
-            <a:ext cx="9071640" cy="1262160"/>
+            <a:ext cx="9072000" cy="1261800"/>
           </a:xfrm>
           <a:prstGeom prst="rect">
             <a:avLst/>
@@ -506,7 +506,7 @@
       </p:sp>
       <p:sp>
         <p:nvSpPr>
-          <p:cNvPr id="6" name="PlaceHolder 2"/>
+          <p:cNvPr id="4" name="PlaceHolder 2"/>
           <p:cNvSpPr>
             <a:spLocks noGrp="1"/>
           </p:cNvSpPr>
@@ -516,8 +516,8 @@
         </p:nvSpPr>
         <p:spPr>
           <a:xfrm>
-            <a:off x="504000" y="1769040"/>
-            <a:ext cx="9071640" cy="4384440"/>
+            <a:off x="504000" y="1768680"/>
+            <a:ext cx="9072000" cy="4384080"/>
           </a:xfrm>
           <a:prstGeom prst="rect">
             <a:avLst/>
@@ -555,7 +555,7 @@
       </p:grpSpPr>
       <p:sp>
         <p:nvSpPr>
-          <p:cNvPr id="7" name="PlaceHolder 1"/>
+          <p:cNvPr id="5" name="PlaceHolder 1"/>
           <p:cNvSpPr>
             <a:spLocks noGrp="1"/>
           </p:cNvSpPr>
@@ -566,7 +566,7 @@
         <p:spPr>
           <a:xfrm>
             <a:off x="504000" y="301320"/>
-            <a:ext cx="9071640" cy="1262160"/>
+            <a:ext cx="9072000" cy="1261800"/>
           </a:xfrm>
           <a:prstGeom prst="rect">
             <a:avLst/>
@@ -582,7 +582,7 @@
       </p:sp>
       <p:sp>
         <p:nvSpPr>
-          <p:cNvPr id="8" name="PlaceHolder 2"/>
+          <p:cNvPr id="6" name="PlaceHolder 2"/>
           <p:cNvSpPr>
             <a:spLocks noGrp="1"/>
           </p:cNvSpPr>
@@ -592,8 +592,8 @@
         </p:nvSpPr>
         <p:spPr>
           <a:xfrm>
-            <a:off x="504000" y="1769040"/>
-            <a:ext cx="9071640" cy="4384440"/>
+            <a:off x="504000" y="1768680"/>
+            <a:ext cx="9072000" cy="4384080"/>
           </a:xfrm>
           <a:prstGeom prst="rect">
             <a:avLst/>
@@ -630,7 +630,7 @@
       </p:grpSpPr>
       <p:sp>
         <p:nvSpPr>
-          <p:cNvPr id="9" name="PlaceHolder 1"/>
+          <p:cNvPr id="7" name="PlaceHolder 1"/>
           <p:cNvSpPr>
             <a:spLocks noGrp="1"/>
           </p:cNvSpPr>
@@ -641,7 +641,7 @@
         <p:spPr>
           <a:xfrm>
             <a:off x="504000" y="301320"/>
-            <a:ext cx="9071640" cy="1262160"/>
+            <a:ext cx="9072000" cy="1261800"/>
           </a:xfrm>
           <a:prstGeom prst="rect">
             <a:avLst/>
@@ -657,7 +657,7 @@
       </p:sp>
       <p:sp>
         <p:nvSpPr>
-          <p:cNvPr id="10" name="PlaceHolder 2"/>
+          <p:cNvPr id="8" name="PlaceHolder 2"/>
           <p:cNvSpPr>
             <a:spLocks noGrp="1"/>
           </p:cNvSpPr>
@@ -667,8 +667,8 @@
         </p:nvSpPr>
         <p:spPr>
           <a:xfrm>
-            <a:off x="504000" y="1769040"/>
-            <a:ext cx="4426920" cy="4384440"/>
+            <a:off x="504000" y="1768680"/>
+            <a:ext cx="4426920" cy="4384080"/>
           </a:xfrm>
           <a:prstGeom prst="rect">
             <a:avLst/>
@@ -683,7 +683,7 @@
       </p:sp>
       <p:sp>
         <p:nvSpPr>
-          <p:cNvPr id="11" name="PlaceHolder 3"/>
+          <p:cNvPr id="9" name="PlaceHolder 3"/>
           <p:cNvSpPr>
             <a:spLocks noGrp="1"/>
           </p:cNvSpPr>
@@ -693,8 +693,8 @@
         </p:nvSpPr>
         <p:spPr>
           <a:xfrm>
-            <a:off x="5152680" y="1769040"/>
-            <a:ext cx="4426920" cy="4384440"/>
+            <a:off x="5152680" y="1768680"/>
+            <a:ext cx="4426920" cy="4384080"/>
           </a:xfrm>
           <a:prstGeom prst="rect">
             <a:avLst/>
@@ -731,7 +731,7 @@
       </p:grpSpPr>
       <p:sp>
         <p:nvSpPr>
-          <p:cNvPr id="12" name="PlaceHolder 1"/>
+          <p:cNvPr id="10" name="PlaceHolder 1"/>
           <p:cNvSpPr>
             <a:spLocks noGrp="1"/>
           </p:cNvSpPr>
@@ -742,7 +742,7 @@
         <p:spPr>
           <a:xfrm>
             <a:off x="504000" y="301320"/>
-            <a:ext cx="9071640" cy="1262160"/>
+            <a:ext cx="9072000" cy="1261800"/>
           </a:xfrm>
           <a:prstGeom prst="rect">
             <a:avLst/>
@@ -780,7 +780,7 @@
       </p:grpSpPr>
       <p:sp>
         <p:nvSpPr>
-          <p:cNvPr id="13" name="PlaceHolder 1"/>
+          <p:cNvPr id="11" name="PlaceHolder 1"/>
           <p:cNvSpPr>
             <a:spLocks noGrp="1"/>
           </p:cNvSpPr>
@@ -791,7 +791,7 @@
         <p:spPr>
           <a:xfrm>
             <a:off x="504000" y="301320"/>
-            <a:ext cx="9071640" cy="5851800"/>
+            <a:ext cx="9072000" cy="5850360"/>
           </a:xfrm>
           <a:prstGeom prst="rect">
             <a:avLst/>
@@ -829,7 +829,7 @@
       </p:grpSpPr>
       <p:sp>
         <p:nvSpPr>
-          <p:cNvPr id="14" name="PlaceHolder 1"/>
+          <p:cNvPr id="12" name="PlaceHolder 1"/>
           <p:cNvSpPr>
             <a:spLocks noGrp="1"/>
           </p:cNvSpPr>
@@ -840,7 +840,7 @@
         <p:spPr>
           <a:xfrm>
             <a:off x="504000" y="301320"/>
-            <a:ext cx="9071640" cy="1262160"/>
+            <a:ext cx="9072000" cy="1261800"/>
           </a:xfrm>
           <a:prstGeom prst="rect">
             <a:avLst/>
@@ -856,7 +856,7 @@
       </p:sp>
       <p:sp>
         <p:nvSpPr>
-          <p:cNvPr id="15" name="PlaceHolder 2"/>
+          <p:cNvPr id="13" name="PlaceHolder 2"/>
           <p:cNvSpPr>
             <a:spLocks noGrp="1"/>
           </p:cNvSpPr>
@@ -866,8 +866,8 @@
         </p:nvSpPr>
         <p:spPr>
           <a:xfrm>
-            <a:off x="504000" y="1769040"/>
-            <a:ext cx="4426920" cy="2091240"/>
+            <a:off x="504000" y="1768680"/>
+            <a:ext cx="4426920" cy="2090880"/>
           </a:xfrm>
           <a:prstGeom prst="rect">
             <a:avLst/>
@@ -882,7 +882,7 @@
       </p:sp>
       <p:sp>
         <p:nvSpPr>
-          <p:cNvPr id="16" name="PlaceHolder 3"/>
+          <p:cNvPr id="14" name="PlaceHolder 3"/>
           <p:cNvSpPr>
             <a:spLocks noGrp="1"/>
           </p:cNvSpPr>
@@ -892,8 +892,8 @@
         </p:nvSpPr>
         <p:spPr>
           <a:xfrm>
-            <a:off x="504000" y="4059360"/>
-            <a:ext cx="4426920" cy="2091240"/>
+            <a:off x="504000" y="4058640"/>
+            <a:ext cx="4426920" cy="2090880"/>
           </a:xfrm>
           <a:prstGeom prst="rect">
             <a:avLst/>
@@ -908,7 +908,7 @@
       </p:sp>
       <p:sp>
         <p:nvSpPr>
-          <p:cNvPr id="17" name="PlaceHolder 4"/>
+          <p:cNvPr id="15" name="PlaceHolder 4"/>
           <p:cNvSpPr>
             <a:spLocks noGrp="1"/>
           </p:cNvSpPr>
@@ -918,8 +918,8 @@
         </p:nvSpPr>
         <p:spPr>
           <a:xfrm>
-            <a:off x="5152680" y="1769040"/>
-            <a:ext cx="4426920" cy="4384440"/>
+            <a:off x="5152680" y="1768680"/>
+            <a:ext cx="4426920" cy="4384080"/>
           </a:xfrm>
           <a:prstGeom prst="rect">
             <a:avLst/>
@@ -956,7 +956,7 @@
       </p:grpSpPr>
       <p:sp>
         <p:nvSpPr>
-          <p:cNvPr id="18" name="PlaceHolder 1"/>
+          <p:cNvPr id="16" name="PlaceHolder 1"/>
           <p:cNvSpPr>
             <a:spLocks noGrp="1"/>
           </p:cNvSpPr>
@@ -967,7 +967,7 @@
         <p:spPr>
           <a:xfrm>
             <a:off x="504000" y="301320"/>
-            <a:ext cx="9071640" cy="1262160"/>
+            <a:ext cx="9072000" cy="1261800"/>
           </a:xfrm>
           <a:prstGeom prst="rect">
             <a:avLst/>
@@ -983,7 +983,7 @@
       </p:sp>
       <p:sp>
         <p:nvSpPr>
-          <p:cNvPr id="19" name="PlaceHolder 2"/>
+          <p:cNvPr id="17" name="PlaceHolder 2"/>
           <p:cNvSpPr>
             <a:spLocks noGrp="1"/>
           </p:cNvSpPr>
@@ -993,8 +993,8 @@
         </p:nvSpPr>
         <p:spPr>
           <a:xfrm>
-            <a:off x="504000" y="1769040"/>
-            <a:ext cx="4426920" cy="4384440"/>
+            <a:off x="504000" y="1768680"/>
+            <a:ext cx="4426920" cy="4384080"/>
           </a:xfrm>
           <a:prstGeom prst="rect">
             <a:avLst/>
@@ -1009,7 +1009,7 @@
       </p:sp>
       <p:sp>
         <p:nvSpPr>
-          <p:cNvPr id="20" name="PlaceHolder 3"/>
+          <p:cNvPr id="18" name="PlaceHolder 3"/>
           <p:cNvSpPr>
             <a:spLocks noGrp="1"/>
           </p:cNvSpPr>
@@ -1019,8 +1019,8 @@
         </p:nvSpPr>
         <p:spPr>
           <a:xfrm>
-            <a:off x="5152680" y="1769040"/>
-            <a:ext cx="4426920" cy="2091240"/>
+            <a:off x="5152680" y="1768680"/>
+            <a:ext cx="4426920" cy="2090880"/>
           </a:xfrm>
           <a:prstGeom prst="rect">
             <a:avLst/>
@@ -1035,7 +1035,7 @@
       </p:sp>
       <p:sp>
         <p:nvSpPr>
-          <p:cNvPr id="21" name="PlaceHolder 4"/>
+          <p:cNvPr id="19" name="PlaceHolder 4"/>
           <p:cNvSpPr>
             <a:spLocks noGrp="1"/>
           </p:cNvSpPr>
@@ -1045,8 +1045,8 @@
         </p:nvSpPr>
         <p:spPr>
           <a:xfrm>
-            <a:off x="5152680" y="4059360"/>
-            <a:ext cx="4426920" cy="2091240"/>
+            <a:off x="5152680" y="4058640"/>
+            <a:ext cx="4426920" cy="2090880"/>
           </a:xfrm>
           <a:prstGeom prst="rect">
             <a:avLst/>
@@ -1083,7 +1083,7 @@
       </p:grpSpPr>
       <p:sp>
         <p:nvSpPr>
-          <p:cNvPr id="22" name="PlaceHolder 1"/>
+          <p:cNvPr id="20" name="PlaceHolder 1"/>
           <p:cNvSpPr>
             <a:spLocks noGrp="1"/>
           </p:cNvSpPr>
@@ -1094,7 +1094,7 @@
         <p:spPr>
           <a:xfrm>
             <a:off x="504000" y="301320"/>
-            <a:ext cx="9071640" cy="1262160"/>
+            <a:ext cx="9072000" cy="1261800"/>
           </a:xfrm>
           <a:prstGeom prst="rect">
             <a:avLst/>
@@ -1110,7 +1110,7 @@
       </p:sp>
       <p:sp>
         <p:nvSpPr>
-          <p:cNvPr id="23" name="PlaceHolder 2"/>
+          <p:cNvPr id="21" name="PlaceHolder 2"/>
           <p:cNvSpPr>
             <a:spLocks noGrp="1"/>
           </p:cNvSpPr>
@@ -1120,8 +1120,8 @@
         </p:nvSpPr>
         <p:spPr>
           <a:xfrm>
-            <a:off x="504000" y="1769040"/>
-            <a:ext cx="4426920" cy="2091240"/>
+            <a:off x="504000" y="1768680"/>
+            <a:ext cx="4426920" cy="2090880"/>
           </a:xfrm>
           <a:prstGeom prst="rect">
             <a:avLst/>
@@ -1136,7 +1136,7 @@
       </p:sp>
       <p:sp>
         <p:nvSpPr>
-          <p:cNvPr id="24" name="PlaceHolder 3"/>
+          <p:cNvPr id="22" name="PlaceHolder 3"/>
           <p:cNvSpPr>
             <a:spLocks noGrp="1"/>
           </p:cNvSpPr>
@@ -1146,8 +1146,8 @@
         </p:nvSpPr>
         <p:spPr>
           <a:xfrm>
-            <a:off x="5152680" y="1769040"/>
-            <a:ext cx="4426920" cy="2091240"/>
+            <a:off x="5152680" y="1768680"/>
+            <a:ext cx="4426920" cy="2090880"/>
           </a:xfrm>
           <a:prstGeom prst="rect">
             <a:avLst/>
@@ -1162,7 +1162,7 @@
       </p:sp>
       <p:sp>
         <p:nvSpPr>
-          <p:cNvPr id="25" name="PlaceHolder 4"/>
+          <p:cNvPr id="23" name="PlaceHolder 4"/>
           <p:cNvSpPr>
             <a:spLocks noGrp="1"/>
           </p:cNvSpPr>
@@ -1172,8 +1172,8 @@
         </p:nvSpPr>
         <p:spPr>
           <a:xfrm>
-            <a:off x="504000" y="4059360"/>
-            <a:ext cx="9071640" cy="2091240"/>
+            <a:off x="504000" y="4058640"/>
+            <a:ext cx="9072000" cy="2090880"/>
           </a:xfrm>
           <a:prstGeom prst="rect">
             <a:avLst/>
@@ -1208,9 +1208,32 @@
           <a:chExt cx="0" cy="0"/>
         </a:xfrm>
       </p:grpSpPr>
-      <p:sp>
-        <p:nvSpPr>
-          <p:cNvPr id="0" name="PlaceHolder 1"/>
+      <p:pic>
+        <p:nvPicPr>
+          <p:cNvPr id="0" name="" descr=""/>
+          <p:cNvPicPr/>
+          <p:nvPr/>
+        </p:nvPicPr>
+        <p:blipFill>
+          <a:blip r:embed="rId2"/>
+          <a:stretch/>
+        </p:blipFill>
+        <p:spPr>
+          <a:xfrm>
+            <a:off x="-58320" y="107640"/>
+            <a:ext cx="7794720" cy="1607040"/>
+          </a:xfrm>
+          <a:prstGeom prst="rect">
+            <a:avLst/>
+          </a:prstGeom>
+          <a:ln>
+            <a:noFill/>
+          </a:ln>
+        </p:spPr>
+      </p:pic>
+      <p:sp>
+        <p:nvSpPr>
+          <p:cNvPr id="1" name="PlaceHolder 1"/>
           <p:cNvSpPr>
             <a:spLocks noGrp="1"/>
           </p:cNvSpPr>
@@ -1221,7 +1244,7 @@
         <p:spPr>
           <a:xfrm>
             <a:off x="504000" y="301320"/>
-            <a:ext cx="9071640" cy="1262160"/>
+            <a:ext cx="9072000" cy="1261800"/>
           </a:xfrm>
           <a:prstGeom prst="rect">
             <a:avLst/>
@@ -1243,7 +1266,7 @@
       </p:sp>
       <p:sp>
         <p:nvSpPr>
-          <p:cNvPr id="1" name="PlaceHolder 2"/>
+          <p:cNvPr id="2" name="PlaceHolder 2"/>
           <p:cNvSpPr>
             <a:spLocks noGrp="1"/>
           </p:cNvSpPr>
@@ -1253,8 +1276,8 @@
         </p:nvSpPr>
         <p:spPr>
           <a:xfrm>
-            <a:off x="504000" y="1769040"/>
-            <a:ext cx="9071640" cy="4384440"/>
+            <a:off x="504000" y="1768680"/>
+            <a:ext cx="9072000" cy="4384080"/>
           </a:xfrm>
           <a:prstGeom prst="rect">
             <a:avLst/>
@@ -1358,104 +1381,6 @@
               </a:rPr>
               <a:t>Seventh Outline Level</a:t>
             </a:r>
-            <a:endParaRPr/>
-          </a:p>
-        </p:txBody>
-      </p:sp>
-      <p:sp>
-        <p:nvSpPr>
-          <p:cNvPr id="2" name="PlaceHolder 3"/>
-          <p:cNvSpPr>
-            <a:spLocks noGrp="1"/>
-          </p:cNvSpPr>
-          <p:nvPr>
-            <p:ph type="dt"/>
-          </p:nvPr>
-        </p:nvSpPr>
-        <p:spPr>
-          <a:xfrm>
-            <a:off x="504000" y="6887160"/>
-            <a:ext cx="2348280" cy="521280"/>
-          </a:xfrm>
-          <a:prstGeom prst="rect">
-            <a:avLst/>
-          </a:prstGeom>
-        </p:spPr>
-        <p:txBody>
-          <a:bodyPr lIns="0" rIns="0" tIns="0" bIns="0"/>
-          <a:p>
-            <a:r>
-              <a:rPr lang="en-US" sz="1400">
-                <a:latin typeface="Times New Roman"/>
-              </a:rPr>
-              <a:t>&lt;date/time&gt;</a:t>
-            </a:r>
-            <a:endParaRPr/>
-          </a:p>
-        </p:txBody>
-      </p:sp>
-      <p:sp>
-        <p:nvSpPr>
-          <p:cNvPr id="3" name="PlaceHolder 4"/>
-          <p:cNvSpPr>
-            <a:spLocks noGrp="1"/>
-          </p:cNvSpPr>
-          <p:nvPr>
-            <p:ph type="ftr"/>
-          </p:nvPr>
-        </p:nvSpPr>
-        <p:spPr>
-          <a:xfrm>
-            <a:off x="3447360" y="6887160"/>
-            <a:ext cx="3195000" cy="521280"/>
-          </a:xfrm>
-          <a:prstGeom prst="rect">
-            <a:avLst/>
-          </a:prstGeom>
-        </p:spPr>
-        <p:txBody>
-          <a:bodyPr lIns="0" rIns="0" tIns="0" bIns="0"/>
-          <a:p>
-            <a:pPr algn="ctr"/>
-            <a:r>
-              <a:rPr lang="en-US" sz="1400">
-                <a:latin typeface="Times New Roman"/>
-              </a:rPr>
-              <a:t>&lt;footer&gt;</a:t>
-            </a:r>
-            <a:endParaRPr/>
-          </a:p>
-        </p:txBody>
-      </p:sp>
-      <p:sp>
-        <p:nvSpPr>
-          <p:cNvPr id="4" name="PlaceHolder 5"/>
-          <p:cNvSpPr>
-            <a:spLocks noGrp="1"/>
-          </p:cNvSpPr>
-          <p:nvPr>
-            <p:ph type="sldNum"/>
-          </p:nvPr>
-        </p:nvSpPr>
-        <p:spPr>
-          <a:xfrm>
-            <a:off x="7227360" y="6887160"/>
-            <a:ext cx="2348280" cy="521280"/>
-          </a:xfrm>
-          <a:prstGeom prst="rect">
-            <a:avLst/>
-          </a:prstGeom>
-        </p:spPr>
-        <p:txBody>
-          <a:bodyPr lIns="0" rIns="0" tIns="0" bIns="0"/>
-          <a:p>
-            <a:pPr algn="r"/>
-            <a:fld id="{B01AF1E6-E4A4-4469-A776-67F34A0CFD13}" type="slidenum">
-              <a:rPr lang="en-US" sz="1400">
-                <a:latin typeface="Times New Roman"/>
-              </a:rPr>
-              <a:t>&lt;number&gt;</a:t>
-            </a:fld>
             <a:endParaRPr/>
           </a:p>
         </p:txBody>
@@ -1464,18 +1389,18 @@
   </p:cSld>
   <p:clrMap bg1="lt1" bg2="lt2" tx1="dk1" tx2="dk2" accent1="accent1" accent2="accent2" accent3="accent3" accent4="accent4" accent5="accent5" accent6="accent6" hlink="hlink" folHlink="folHlink"/>
   <p:sldLayoutIdLst>
-    <p:sldLayoutId id="2147483649" r:id="rId2"/>
-    <p:sldLayoutId id="2147483650" r:id="rId3"/>
-    <p:sldLayoutId id="2147483651" r:id="rId4"/>
-    <p:sldLayoutId id="2147483652" r:id="rId5"/>
-    <p:sldLayoutId id="2147483653" r:id="rId6"/>
-    <p:sldLayoutId id="2147483654" r:id="rId7"/>
-    <p:sldLayoutId id="2147483655" r:id="rId8"/>
-    <p:sldLayoutId id="2147483656" r:id="rId9"/>
-    <p:sldLayoutId id="2147483657" r:id="rId10"/>
-    <p:sldLayoutId id="2147483658" r:id="rId11"/>
-    <p:sldLayoutId id="2147483659" r:id="rId12"/>
-    <p:sldLayoutId id="2147483660" r:id="rId13"/>
+    <p:sldLayoutId id="2147483649" r:id="rId3"/>
+    <p:sldLayoutId id="2147483650" r:id="rId4"/>
+    <p:sldLayoutId id="2147483651" r:id="rId5"/>
+    <p:sldLayoutId id="2147483652" r:id="rId6"/>
+    <p:sldLayoutId id="2147483653" r:id="rId7"/>
+    <p:sldLayoutId id="2147483654" r:id="rId8"/>
+    <p:sldLayoutId id="2147483655" r:id="rId9"/>
+    <p:sldLayoutId id="2147483656" r:id="rId10"/>
+    <p:sldLayoutId id="2147483657" r:id="rId11"/>
+    <p:sldLayoutId id="2147483658" r:id="rId12"/>
+    <p:sldLayoutId id="2147483659" r:id="rId13"/>
+    <p:sldLayoutId id="2147483660" r:id="rId14"/>
   </p:sldLayoutIdLst>
 </p:sldMaster>
 </file>
@@ -1499,14 +1424,14 @@
       </p:grpSpPr>
       <p:sp>
         <p:nvSpPr>
-          <p:cNvPr id="39" name="TextShape 1"/>
-          <p:cNvSpPr txBox="1"/>
+          <p:cNvPr id="37" name="CustomShape 1"/>
+          <p:cNvSpPr/>
           <p:nvPr/>
         </p:nvSpPr>
         <p:spPr>
           <a:xfrm>
             <a:off x="504000" y="301320"/>
-            <a:ext cx="9071640" cy="1262160"/>
+            <a:ext cx="7124760" cy="1261440"/>
           </a:xfrm>
           <a:prstGeom prst="rect">
             <a:avLst/>
@@ -1516,13 +1441,27 @@
             <a:noFill/>
           </a:ln>
         </p:spPr>
+        <p:style>
+          <a:lnRef idx="0"/>
+          <a:fillRef idx="0"/>
+          <a:effectRef idx="0"/>
+          <a:fontRef idx="minor"/>
+        </p:style>
         <p:txBody>
           <a:bodyPr lIns="0" rIns="0" tIns="0" bIns="0" anchor="ctr"/>
           <a:p>
-            <a:pPr algn="ctr"/>
-            <a:r>
-              <a:rPr lang="en-US" sz="4400">
-                <a:latin typeface="Arial"/>
+            <a:pPr algn="ctr">
+              <a:lnSpc>
+                <a:spcPct val="100000"/>
+              </a:lnSpc>
+            </a:pPr>
+            <a:r>
+              <a:rPr lang="en-US" sz="4400" strike="noStrike">
+                <a:solidFill>
+                  <a:srgbClr val="000000"/>
+                </a:solidFill>
+                <a:latin typeface="Ubuntu"/>
+                <a:ea typeface="DejaVu Sans"/>
               </a:rPr>
               <a:t>Introduction to Docker</a:t>
             </a:r>
@@ -1532,14 +1471,14 @@
       </p:sp>
       <p:sp>
         <p:nvSpPr>
-          <p:cNvPr id="40" name="TextShape 2"/>
-          <p:cNvSpPr txBox="1"/>
+          <p:cNvPr id="38" name="CustomShape 2"/>
+          <p:cNvSpPr/>
           <p:nvPr/>
         </p:nvSpPr>
         <p:spPr>
           <a:xfrm>
             <a:off x="504000" y="1769040"/>
-            <a:ext cx="9071640" cy="4384440"/>
+            <a:ext cx="9070920" cy="4383720"/>
           </a:xfrm>
           <a:prstGeom prst="rect">
             <a:avLst/>
@@ -1549,78 +1488,209 @@
             <a:noFill/>
           </a:ln>
         </p:spPr>
+        <p:style>
+          <a:lnRef idx="0"/>
+          <a:fillRef idx="0"/>
+          <a:effectRef idx="0"/>
+          <a:fontRef idx="minor"/>
+        </p:style>
         <p:txBody>
           <a:bodyPr lIns="0" rIns="0" tIns="0" bIns="0" anchor="ctr"/>
           <a:p>
-            <a:pPr algn="ctr"/>
-            <a:r>
-              <a:rPr lang="en-US" sz="3200">
-                <a:latin typeface="Arial"/>
+            <a:pPr algn="ctr">
+              <a:lnSpc>
+                <a:spcPct val="100000"/>
+              </a:lnSpc>
+            </a:pPr>
+            <a:endParaRPr/>
+          </a:p>
+          <a:p>
+            <a:pPr>
+              <a:lnSpc>
+                <a:spcPct val="100000"/>
+              </a:lnSpc>
+            </a:pPr>
+            <a:r>
+              <a:rPr lang="en-US" sz="3200" strike="noStrike">
+                <a:solidFill>
+                  <a:srgbClr val="3333ff"/>
+                </a:solidFill>
+                <a:latin typeface="Ubuntu"/>
+                <a:ea typeface="DejaVu Sans"/>
               </a:rPr>
               <a:t>Presenter</a:t>
             </a:r>
             <a:endParaRPr/>
           </a:p>
           <a:p>
-            <a:pPr algn="ctr"/>
-            <a:r>
-              <a:rPr lang="en-US" sz="3200">
-                <a:latin typeface="Arial"/>
-              </a:rPr>
-              <a:t>Anusha Ragunathan (Docker Inc)</a:t>
-            </a:r>
-            <a:endParaRPr/>
-          </a:p>
-          <a:p>
-            <a:pPr algn="ctr"/>
-            <a:endParaRPr/>
-          </a:p>
-          <a:p>
-            <a:pPr algn="ctr"/>
-            <a:r>
-              <a:rPr lang="en-US" sz="3200">
-                <a:latin typeface="Arial"/>
-              </a:rPr>
-              <a:t>Teaching Assistants </a:t>
-            </a:r>
-            <a:endParaRPr/>
-          </a:p>
-          <a:p>
-            <a:pPr algn="ctr"/>
-            <a:r>
-              <a:rPr lang="en-US" sz="3200">
-                <a:latin typeface="Arial"/>
-              </a:rPr>
-              <a:t>Harish Jayakumar (Docker Inc)</a:t>
-            </a:r>
-            <a:endParaRPr/>
-          </a:p>
-          <a:p>
-            <a:pPr algn="ctr"/>
-            <a:r>
-              <a:rPr lang="en-US" sz="3200">
-                <a:latin typeface="Arial"/>
-              </a:rPr>
-              <a:t>Madhuri Yechuri (ClusterHQ)</a:t>
-            </a:r>
-            <a:endParaRPr/>
-          </a:p>
-          <a:p>
-            <a:pPr algn="ctr"/>
-            <a:endParaRPr/>
-          </a:p>
-          <a:p>
-            <a:pPr algn="ctr"/>
-            <a:r>
-              <a:rPr lang="en-US" sz="3200">
-                <a:latin typeface="Arial"/>
-              </a:rPr>
-              <a:t>April 23, 2016</a:t>
-            </a:r>
+            <a:pPr>
+              <a:lnSpc>
+                <a:spcPct val="100000"/>
+              </a:lnSpc>
+            </a:pPr>
+            <a:r>
+              <a:rPr lang="en-US" sz="3200" strike="noStrike">
+                <a:solidFill>
+                  <a:srgbClr val="000000"/>
+                </a:solidFill>
+                <a:latin typeface="Ubuntu"/>
+                <a:ea typeface="DejaVu Sans"/>
+              </a:rPr>
+              <a:t>Anusha Ragunathan (anusha@docker.com)</a:t>
+            </a:r>
+            <a:endParaRPr/>
+          </a:p>
+          <a:p>
+            <a:pPr algn="ctr">
+              <a:lnSpc>
+                <a:spcPct val="100000"/>
+              </a:lnSpc>
+            </a:pPr>
+            <a:endParaRPr/>
+          </a:p>
+          <a:p>
+            <a:pPr>
+              <a:lnSpc>
+                <a:spcPct val="100000"/>
+              </a:lnSpc>
+            </a:pPr>
+            <a:r>
+              <a:rPr lang="en-US" sz="3200" strike="noStrike">
+                <a:solidFill>
+                  <a:srgbClr val="3333ff"/>
+                </a:solidFill>
+                <a:latin typeface="Ubuntu"/>
+                <a:ea typeface="DejaVu Sans"/>
+              </a:rPr>
+              <a:t>Teaching</a:t>
+            </a:r>
+            <a:r>
+              <a:rPr lang="en-US" strike="noStrike">
+                <a:solidFill>
+                  <a:srgbClr val="000000"/>
+                </a:solidFill>
+                <a:latin typeface="Ubuntu"/>
+                <a:ea typeface="DejaVu Sans"/>
+              </a:rPr>
+              <a:t> </a:t>
+            </a:r>
+            <a:r>
+              <a:rPr lang="en-US" sz="3200" strike="noStrike">
+                <a:solidFill>
+                  <a:srgbClr val="3333ff"/>
+                </a:solidFill>
+                <a:latin typeface="Ubuntu"/>
+                <a:ea typeface="DejaVu Sans"/>
+              </a:rPr>
+              <a:t>Assistants</a:t>
+            </a:r>
+            <a:r>
+              <a:rPr lang="en-US" strike="noStrike">
+                <a:solidFill>
+                  <a:srgbClr val="000000"/>
+                </a:solidFill>
+                <a:latin typeface="Ubuntu"/>
+                <a:ea typeface="DejaVu Sans"/>
+              </a:rPr>
+              <a:t> </a:t>
+            </a:r>
+            <a:endParaRPr/>
+          </a:p>
+          <a:p>
+            <a:pPr>
+              <a:lnSpc>
+                <a:spcPct val="100000"/>
+              </a:lnSpc>
+            </a:pPr>
+            <a:r>
+              <a:rPr lang="en-US" sz="3200" strike="noStrike">
+                <a:solidFill>
+                  <a:srgbClr val="000000"/>
+                </a:solidFill>
+                <a:latin typeface="Ubuntu"/>
+                <a:ea typeface="DejaVu Sans"/>
+              </a:rPr>
+              <a:t>Harish Jayakumar (harish@docker.com)</a:t>
+            </a:r>
+            <a:endParaRPr/>
+          </a:p>
+          <a:p>
+            <a:pPr>
+              <a:lnSpc>
+                <a:spcPct val="100000"/>
+              </a:lnSpc>
+            </a:pPr>
+            <a:r>
+              <a:rPr lang="en-US" sz="3200" strike="noStrike">
+                <a:solidFill>
+                  <a:srgbClr val="000000"/>
+                </a:solidFill>
+                <a:latin typeface="Ubuntu"/>
+                <a:ea typeface="DejaVu Sans"/>
+              </a:rPr>
+              <a:t>Madhuri Yechuri (cosmokramer@gmail.com)</a:t>
+            </a:r>
+            <a:endParaRPr/>
+          </a:p>
+          <a:p>
+            <a:pPr algn="ctr">
+              <a:lnSpc>
+                <a:spcPct val="100000"/>
+              </a:lnSpc>
+            </a:pPr>
+            <a:endParaRPr/>
+          </a:p>
+          <a:p>
+            <a:pPr algn="ctr">
+              <a:lnSpc>
+                <a:spcPct val="100000"/>
+              </a:lnSpc>
+            </a:pPr>
+            <a:r>
+              <a:rPr lang="en-US" sz="3200" strike="noStrike">
+                <a:solidFill>
+                  <a:srgbClr val="000000"/>
+                </a:solidFill>
+                <a:latin typeface="Ubuntu"/>
+                <a:ea typeface="DejaVu Sans"/>
+              </a:rPr>
+              <a:t>DevPulseCon April 23, 2016</a:t>
+            </a:r>
+            <a:endParaRPr/>
+          </a:p>
+          <a:p>
+            <a:pPr algn="ctr">
+              <a:lnSpc>
+                <a:spcPct val="100000"/>
+              </a:lnSpc>
+            </a:pPr>
             <a:endParaRPr/>
           </a:p>
         </p:txBody>
       </p:sp>
+      <p:pic>
+        <p:nvPicPr>
+          <p:cNvPr id="39" name="" descr=""/>
+          <p:cNvPicPr/>
+          <p:nvPr/>
+        </p:nvPicPr>
+        <p:blipFill>
+          <a:blip r:embed="rId1"/>
+          <a:stretch/>
+        </p:blipFill>
+        <p:spPr>
+          <a:xfrm>
+            <a:off x="2295360" y="6196320"/>
+            <a:ext cx="4523760" cy="1094760"/>
+          </a:xfrm>
+          <a:prstGeom prst="rect">
+            <a:avLst/>
+          </a:prstGeom>
+          <a:ln>
+            <a:noFill/>
+          </a:ln>
+        </p:spPr>
+      </p:pic>
     </p:spTree>
   </p:cSld>
   <p:timing>
@@ -1672,14 +1742,14 @@
       </p:grpSpPr>
       <p:sp>
         <p:nvSpPr>
-          <p:cNvPr id="61" name="TextShape 1"/>
-          <p:cNvSpPr txBox="1"/>
+          <p:cNvPr id="60" name="CustomShape 1"/>
+          <p:cNvSpPr/>
           <p:nvPr/>
         </p:nvSpPr>
         <p:spPr>
           <a:xfrm>
             <a:off x="504000" y="301320"/>
-            <a:ext cx="9071640" cy="1262160"/>
+            <a:ext cx="9070920" cy="1261440"/>
           </a:xfrm>
           <a:prstGeom prst="rect">
             <a:avLst/>
@@ -1689,15 +1759,29 @@
             <a:noFill/>
           </a:ln>
         </p:spPr>
+        <p:style>
+          <a:lnRef idx="0"/>
+          <a:fillRef idx="0"/>
+          <a:effectRef idx="0"/>
+          <a:fontRef idx="minor"/>
+        </p:style>
         <p:txBody>
           <a:bodyPr lIns="0" rIns="0" tIns="0" bIns="0" anchor="ctr"/>
           <a:p>
-            <a:pPr algn="ctr"/>
-            <a:r>
-              <a:rPr lang="en-US" sz="4400">
-                <a:latin typeface="Arial"/>
-              </a:rPr>
-              <a:t>The Shipping Container Ecosystem</a:t>
+            <a:pPr>
+              <a:lnSpc>
+                <a:spcPct val="100000"/>
+              </a:lnSpc>
+            </a:pPr>
+            <a:r>
+              <a:rPr lang="en-US" sz="3600" strike="noStrike">
+                <a:solidFill>
+                  <a:srgbClr val="000000"/>
+                </a:solidFill>
+                <a:latin typeface="Ubuntu"/>
+                <a:ea typeface="DejaVu Sans"/>
+              </a:rPr>
+              <a:t>A Shipping Container Ecosystem</a:t>
             </a:r>
             <a:endParaRPr/>
           </a:p>
@@ -1705,14 +1789,14 @@
       </p:sp>
       <p:sp>
         <p:nvSpPr>
-          <p:cNvPr id="62" name="TextShape 2"/>
-          <p:cNvSpPr txBox="1"/>
+          <p:cNvPr id="61" name="CustomShape 2"/>
+          <p:cNvSpPr/>
           <p:nvPr/>
         </p:nvSpPr>
         <p:spPr>
           <a:xfrm>
             <a:off x="504000" y="1769040"/>
-            <a:ext cx="9071640" cy="4384440"/>
+            <a:ext cx="9070920" cy="4383720"/>
           </a:xfrm>
           <a:prstGeom prst="rect">
             <a:avLst/>
@@ -1722,16 +1806,16 @@
             <a:noFill/>
           </a:ln>
         </p:spPr>
-        <p:txBody>
-          <a:bodyPr lIns="0" rIns="0" tIns="0" bIns="0"/>
-          <a:p>
-            <a:endParaRPr/>
-          </a:p>
-        </p:txBody>
+        <p:style>
+          <a:lnRef idx="0"/>
+          <a:fillRef idx="0"/>
+          <a:effectRef idx="0"/>
+          <a:fontRef idx="minor"/>
+        </p:style>
       </p:sp>
       <p:pic>
         <p:nvPicPr>
-          <p:cNvPr id="63" name="" descr=""/>
+          <p:cNvPr id="62" name="" descr=""/>
           <p:cNvPicPr/>
           <p:nvPr/>
         </p:nvPicPr>
@@ -1742,7 +1826,7 @@
         <p:spPr>
           <a:xfrm>
             <a:off x="626760" y="1830240"/>
-            <a:ext cx="8276760" cy="4019040"/>
+            <a:ext cx="8276040" cy="4018320"/>
           </a:xfrm>
           <a:prstGeom prst="rect">
             <a:avLst/>
@@ -1803,14 +1887,14 @@
       </p:grpSpPr>
       <p:sp>
         <p:nvSpPr>
-          <p:cNvPr id="64" name="TextShape 1"/>
-          <p:cNvSpPr txBox="1"/>
+          <p:cNvPr id="63" name="CustomShape 1"/>
+          <p:cNvSpPr/>
           <p:nvPr/>
         </p:nvSpPr>
         <p:spPr>
           <a:xfrm>
             <a:off x="504000" y="301320"/>
-            <a:ext cx="9071640" cy="1262160"/>
+            <a:ext cx="9070920" cy="1261440"/>
           </a:xfrm>
           <a:prstGeom prst="rect">
             <a:avLst/>
@@ -1820,15 +1904,47 @@
             <a:noFill/>
           </a:ln>
         </p:spPr>
+        <p:style>
+          <a:lnRef idx="0"/>
+          <a:fillRef idx="0"/>
+          <a:effectRef idx="0"/>
+          <a:fontRef idx="minor"/>
+        </p:style>
         <p:txBody>
           <a:bodyPr lIns="0" rIns="0" tIns="0" bIns="0" anchor="ctr"/>
           <a:p>
-            <a:pPr algn="ctr"/>
-            <a:r>
-              <a:rPr lang="en-US" sz="4400">
-                <a:latin typeface="Arial"/>
-              </a:rPr>
-              <a:t>A shipping container system for applications</a:t>
+            <a:pPr>
+              <a:lnSpc>
+                <a:spcPct val="100000"/>
+              </a:lnSpc>
+            </a:pPr>
+            <a:r>
+              <a:rPr lang="en-US" sz="4400" strike="noStrike">
+                <a:solidFill>
+                  <a:srgbClr val="000000"/>
+                </a:solidFill>
+                <a:latin typeface="Ubuntu"/>
+                <a:ea typeface="DejaVu Sans"/>
+              </a:rPr>
+              <a:t>A Shipping container system </a:t>
+            </a:r>
+            <a:endParaRPr/>
+          </a:p>
+          <a:p>
+            <a:pPr>
+              <a:lnSpc>
+                <a:spcPct val="100000"/>
+              </a:lnSpc>
+            </a:pPr>
+            <a:r>
+              <a:rPr lang="en-US" sz="4400" strike="noStrike">
+                <a:solidFill>
+                  <a:srgbClr val="000000"/>
+                </a:solidFill>
+                <a:latin typeface="Ubuntu"/>
+                <a:ea typeface="DejaVu Sans"/>
+              </a:rPr>
+              <a:t>for applications</a:t>
             </a:r>
             <a:endParaRPr/>
           </a:p>
@@ -1836,14 +1952,14 @@
       </p:sp>
       <p:sp>
         <p:nvSpPr>
-          <p:cNvPr id="65" name="TextShape 2"/>
-          <p:cNvSpPr txBox="1"/>
+          <p:cNvPr id="64" name="CustomShape 2"/>
+          <p:cNvSpPr/>
           <p:nvPr/>
         </p:nvSpPr>
         <p:spPr>
           <a:xfrm>
             <a:off x="504000" y="1769040"/>
-            <a:ext cx="9071640" cy="4384440"/>
+            <a:ext cx="9070920" cy="4383720"/>
           </a:xfrm>
           <a:prstGeom prst="rect">
             <a:avLst/>
@@ -1853,16 +1969,16 @@
             <a:noFill/>
           </a:ln>
         </p:spPr>
-        <p:txBody>
-          <a:bodyPr lIns="0" rIns="0" tIns="0" bIns="0"/>
-          <a:p>
-            <a:endParaRPr/>
-          </a:p>
-        </p:txBody>
+        <p:style>
+          <a:lnRef idx="0"/>
+          <a:fillRef idx="0"/>
+          <a:effectRef idx="0"/>
+          <a:fontRef idx="minor"/>
+        </p:style>
       </p:sp>
       <p:pic>
         <p:nvPicPr>
-          <p:cNvPr id="66" name="" descr=""/>
+          <p:cNvPr id="65" name="" descr=""/>
           <p:cNvPicPr/>
           <p:nvPr/>
         </p:nvPicPr>
@@ -1873,7 +1989,7 @@
         <p:spPr>
           <a:xfrm>
             <a:off x="524160" y="1744920"/>
-            <a:ext cx="8591040" cy="4333680"/>
+            <a:ext cx="8590320" cy="4332960"/>
           </a:xfrm>
           <a:prstGeom prst="rect">
             <a:avLst/>
@@ -1934,14 +2050,14 @@
       </p:grpSpPr>
       <p:sp>
         <p:nvSpPr>
-          <p:cNvPr id="67" name="TextShape 1"/>
-          <p:cNvSpPr txBox="1"/>
+          <p:cNvPr id="66" name="CustomShape 1"/>
+          <p:cNvSpPr/>
           <p:nvPr/>
         </p:nvSpPr>
         <p:spPr>
           <a:xfrm>
             <a:off x="504000" y="301320"/>
-            <a:ext cx="9071640" cy="1262160"/>
+            <a:ext cx="9070920" cy="1261440"/>
           </a:xfrm>
           <a:prstGeom prst="rect">
             <a:avLst/>
@@ -1951,13 +2067,27 @@
             <a:noFill/>
           </a:ln>
         </p:spPr>
+        <p:style>
+          <a:lnRef idx="0"/>
+          <a:fillRef idx="0"/>
+          <a:effectRef idx="0"/>
+          <a:fontRef idx="minor"/>
+        </p:style>
         <p:txBody>
           <a:bodyPr lIns="0" rIns="0" tIns="0" bIns="0" anchor="ctr"/>
           <a:p>
-            <a:pPr algn="ctr"/>
-            <a:r>
-              <a:rPr lang="en-US" sz="4400">
-                <a:latin typeface="Arial"/>
+            <a:pPr>
+              <a:lnSpc>
+                <a:spcPct val="100000"/>
+              </a:lnSpc>
+            </a:pPr>
+            <a:r>
+              <a:rPr lang="en-US" sz="4000" strike="noStrike">
+                <a:solidFill>
+                  <a:srgbClr val="000000"/>
+                </a:solidFill>
+                <a:latin typeface="Ubuntu"/>
+                <a:ea typeface="DejaVu Sans"/>
               </a:rPr>
               <a:t>Eliminate the matrix from hell</a:t>
             </a:r>
@@ -1967,14 +2097,14 @@
       </p:sp>
       <p:sp>
         <p:nvSpPr>
-          <p:cNvPr id="68" name="TextShape 2"/>
-          <p:cNvSpPr txBox="1"/>
+          <p:cNvPr id="67" name="CustomShape 2"/>
+          <p:cNvSpPr/>
           <p:nvPr/>
         </p:nvSpPr>
         <p:spPr>
           <a:xfrm>
             <a:off x="504000" y="1769040"/>
-            <a:ext cx="9071640" cy="4384440"/>
+            <a:ext cx="9070920" cy="4383720"/>
           </a:xfrm>
           <a:prstGeom prst="rect">
             <a:avLst/>
@@ -1984,16 +2114,16 @@
             <a:noFill/>
           </a:ln>
         </p:spPr>
-        <p:txBody>
-          <a:bodyPr lIns="0" rIns="0" tIns="0" bIns="0"/>
-          <a:p>
-            <a:endParaRPr/>
-          </a:p>
-        </p:txBody>
+        <p:style>
+          <a:lnRef idx="0"/>
+          <a:fillRef idx="0"/>
+          <a:effectRef idx="0"/>
+          <a:fontRef idx="minor"/>
+        </p:style>
       </p:sp>
       <p:pic>
         <p:nvPicPr>
-          <p:cNvPr id="69" name="" descr=""/>
+          <p:cNvPr id="68" name="" descr=""/>
           <p:cNvPicPr/>
           <p:nvPr/>
         </p:nvPicPr>
@@ -2004,7 +2134,7 @@
         <p:spPr>
           <a:xfrm>
             <a:off x="561600" y="1751760"/>
-            <a:ext cx="8372160" cy="4247640"/>
+            <a:ext cx="8371440" cy="4246920"/>
           </a:xfrm>
           <a:prstGeom prst="rect">
             <a:avLst/>
@@ -2065,14 +2195,14 @@
       </p:grpSpPr>
       <p:sp>
         <p:nvSpPr>
-          <p:cNvPr id="70" name="TextShape 1"/>
-          <p:cNvSpPr txBox="1"/>
+          <p:cNvPr id="69" name="CustomShape 1"/>
+          <p:cNvSpPr/>
           <p:nvPr/>
         </p:nvSpPr>
         <p:spPr>
           <a:xfrm>
             <a:off x="504000" y="301320"/>
-            <a:ext cx="9071640" cy="1262160"/>
+            <a:ext cx="9070920" cy="1261440"/>
           </a:xfrm>
           <a:prstGeom prst="rect">
             <a:avLst/>
@@ -2082,15 +2212,29 @@
             <a:noFill/>
           </a:ln>
         </p:spPr>
+        <p:style>
+          <a:lnRef idx="0"/>
+          <a:fillRef idx="0"/>
+          <a:effectRef idx="0"/>
+          <a:fontRef idx="minor"/>
+        </p:style>
         <p:txBody>
           <a:bodyPr lIns="0" rIns="0" tIns="0" bIns="0" anchor="ctr"/>
           <a:p>
-            <a:pPr algn="ctr"/>
-            <a:r>
-              <a:rPr lang="en-US" sz="4400">
-                <a:latin typeface="Arial"/>
-              </a:rPr>
-              <a:t>Zooming into containers</a:t>
+            <a:pPr>
+              <a:lnSpc>
+                <a:spcPct val="100000"/>
+              </a:lnSpc>
+            </a:pPr>
+            <a:r>
+              <a:rPr lang="en-US" sz="4400" strike="noStrike">
+                <a:solidFill>
+                  <a:srgbClr val="000000"/>
+                </a:solidFill>
+                <a:latin typeface="Ubuntu"/>
+                <a:ea typeface="DejaVu Sans"/>
+              </a:rPr>
+              <a:t>Zoom into containers</a:t>
             </a:r>
             <a:endParaRPr/>
           </a:p>
@@ -2098,14 +2242,14 @@
       </p:sp>
       <p:sp>
         <p:nvSpPr>
-          <p:cNvPr id="71" name="TextShape 2"/>
-          <p:cNvSpPr txBox="1"/>
+          <p:cNvPr id="70" name="CustomShape 2"/>
+          <p:cNvSpPr/>
           <p:nvPr/>
         </p:nvSpPr>
         <p:spPr>
           <a:xfrm>
             <a:off x="504000" y="1769040"/>
-            <a:ext cx="9071640" cy="4384440"/>
+            <a:ext cx="9070920" cy="4383720"/>
           </a:xfrm>
           <a:prstGeom prst="rect">
             <a:avLst/>
@@ -2115,17 +2259,30 @@
             <a:noFill/>
           </a:ln>
         </p:spPr>
+        <p:style>
+          <a:lnRef idx="0"/>
+          <a:fillRef idx="0"/>
+          <a:effectRef idx="0"/>
+          <a:fontRef idx="minor"/>
+        </p:style>
         <p:txBody>
           <a:bodyPr lIns="0" rIns="0" tIns="0" bIns="0"/>
           <a:p>
             <a:pPr>
-              <a:buSzPct val="45000"/>
-              <a:buFont typeface="StarSymbol"/>
-              <a:buChar char=""/>
-            </a:pPr>
-            <a:r>
-              <a:rPr lang="en-US" sz="3200">
-                <a:latin typeface="Arial"/>
+              <a:lnSpc>
+                <a:spcPct val="100000"/>
+              </a:lnSpc>
+              <a:buSzPct val="45000"/>
+              <a:buFont typeface="StarSymbol"/>
+              <a:buChar char="l"/>
+            </a:pPr>
+            <a:r>
+              <a:rPr lang="en-US" sz="3200" strike="noStrike">
+                <a:solidFill>
+                  <a:srgbClr val="000000"/>
+                </a:solidFill>
+                <a:latin typeface="Ubuntu"/>
+                <a:ea typeface="DejaVu Sans"/>
               </a:rPr>
               <a:t>Step 1: What's a container, really?</a:t>
             </a:r>
@@ -2133,13 +2290,20 @@
           </a:p>
           <a:p>
             <a:pPr>
-              <a:buSzPct val="45000"/>
-              <a:buFont typeface="StarSymbol"/>
-              <a:buChar char=""/>
-            </a:pPr>
-            <a:r>
-              <a:rPr lang="en-US" sz="3200">
-                <a:latin typeface="Arial"/>
+              <a:lnSpc>
+                <a:spcPct val="100000"/>
+              </a:lnSpc>
+              <a:buSzPct val="45000"/>
+              <a:buFont typeface="StarSymbol"/>
+              <a:buChar char="l"/>
+            </a:pPr>
+            <a:r>
+              <a:rPr lang="en-US" sz="3200" strike="noStrike">
+                <a:solidFill>
+                  <a:srgbClr val="000000"/>
+                </a:solidFill>
+                <a:latin typeface="Ubuntu"/>
+                <a:ea typeface="DejaVu Sans"/>
               </a:rPr>
               <a:t>Step 2: Commoditization of containers</a:t>
             </a:r>
@@ -2147,13 +2311,20 @@
           </a:p>
           <a:p>
             <a:pPr>
-              <a:buSzPct val="45000"/>
-              <a:buFont typeface="StarSymbol"/>
-              <a:buChar char=""/>
-            </a:pPr>
-            <a:r>
-              <a:rPr lang="en-US" sz="3200">
-                <a:latin typeface="Arial"/>
+              <a:lnSpc>
+                <a:spcPct val="100000"/>
+              </a:lnSpc>
+              <a:buSzPct val="45000"/>
+              <a:buFont typeface="StarSymbol"/>
+              <a:buChar char="l"/>
+            </a:pPr>
+            <a:r>
+              <a:rPr lang="en-US" sz="3200" strike="noStrike">
+                <a:solidFill>
+                  <a:srgbClr val="000000"/>
+                </a:solidFill>
+                <a:latin typeface="Ubuntu"/>
+                <a:ea typeface="DejaVu Sans"/>
               </a:rPr>
               <a:t>Step 3: Shipping containers efficiently</a:t>
             </a:r>
@@ -2161,13 +2332,20 @@
           </a:p>
           <a:p>
             <a:pPr>
-              <a:buSzPct val="45000"/>
-              <a:buFont typeface="StarSymbol"/>
-              <a:buChar char=""/>
-            </a:pPr>
-            <a:r>
-              <a:rPr lang="en-US" sz="3200">
-                <a:latin typeface="Arial"/>
+              <a:lnSpc>
+                <a:spcPct val="100000"/>
+              </a:lnSpc>
+              <a:buSzPct val="45000"/>
+              <a:buFont typeface="StarSymbol"/>
+              <a:buChar char="l"/>
+            </a:pPr>
+            <a:r>
+              <a:rPr lang="en-US" sz="3200" strike="noStrike">
+                <a:solidFill>
+                  <a:srgbClr val="000000"/>
+                </a:solidFill>
+                <a:latin typeface="Ubuntu"/>
+                <a:ea typeface="DejaVu Sans"/>
               </a:rPr>
               <a:t>Step 4: Containers in a modern software factory</a:t>
             </a:r>
@@ -2226,14 +2404,14 @@
       </p:grpSpPr>
       <p:sp>
         <p:nvSpPr>
-          <p:cNvPr id="72" name="TextShape 1"/>
-          <p:cNvSpPr txBox="1"/>
+          <p:cNvPr id="71" name="CustomShape 1"/>
+          <p:cNvSpPr/>
           <p:nvPr/>
         </p:nvSpPr>
         <p:spPr>
           <a:xfrm>
             <a:off x="504000" y="301320"/>
-            <a:ext cx="9071640" cy="1262160"/>
+            <a:ext cx="9070920" cy="1261440"/>
           </a:xfrm>
           <a:prstGeom prst="rect">
             <a:avLst/>
@@ -2243,15 +2421,29 @@
             <a:noFill/>
           </a:ln>
         </p:spPr>
+        <p:style>
+          <a:lnRef idx="0"/>
+          <a:fillRef idx="0"/>
+          <a:effectRef idx="0"/>
+          <a:fontRef idx="minor"/>
+        </p:style>
         <p:txBody>
           <a:bodyPr lIns="0" rIns="0" tIns="0" bIns="0" anchor="ctr"/>
           <a:p>
-            <a:pPr algn="ctr"/>
-            <a:r>
-              <a:rPr lang="en-US" sz="4400">
-                <a:latin typeface="Arial"/>
-              </a:rPr>
-              <a:t>Step 1: What's a container, really?</a:t>
+            <a:pPr>
+              <a:lnSpc>
+                <a:spcPct val="100000"/>
+              </a:lnSpc>
+            </a:pPr>
+            <a:r>
+              <a:rPr lang="en-US" sz="3600" strike="noStrike">
+                <a:solidFill>
+                  <a:srgbClr val="000000"/>
+                </a:solidFill>
+                <a:latin typeface="Ubuntu"/>
+                <a:ea typeface="DejaVu Sans"/>
+              </a:rPr>
+              <a:t>Step 1: What's a container really?</a:t>
             </a:r>
             <a:endParaRPr/>
           </a:p>
@@ -2259,14 +2451,14 @@
       </p:sp>
       <p:sp>
         <p:nvSpPr>
-          <p:cNvPr id="73" name="TextShape 2"/>
-          <p:cNvSpPr txBox="1"/>
+          <p:cNvPr id="72" name="CustomShape 2"/>
+          <p:cNvSpPr/>
           <p:nvPr/>
         </p:nvSpPr>
         <p:spPr>
           <a:xfrm>
             <a:off x="504000" y="1769040"/>
-            <a:ext cx="9071640" cy="4384440"/>
+            <a:ext cx="9070920" cy="4383720"/>
           </a:xfrm>
           <a:prstGeom prst="rect">
             <a:avLst/>
@@ -2276,17 +2468,30 @@
             <a:noFill/>
           </a:ln>
         </p:spPr>
+        <p:style>
+          <a:lnRef idx="0"/>
+          <a:fillRef idx="0"/>
+          <a:effectRef idx="0"/>
+          <a:fontRef idx="minor"/>
+        </p:style>
         <p:txBody>
           <a:bodyPr lIns="0" rIns="0" tIns="0" bIns="0"/>
           <a:p>
             <a:pPr>
-              <a:buSzPct val="45000"/>
-              <a:buFont typeface="StarSymbol"/>
-              <a:buChar char=""/>
-            </a:pPr>
-            <a:r>
-              <a:rPr lang="en-US" sz="3200">
-                <a:latin typeface="Arial"/>
+              <a:lnSpc>
+                <a:spcPct val="100000"/>
+              </a:lnSpc>
+              <a:buSzPct val="45000"/>
+              <a:buFont typeface="StarSymbol"/>
+              <a:buChar char="l"/>
+            </a:pPr>
+            <a:r>
+              <a:rPr lang="en-US" sz="3200" strike="noStrike">
+                <a:solidFill>
+                  <a:srgbClr val="000000"/>
+                </a:solidFill>
+                <a:latin typeface="Ubuntu"/>
+                <a:ea typeface="DejaVu Sans"/>
               </a:rPr>
               <a:t>High level: Its a light weight VM</a:t>
             </a:r>
@@ -2294,27 +2499,41 @@
           </a:p>
           <a:p>
             <a:pPr lvl="1">
-              <a:buSzPct val="75000"/>
-              <a:buFont typeface="StarSymbol"/>
-              <a:buChar char=""/>
-            </a:pPr>
-            <a:r>
-              <a:rPr lang="en-US" sz="2800">
-                <a:latin typeface="Arial"/>
-              </a:rPr>
-              <a:t>Can shell onto it</a:t>
+              <a:lnSpc>
+                <a:spcPct val="100000"/>
+              </a:lnSpc>
+              <a:buSzPct val="45000"/>
+              <a:buFont typeface="StarSymbol"/>
+              <a:buChar char="l"/>
+            </a:pPr>
+            <a:r>
+              <a:rPr lang="en-US" sz="2800" strike="noStrike">
+                <a:solidFill>
+                  <a:srgbClr val="000000"/>
+                </a:solidFill>
+                <a:latin typeface="Ubuntu"/>
+                <a:ea typeface="DejaVu Sans"/>
+              </a:rPr>
+              <a:t>Can run a shell</a:t>
             </a:r>
             <a:endParaRPr/>
           </a:p>
           <a:p>
             <a:pPr lvl="1">
-              <a:buSzPct val="75000"/>
-              <a:buFont typeface="StarSymbol"/>
-              <a:buChar char=""/>
-            </a:pPr>
-            <a:r>
-              <a:rPr lang="en-US" sz="2800">
-                <a:latin typeface="Arial"/>
+              <a:lnSpc>
+                <a:spcPct val="100000"/>
+              </a:lnSpc>
+              <a:buSzPct val="45000"/>
+              <a:buFont typeface="StarSymbol"/>
+              <a:buChar char="l"/>
+            </a:pPr>
+            <a:r>
+              <a:rPr lang="en-US" sz="2800" strike="noStrike">
+                <a:solidFill>
+                  <a:srgbClr val="000000"/>
+                </a:solidFill>
+                <a:latin typeface="Ubuntu"/>
+                <a:ea typeface="DejaVu Sans"/>
               </a:rPr>
               <a:t>Feels like a VM given, it has:</a:t>
             </a:r>
@@ -2322,13 +2541,20 @@
           </a:p>
           <a:p>
             <a:pPr lvl="2">
-              <a:buSzPct val="45000"/>
-              <a:buFont typeface="StarSymbol"/>
-              <a:buChar char=""/>
-            </a:pPr>
-            <a:r>
-              <a:rPr lang="en-US" sz="2400">
-                <a:latin typeface="Arial"/>
+              <a:lnSpc>
+                <a:spcPct val="100000"/>
+              </a:lnSpc>
+              <a:buSzPct val="45000"/>
+              <a:buFont typeface="StarSymbol"/>
+              <a:buChar char="l"/>
+            </a:pPr>
+            <a:r>
+              <a:rPr lang="en-US" sz="2400" strike="noStrike">
+                <a:solidFill>
+                  <a:srgbClr val="000000"/>
+                </a:solidFill>
+                <a:latin typeface="Ubuntu"/>
+                <a:ea typeface="DejaVu Sans"/>
               </a:rPr>
               <a:t>Own process space</a:t>
             </a:r>
@@ -2336,13 +2562,20 @@
           </a:p>
           <a:p>
             <a:pPr lvl="2">
-              <a:buSzPct val="45000"/>
-              <a:buFont typeface="StarSymbol"/>
-              <a:buChar char=""/>
-            </a:pPr>
-            <a:r>
-              <a:rPr lang="en-US" sz="2400">
-                <a:latin typeface="Arial"/>
+              <a:lnSpc>
+                <a:spcPct val="100000"/>
+              </a:lnSpc>
+              <a:buSzPct val="45000"/>
+              <a:buFont typeface="StarSymbol"/>
+              <a:buChar char="l"/>
+            </a:pPr>
+            <a:r>
+              <a:rPr lang="en-US" sz="2400" strike="noStrike">
+                <a:solidFill>
+                  <a:srgbClr val="000000"/>
+                </a:solidFill>
+                <a:latin typeface="Ubuntu"/>
+                <a:ea typeface="DejaVu Sans"/>
               </a:rPr>
               <a:t>Own network interface</a:t>
             </a:r>
@@ -2350,13 +2583,20 @@
           </a:p>
           <a:p>
             <a:pPr lvl="2">
-              <a:buSzPct val="45000"/>
-              <a:buFont typeface="StarSymbol"/>
-              <a:buChar char=""/>
-            </a:pPr>
-            <a:r>
-              <a:rPr lang="en-US" sz="2400">
-                <a:latin typeface="Arial"/>
+              <a:lnSpc>
+                <a:spcPct val="100000"/>
+              </a:lnSpc>
+              <a:buSzPct val="45000"/>
+              <a:buFont typeface="StarSymbol"/>
+              <a:buChar char="l"/>
+            </a:pPr>
+            <a:r>
+              <a:rPr lang="en-US" sz="2400" strike="noStrike">
+                <a:solidFill>
+                  <a:srgbClr val="000000"/>
+                </a:solidFill>
+                <a:latin typeface="Ubuntu"/>
+                <a:ea typeface="DejaVu Sans"/>
               </a:rPr>
               <a:t>Can run as root</a:t>
             </a:r>
@@ -2364,13 +2604,20 @@
           </a:p>
           <a:p>
             <a:pPr lvl="2">
-              <a:buSzPct val="45000"/>
-              <a:buFont typeface="StarSymbol"/>
-              <a:buChar char=""/>
-            </a:pPr>
-            <a:r>
-              <a:rPr lang="en-US" sz="2400">
-                <a:latin typeface="Arial"/>
+              <a:lnSpc>
+                <a:spcPct val="100000"/>
+              </a:lnSpc>
+              <a:buSzPct val="45000"/>
+              <a:buFont typeface="StarSymbol"/>
+              <a:buChar char="l"/>
+            </a:pPr>
+            <a:r>
+              <a:rPr lang="en-US" sz="2400" strike="noStrike">
+                <a:solidFill>
+                  <a:srgbClr val="000000"/>
+                </a:solidFill>
+                <a:latin typeface="Ubuntu"/>
+                <a:ea typeface="DejaVu Sans"/>
               </a:rPr>
               <a:t>Can install packages</a:t>
             </a:r>
@@ -2378,13 +2625,20 @@
           </a:p>
           <a:p>
             <a:pPr lvl="2">
-              <a:buSzPct val="45000"/>
-              <a:buFont typeface="StarSymbol"/>
-              <a:buChar char=""/>
-            </a:pPr>
-            <a:r>
-              <a:rPr lang="en-US" sz="2400">
-                <a:latin typeface="Arial"/>
+              <a:lnSpc>
+                <a:spcPct val="100000"/>
+              </a:lnSpc>
+              <a:buSzPct val="45000"/>
+              <a:buFont typeface="StarSymbol"/>
+              <a:buChar char="l"/>
+            </a:pPr>
+            <a:r>
+              <a:rPr lang="en-US" sz="2400" strike="noStrike">
+                <a:solidFill>
+                  <a:srgbClr val="000000"/>
+                </a:solidFill>
+                <a:latin typeface="Ubuntu"/>
+                <a:ea typeface="DejaVu Sans"/>
               </a:rPr>
               <a:t>Can run services</a:t>
             </a:r>
@@ -2392,23 +2646,30 @@
           </a:p>
           <a:p>
             <a:pPr lvl="2">
-              <a:buSzPct val="45000"/>
-              <a:buFont typeface="StarSymbol"/>
-              <a:buChar char=""/>
-            </a:pPr>
-            <a:r>
-              <a:rPr lang="en-US" sz="2400">
-                <a:latin typeface="Arial"/>
+              <a:lnSpc>
+                <a:spcPct val="100000"/>
+              </a:lnSpc>
+              <a:buSzPct val="45000"/>
+              <a:buFont typeface="StarSymbol"/>
+              <a:buChar char="l"/>
+            </a:pPr>
+            <a:r>
+              <a:rPr lang="en-US" sz="2400" strike="noStrike">
+                <a:solidFill>
+                  <a:srgbClr val="000000"/>
+                </a:solidFill>
+                <a:latin typeface="Ubuntu"/>
+                <a:ea typeface="DejaVu Sans"/>
               </a:rPr>
               <a:t>Can run applications</a:t>
             </a:r>
             <a:endParaRPr/>
           </a:p>
           <a:p>
-            <a:pPr lvl="2">
-              <a:buSzPct val="45000"/>
-              <a:buFont typeface="StarSymbol"/>
-              <a:buChar char=""/>
+            <a:pPr>
+              <a:lnSpc>
+                <a:spcPct val="100000"/>
+              </a:lnSpc>
             </a:pPr>
             <a:endParaRPr/>
           </a:p>
@@ -2465,14 +2726,14 @@
       </p:grpSpPr>
       <p:sp>
         <p:nvSpPr>
-          <p:cNvPr id="74" name="TextShape 1"/>
-          <p:cNvSpPr txBox="1"/>
+          <p:cNvPr id="73" name="CustomShape 1"/>
+          <p:cNvSpPr/>
           <p:nvPr/>
         </p:nvSpPr>
         <p:spPr>
           <a:xfrm>
-            <a:off x="504000" y="301320"/>
-            <a:ext cx="9071640" cy="1262160"/>
+            <a:off x="504000" y="2025000"/>
+            <a:ext cx="9070920" cy="3263760"/>
           </a:xfrm>
           <a:prstGeom prst="rect">
             <a:avLst/>
@@ -2482,15 +2743,231 @@
             <a:noFill/>
           </a:ln>
         </p:spPr>
+        <p:style>
+          <a:lnRef idx="0"/>
+          <a:fillRef idx="0"/>
+          <a:effectRef idx="0"/>
+          <a:fontRef idx="minor"/>
+        </p:style>
         <p:txBody>
-          <a:bodyPr lIns="0" rIns="0" tIns="0" bIns="0" anchor="ctr"/>
-          <a:p>
-            <a:pPr algn="ctr"/>
-            <a:r>
-              <a:rPr lang="en-US" sz="4400">
-                <a:latin typeface="Arial"/>
-              </a:rPr>
-              <a:t>Step1: What's a container, really?</a:t>
+          <a:bodyPr lIns="0" rIns="0" tIns="0" bIns="0"/>
+          <a:p>
+            <a:pPr>
+              <a:lnSpc>
+                <a:spcPct val="100000"/>
+              </a:lnSpc>
+              <a:buSzPct val="45000"/>
+              <a:buFont typeface="StarSymbol"/>
+              <a:buChar char="l"/>
+            </a:pPr>
+            <a:r>
+              <a:rPr lang="en-US" sz="3200" strike="noStrike">
+                <a:solidFill>
+                  <a:srgbClr val="000000"/>
+                </a:solidFill>
+                <a:latin typeface="Ubuntu"/>
+                <a:ea typeface="DejaVu Sans"/>
+              </a:rPr>
+              <a:t>Low-level: process isolation on steroids.</a:t>
+            </a:r>
+            <a:endParaRPr/>
+          </a:p>
+          <a:p>
+            <a:pPr>
+              <a:lnSpc>
+                <a:spcPct val="100000"/>
+              </a:lnSpc>
+              <a:buSzPct val="45000"/>
+              <a:buFont typeface="StarSymbol"/>
+              <a:buChar char="l"/>
+            </a:pPr>
+            <a:r>
+              <a:rPr lang="en-US" sz="3200" strike="noStrike">
+                <a:solidFill>
+                  <a:srgbClr val="000000"/>
+                </a:solidFill>
+                <a:latin typeface="Ubuntu"/>
+                <a:ea typeface="DejaVu Sans"/>
+              </a:rPr>
+              <a:t>Containers are unlike a VM since they:</a:t>
+            </a:r>
+            <a:endParaRPr/>
+          </a:p>
+          <a:p>
+            <a:pPr lvl="1">
+              <a:lnSpc>
+                <a:spcPct val="100000"/>
+              </a:lnSpc>
+              <a:buSzPct val="45000"/>
+              <a:buFont typeface="StarSymbol"/>
+              <a:buChar char="l"/>
+            </a:pPr>
+            <a:r>
+              <a:rPr lang="en-US" sz="2800" strike="noStrike">
+                <a:solidFill>
+                  <a:srgbClr val="000000"/>
+                </a:solidFill>
+                <a:latin typeface="Ubuntu"/>
+                <a:ea typeface="DejaVu Sans"/>
+              </a:rPr>
+              <a:t> </a:t>
+            </a:r>
+            <a:r>
+              <a:rPr lang="en-US" sz="2800" strike="noStrike">
+                <a:solidFill>
+                  <a:srgbClr val="000000"/>
+                </a:solidFill>
+                <a:latin typeface="Ubuntu"/>
+                <a:ea typeface="DejaVu Sans"/>
+              </a:rPr>
+              <a:t>Use host kernel</a:t>
+            </a:r>
+            <a:endParaRPr/>
+          </a:p>
+          <a:p>
+            <a:pPr lvl="1">
+              <a:lnSpc>
+                <a:spcPct val="100000"/>
+              </a:lnSpc>
+              <a:buSzPct val="45000"/>
+              <a:buFont typeface="StarSymbol"/>
+              <a:buChar char="l"/>
+            </a:pPr>
+            <a:r>
+              <a:rPr lang="en-US" sz="2800" strike="noStrike">
+                <a:solidFill>
+                  <a:srgbClr val="000000"/>
+                </a:solidFill>
+                <a:latin typeface="Ubuntu"/>
+                <a:ea typeface="DejaVu Sans"/>
+              </a:rPr>
+              <a:t>Cant boot an OS different from the host</a:t>
+            </a:r>
+            <a:endParaRPr/>
+          </a:p>
+          <a:p>
+            <a:pPr lvl="1">
+              <a:lnSpc>
+                <a:spcPct val="100000"/>
+              </a:lnSpc>
+              <a:buSzPct val="45000"/>
+              <a:buFont typeface="StarSymbol"/>
+              <a:buChar char="l"/>
+            </a:pPr>
+            <a:r>
+              <a:rPr lang="en-US" sz="2800" strike="noStrike">
+                <a:solidFill>
+                  <a:srgbClr val="000000"/>
+                </a:solidFill>
+                <a:latin typeface="Ubuntu"/>
+                <a:ea typeface="DejaVu Sans"/>
+              </a:rPr>
+              <a:t>Cant have its own kernel modules</a:t>
+            </a:r>
+            <a:endParaRPr/>
+          </a:p>
+          <a:p>
+            <a:pPr lvl="1">
+              <a:lnSpc>
+                <a:spcPct val="100000"/>
+              </a:lnSpc>
+              <a:buSzPct val="45000"/>
+              <a:buFont typeface="StarSymbol"/>
+              <a:buChar char="l"/>
+            </a:pPr>
+            <a:r>
+              <a:rPr lang="en-US" sz="2800" strike="noStrike">
+                <a:solidFill>
+                  <a:srgbClr val="000000"/>
+                </a:solidFill>
+                <a:latin typeface="Ubuntu"/>
+                <a:ea typeface="DejaVu Sans"/>
+              </a:rPr>
+              <a:t>Does not need to have init as PID 1</a:t>
+            </a:r>
+            <a:endParaRPr/>
+          </a:p>
+          <a:p>
+            <a:pPr>
+              <a:lnSpc>
+                <a:spcPct val="100000"/>
+              </a:lnSpc>
+              <a:buSzPct val="45000"/>
+              <a:buFont typeface="StarSymbol"/>
+              <a:buChar char="l"/>
+            </a:pPr>
+            <a:r>
+              <a:rPr lang="en-US" sz="3200" strike="noStrike">
+                <a:solidFill>
+                  <a:srgbClr val="000000"/>
+                </a:solidFill>
+                <a:latin typeface="Ubuntu"/>
+                <a:ea typeface="DejaVu Sans"/>
+              </a:rPr>
+              <a:t>The building blocks</a:t>
+            </a:r>
+            <a:endParaRPr/>
+          </a:p>
+          <a:p>
+            <a:pPr lvl="1">
+              <a:lnSpc>
+                <a:spcPct val="100000"/>
+              </a:lnSpc>
+              <a:buSzPct val="45000"/>
+              <a:buFont typeface="StarSymbol"/>
+              <a:buChar char="l"/>
+            </a:pPr>
+            <a:r>
+              <a:rPr lang="en-US" sz="2800" strike="noStrike">
+                <a:solidFill>
+                  <a:srgbClr val="000000"/>
+                </a:solidFill>
+                <a:latin typeface="Ubuntu"/>
+                <a:ea typeface="DejaVu Sans"/>
+              </a:rPr>
+              <a:t>Control groups (aka cgroups)</a:t>
+            </a:r>
+            <a:endParaRPr/>
+          </a:p>
+          <a:p>
+            <a:pPr lvl="1">
+              <a:lnSpc>
+                <a:spcPct val="100000"/>
+              </a:lnSpc>
+              <a:buSzPct val="45000"/>
+              <a:buFont typeface="StarSymbol"/>
+              <a:buChar char="l"/>
+            </a:pPr>
+            <a:r>
+              <a:rPr lang="en-US" sz="2800" strike="noStrike">
+                <a:solidFill>
+                  <a:srgbClr val="000000"/>
+                </a:solidFill>
+                <a:latin typeface="Ubuntu"/>
+                <a:ea typeface="DejaVu Sans"/>
+              </a:rPr>
+              <a:t>Namespaces</a:t>
+            </a:r>
+            <a:endParaRPr/>
+          </a:p>
+          <a:p>
+            <a:pPr lvl="1">
+              <a:lnSpc>
+                <a:spcPct val="100000"/>
+              </a:lnSpc>
+              <a:buSzPct val="45000"/>
+              <a:buFont typeface="StarSymbol"/>
+              <a:buChar char="l"/>
+            </a:pPr>
+            <a:r>
+              <a:rPr lang="en-US" sz="2800" strike="noStrike">
+                <a:solidFill>
+                  <a:srgbClr val="000000"/>
+                </a:solidFill>
+                <a:latin typeface="Ubuntu"/>
+                <a:ea typeface="DejaVu Sans"/>
+              </a:rPr>
+              <a:t>COW filesystem</a:t>
             </a:r>
             <a:endParaRPr/>
           </a:p>
@@ -2498,14 +2975,14 @@
       </p:sp>
       <p:sp>
         <p:nvSpPr>
-          <p:cNvPr id="75" name="TextShape 2"/>
-          <p:cNvSpPr txBox="1"/>
+          <p:cNvPr id="74" name="CustomShape 2"/>
+          <p:cNvSpPr/>
           <p:nvPr/>
         </p:nvSpPr>
         <p:spPr>
           <a:xfrm>
-            <a:off x="504000" y="1769040"/>
-            <a:ext cx="9071640" cy="4384440"/>
+            <a:off x="198720" y="281520"/>
+            <a:ext cx="7375320" cy="1117800"/>
           </a:xfrm>
           <a:prstGeom prst="rect">
             <a:avLst/>
@@ -2515,157 +2992,25 @@
             <a:noFill/>
           </a:ln>
         </p:spPr>
+        <p:style>
+          <a:lnRef idx="0"/>
+          <a:fillRef idx="0"/>
+          <a:effectRef idx="0"/>
+          <a:fontRef idx="minor"/>
+        </p:style>
         <p:txBody>
-          <a:bodyPr lIns="0" rIns="0" tIns="0" bIns="0"/>
-          <a:p>
-            <a:pPr>
-              <a:buSzPct val="45000"/>
-              <a:buFont typeface="StarSymbol"/>
-              <a:buChar char=""/>
-            </a:pPr>
-            <a:r>
-              <a:rPr lang="en-US" sz="3200">
-                <a:latin typeface="Arial"/>
-              </a:rPr>
-              <a:t>Low-level: process isolation on steroids.</a:t>
-            </a:r>
-            <a:endParaRPr/>
-          </a:p>
-          <a:p>
-            <a:pPr>
-              <a:buSzPct val="45000"/>
-              <a:buFont typeface="StarSymbol"/>
-              <a:buChar char=""/>
-            </a:pPr>
-            <a:r>
-              <a:rPr lang="en-US" sz="3200">
-                <a:latin typeface="Arial"/>
-              </a:rPr>
-              <a:t>Containers are unlike a VM since they:</a:t>
-            </a:r>
-            <a:endParaRPr/>
-          </a:p>
-          <a:p>
-            <a:pPr lvl="1">
-              <a:buSzPct val="75000"/>
-              <a:buFont typeface="StarSymbol"/>
-              <a:buChar char=""/>
-            </a:pPr>
-            <a:r>
-              <a:rPr lang="en-US" sz="2800">
-                <a:latin typeface="Arial"/>
-              </a:rPr>
-              <a:t> </a:t>
-            </a:r>
-            <a:r>
-              <a:rPr lang="en-US" sz="2800">
-                <a:latin typeface="Arial"/>
-              </a:rPr>
-              <a:t>Use host kernel</a:t>
-            </a:r>
-            <a:endParaRPr/>
-          </a:p>
-          <a:p>
-            <a:pPr lvl="1">
-              <a:buSzPct val="75000"/>
-              <a:buFont typeface="StarSymbol"/>
-              <a:buChar char=""/>
-            </a:pPr>
-            <a:r>
-              <a:rPr lang="en-US" sz="2800">
-                <a:latin typeface="Arial"/>
-              </a:rPr>
-              <a:t>Cant boot an OS different from the host</a:t>
-            </a:r>
-            <a:endParaRPr/>
-          </a:p>
-          <a:p>
-            <a:pPr lvl="1">
-              <a:buSzPct val="75000"/>
-              <a:buFont typeface="StarSymbol"/>
-              <a:buChar char=""/>
-            </a:pPr>
-            <a:r>
-              <a:rPr lang="en-US" sz="2800">
-                <a:latin typeface="Arial"/>
-              </a:rPr>
-              <a:t>Cant have its own kernel modules</a:t>
-            </a:r>
-            <a:endParaRPr/>
-          </a:p>
-          <a:p>
-            <a:pPr lvl="1">
-              <a:buSzPct val="75000"/>
-              <a:buFont typeface="StarSymbol"/>
-              <a:buChar char=""/>
-            </a:pPr>
-            <a:r>
-              <a:rPr lang="en-US" sz="2800">
-                <a:latin typeface="Arial"/>
-              </a:rPr>
-              <a:t>Does not need to have init as PID 1</a:t>
-            </a:r>
-            <a:endParaRPr/>
-          </a:p>
-          <a:p>
-            <a:pPr>
-              <a:buSzPct val="45000"/>
-              <a:buFont typeface="StarSymbol"/>
-              <a:buChar char=""/>
-            </a:pPr>
-            <a:r>
-              <a:rPr lang="en-US" sz="3200">
-                <a:latin typeface="Arial"/>
-              </a:rPr>
-              <a:t>The building block</a:t>
-            </a:r>
-            <a:r>
-              <a:rPr lang="en-US" sz="3200">
-                <a:latin typeface="Arial"/>
-              </a:rPr>
-              <a:t>s</a:t>
-            </a:r>
-            <a:endParaRPr/>
-          </a:p>
-          <a:p>
-            <a:pPr lvl="1">
-              <a:buSzPct val="75000"/>
-              <a:buFont typeface="StarSymbol"/>
-              <a:buChar char=""/>
-            </a:pPr>
-            <a:r>
-              <a:rPr lang="en-US" sz="2800">
-                <a:latin typeface="Arial"/>
-              </a:rPr>
-              <a:t>Control groups (aka cgroups)</a:t>
-            </a:r>
-            <a:endParaRPr/>
-          </a:p>
-          <a:p>
-            <a:pPr lvl="1">
-              <a:buSzPct val="75000"/>
-              <a:buFont typeface="StarSymbol"/>
-              <a:buChar char=""/>
-            </a:pPr>
-            <a:r>
-              <a:rPr lang="en-US" sz="2800">
-                <a:latin typeface="Arial"/>
-              </a:rPr>
-              <a:t>Namespaces</a:t>
-            </a:r>
-            <a:endParaRPr/>
-          </a:p>
-          <a:p>
-            <a:pPr lvl="1">
-              <a:buSzPct val="75000"/>
-              <a:buFont typeface="StarSymbol"/>
-              <a:buChar char=""/>
-            </a:pPr>
-            <a:r>
-              <a:rPr lang="en-US" sz="2800">
-                <a:latin typeface="Arial"/>
-              </a:rPr>
-              <a:t>COW filesystem</a:t>
+          <a:bodyPr lIns="90000" rIns="90000" tIns="45000" bIns="45000"/>
+          <a:p>
+            <a:pPr>
+              <a:lnSpc>
+                <a:spcPct val="100000"/>
+              </a:lnSpc>
+            </a:pPr>
+            <a:r>
+              <a:rPr lang="en-US" sz="3600" strike="noStrike">
+                <a:latin typeface="Ubuntu"/>
+              </a:rPr>
+              <a:t>Step1: What's a container, really?</a:t>
             </a:r>
             <a:endParaRPr/>
           </a:p>
@@ -2722,14 +3067,14 @@
       </p:grpSpPr>
       <p:sp>
         <p:nvSpPr>
-          <p:cNvPr id="76" name="TextShape 1"/>
-          <p:cNvSpPr txBox="1"/>
+          <p:cNvPr id="75" name="CustomShape 1"/>
+          <p:cNvSpPr/>
           <p:nvPr/>
         </p:nvSpPr>
         <p:spPr>
           <a:xfrm>
             <a:off x="504000" y="301320"/>
-            <a:ext cx="9071640" cy="1262160"/>
+            <a:ext cx="9070920" cy="1261440"/>
           </a:xfrm>
           <a:prstGeom prst="rect">
             <a:avLst/>
@@ -2739,13 +3084,27 @@
             <a:noFill/>
           </a:ln>
         </p:spPr>
+        <p:style>
+          <a:lnRef idx="0"/>
+          <a:fillRef idx="0"/>
+          <a:effectRef idx="0"/>
+          <a:fontRef idx="minor"/>
+        </p:style>
         <p:txBody>
           <a:bodyPr lIns="0" rIns="0" tIns="0" bIns="0" anchor="ctr"/>
           <a:p>
-            <a:pPr algn="ctr"/>
-            <a:r>
-              <a:rPr lang="en-US" sz="4400">
-                <a:latin typeface="Arial"/>
+            <a:pPr algn="ctr">
+              <a:lnSpc>
+                <a:spcPct val="100000"/>
+              </a:lnSpc>
+            </a:pPr>
+            <a:r>
+              <a:rPr lang="en-US" sz="4400" strike="noStrike">
+                <a:solidFill>
+                  <a:srgbClr val="000000"/>
+                </a:solidFill>
+                <a:latin typeface="Ubuntu"/>
+                <a:ea typeface="DejaVu Sans"/>
               </a:rPr>
               <a:t>Step1: Cgroups</a:t>
             </a:r>
@@ -2755,14 +3114,14 @@
       </p:sp>
       <p:sp>
         <p:nvSpPr>
-          <p:cNvPr id="77" name="TextShape 2"/>
-          <p:cNvSpPr txBox="1"/>
+          <p:cNvPr id="76" name="CustomShape 2"/>
+          <p:cNvSpPr/>
           <p:nvPr/>
         </p:nvSpPr>
         <p:spPr>
           <a:xfrm>
             <a:off x="504000" y="1769040"/>
-            <a:ext cx="9071640" cy="4384440"/>
+            <a:ext cx="9070920" cy="4383720"/>
           </a:xfrm>
           <a:prstGeom prst="rect">
             <a:avLst/>
@@ -2772,17 +3131,30 @@
             <a:noFill/>
           </a:ln>
         </p:spPr>
+        <p:style>
+          <a:lnRef idx="0"/>
+          <a:fillRef idx="0"/>
+          <a:effectRef idx="0"/>
+          <a:fontRef idx="minor"/>
+        </p:style>
         <p:txBody>
           <a:bodyPr lIns="0" rIns="0" tIns="0" bIns="0"/>
           <a:p>
             <a:pPr>
-              <a:buSzPct val="45000"/>
-              <a:buFont typeface="StarSymbol"/>
-              <a:buChar char=""/>
-            </a:pPr>
-            <a:r>
-              <a:rPr lang="en-US" sz="3200">
-                <a:latin typeface="Arial"/>
+              <a:lnSpc>
+                <a:spcPct val="100000"/>
+              </a:lnSpc>
+              <a:buSzPct val="45000"/>
+              <a:buFont typeface="StarSymbol"/>
+              <a:buChar char="l"/>
+            </a:pPr>
+            <a:r>
+              <a:rPr lang="en-US" sz="3200" strike="noStrike">
+                <a:solidFill>
+                  <a:srgbClr val="000000"/>
+                </a:solidFill>
+                <a:latin typeface="Ubuntu"/>
+                <a:ea typeface="DejaVu Sans"/>
               </a:rPr>
               <a:t>Resource metering and limiting on subsystems</a:t>
             </a:r>
@@ -2790,13 +3162,20 @@
           </a:p>
           <a:p>
             <a:pPr lvl="1">
-              <a:buSzPct val="75000"/>
-              <a:buFont typeface="StarSymbol"/>
-              <a:buChar char=""/>
-            </a:pPr>
-            <a:r>
-              <a:rPr lang="en-US" sz="2800">
-                <a:latin typeface="Arial"/>
+              <a:lnSpc>
+                <a:spcPct val="100000"/>
+              </a:lnSpc>
+              <a:buSzPct val="45000"/>
+              <a:buFont typeface="StarSymbol"/>
+              <a:buChar char="l"/>
+            </a:pPr>
+            <a:r>
+              <a:rPr lang="en-US" sz="2800" strike="noStrike">
+                <a:solidFill>
+                  <a:srgbClr val="000000"/>
+                </a:solidFill>
+                <a:latin typeface="Ubuntu"/>
+                <a:ea typeface="DejaVu Sans"/>
               </a:rPr>
               <a:t>Memory, cpu, block i/o, network</a:t>
             </a:r>
@@ -2804,25 +3183,40 @@
           </a:p>
           <a:p>
             <a:pPr lvl="1">
-              <a:buSzPct val="75000"/>
-              <a:buFont typeface="StarSymbol"/>
-              <a:buChar char=""/>
-            </a:pPr>
-            <a:r>
-              <a:rPr lang="en-US" sz="2800">
-                <a:latin typeface="Arial"/>
+              <a:lnSpc>
+                <a:spcPct val="100000"/>
+              </a:lnSpc>
+              <a:buSzPct val="45000"/>
+              <a:buFont typeface="StarSymbol"/>
+              <a:buChar char="l"/>
+            </a:pPr>
+            <a:r>
+              <a:rPr lang="en-US" sz="2800" strike="noStrike">
+                <a:solidFill>
+                  <a:srgbClr val="000000"/>
+                </a:solidFill>
+                <a:latin typeface="Ubuntu"/>
+                <a:ea typeface="DejaVu Sans"/>
               </a:rPr>
               <a:t>Each</a:t>
             </a:r>
             <a:r>
-              <a:rPr lang="en-US" sz="3200">
-                <a:latin typeface="Arial"/>
+              <a:rPr lang="en-US" sz="3200" strike="noStrike">
+                <a:solidFill>
+                  <a:srgbClr val="000000"/>
+                </a:solidFill>
+                <a:latin typeface="Ubuntu"/>
+                <a:ea typeface="DejaVu Sans"/>
               </a:rPr>
               <a:t> </a:t>
             </a:r>
             <a:r>
-              <a:rPr lang="en-US" sz="2800">
-                <a:latin typeface="Arial"/>
+              <a:rPr lang="en-US" sz="2800" strike="noStrike">
+                <a:solidFill>
+                  <a:srgbClr val="000000"/>
+                </a:solidFill>
+                <a:latin typeface="Ubuntu"/>
+                <a:ea typeface="DejaVu Sans"/>
               </a:rPr>
               <a:t>subsystem has a hierarchy tree ( under /sys/fs)</a:t>
             </a:r>
@@ -2830,13 +3224,20 @@
           </a:p>
           <a:p>
             <a:pPr lvl="1">
-              <a:buSzPct val="75000"/>
-              <a:buFont typeface="StarSymbol"/>
-              <a:buChar char=""/>
-            </a:pPr>
-            <a:r>
-              <a:rPr lang="en-US" sz="2800">
-                <a:latin typeface="Arial"/>
+              <a:lnSpc>
+                <a:spcPct val="100000"/>
+              </a:lnSpc>
+              <a:buSzPct val="45000"/>
+              <a:buFont typeface="StarSymbol"/>
+              <a:buChar char="l"/>
+            </a:pPr>
+            <a:r>
+              <a:rPr lang="en-US" sz="2800" strike="noStrike">
+                <a:solidFill>
+                  <a:srgbClr val="000000"/>
+                </a:solidFill>
+                <a:latin typeface="Ubuntu"/>
+                <a:ea typeface="DejaVu Sans"/>
               </a:rPr>
               <a:t>Hierarchies are independent.</a:t>
             </a:r>
@@ -2844,13 +3245,20 @@
           </a:p>
           <a:p>
             <a:pPr lvl="1">
-              <a:buSzPct val="75000"/>
-              <a:buFont typeface="StarSymbol"/>
-              <a:buChar char=""/>
-            </a:pPr>
-            <a:r>
-              <a:rPr lang="en-US" sz="2800">
-                <a:latin typeface="Arial"/>
+              <a:lnSpc>
+                <a:spcPct val="100000"/>
+              </a:lnSpc>
+              <a:buSzPct val="45000"/>
+              <a:buFont typeface="StarSymbol"/>
+              <a:buChar char="l"/>
+            </a:pPr>
+            <a:r>
+              <a:rPr lang="en-US" sz="2800" strike="noStrike">
+                <a:solidFill>
+                  <a:srgbClr val="000000"/>
+                </a:solidFill>
+                <a:latin typeface="Ubuntu"/>
+                <a:ea typeface="DejaVu Sans"/>
               </a:rPr>
               <a:t>Each process belongs to one node in a hierarchy</a:t>
             </a:r>
@@ -2858,13 +3266,20 @@
           </a:p>
           <a:p>
             <a:pPr lvl="1">
-              <a:buSzPct val="75000"/>
-              <a:buFont typeface="StarSymbol"/>
-              <a:buChar char=""/>
-            </a:pPr>
-            <a:r>
-              <a:rPr lang="en-US" sz="2800">
-                <a:latin typeface="Arial"/>
+              <a:lnSpc>
+                <a:spcPct val="100000"/>
+              </a:lnSpc>
+              <a:buSzPct val="45000"/>
+              <a:buFont typeface="StarSymbol"/>
+              <a:buChar char="l"/>
+            </a:pPr>
+            <a:r>
+              <a:rPr lang="en-US" sz="2800" strike="noStrike">
+                <a:solidFill>
+                  <a:srgbClr val="000000"/>
+                </a:solidFill>
+                <a:latin typeface="Ubuntu"/>
+                <a:ea typeface="DejaVu Sans"/>
               </a:rPr>
               <a:t>All processes initially belong to root of the hierarchy</a:t>
             </a:r>
@@ -2872,13 +3287,20 @@
           </a:p>
           <a:p>
             <a:pPr>
-              <a:buSzPct val="45000"/>
-              <a:buFont typeface="StarSymbol"/>
-              <a:buChar char=""/>
-            </a:pPr>
-            <a:r>
-              <a:rPr lang="en-US" sz="3200">
-                <a:latin typeface="Arial"/>
+              <a:lnSpc>
+                <a:spcPct val="100000"/>
+              </a:lnSpc>
+              <a:buSzPct val="45000"/>
+              <a:buFont typeface="StarSymbol"/>
+              <a:buChar char="l"/>
+            </a:pPr>
+            <a:r>
+              <a:rPr lang="en-US" sz="3200" strike="noStrike">
+                <a:solidFill>
+                  <a:srgbClr val="000000"/>
+                </a:solidFill>
+                <a:latin typeface="Ubuntu"/>
+                <a:ea typeface="DejaVu Sans"/>
               </a:rPr>
               <a:t>Device (/dev/*) node access control</a:t>
             </a:r>
@@ -2886,9 +3308,9 @@
           </a:p>
           <a:p>
             <a:pPr>
-              <a:buSzPct val="45000"/>
-              <a:buFont typeface="StarSymbol"/>
-              <a:buChar char=""/>
+              <a:lnSpc>
+                <a:spcPct val="100000"/>
+              </a:lnSpc>
             </a:pPr>
             <a:endParaRPr/>
           </a:p>
@@ -2945,14 +3367,14 @@
       </p:grpSpPr>
       <p:sp>
         <p:nvSpPr>
-          <p:cNvPr id="78" name="TextShape 1"/>
-          <p:cNvSpPr txBox="1"/>
+          <p:cNvPr id="77" name="CustomShape 1"/>
+          <p:cNvSpPr/>
           <p:nvPr/>
         </p:nvSpPr>
         <p:spPr>
           <a:xfrm>
             <a:off x="504000" y="301320"/>
-            <a:ext cx="9071640" cy="1262160"/>
+            <a:ext cx="9070920" cy="1261440"/>
           </a:xfrm>
           <a:prstGeom prst="rect">
             <a:avLst/>
@@ -2962,15 +3384,47 @@
             <a:noFill/>
           </a:ln>
         </p:spPr>
+        <p:style>
+          <a:lnRef idx="0"/>
+          <a:fillRef idx="0"/>
+          <a:effectRef idx="0"/>
+          <a:fontRef idx="minor"/>
+        </p:style>
         <p:txBody>
           <a:bodyPr lIns="0" rIns="0" tIns="0" bIns="0" anchor="ctr"/>
           <a:p>
-            <a:pPr algn="ctr"/>
-            <a:r>
-              <a:rPr lang="en-US" sz="4400">
-                <a:latin typeface="Arial"/>
-              </a:rPr>
-              <a:t>Step1: Example cgroup hierarchy</a:t>
+            <a:pPr algn="ctr">
+              <a:lnSpc>
+                <a:spcPct val="100000"/>
+              </a:lnSpc>
+            </a:pPr>
+            <a:r>
+              <a:rPr lang="en-US" sz="3600" strike="noStrike">
+                <a:solidFill>
+                  <a:srgbClr val="000000"/>
+                </a:solidFill>
+                <a:latin typeface="Ubuntu"/>
+                <a:ea typeface="DejaVu Sans"/>
+              </a:rPr>
+              <a:t>Step1: cgroup hierarchy</a:t>
+            </a:r>
+            <a:endParaRPr/>
+          </a:p>
+          <a:p>
+            <a:pPr algn="ctr">
+              <a:lnSpc>
+                <a:spcPct val="100000"/>
+              </a:lnSpc>
+            </a:pPr>
+            <a:r>
+              <a:rPr lang="en-US" sz="3600" strike="noStrike">
+                <a:solidFill>
+                  <a:srgbClr val="000000"/>
+                </a:solidFill>
+                <a:latin typeface="Ubuntu"/>
+                <a:ea typeface="DejaVu Sans"/>
+              </a:rPr>
+              <a:t>example</a:t>
             </a:r>
             <a:endParaRPr/>
           </a:p>
@@ -2978,14 +3432,14 @@
       </p:sp>
       <p:sp>
         <p:nvSpPr>
-          <p:cNvPr id="79" name="TextShape 2"/>
-          <p:cNvSpPr txBox="1"/>
+          <p:cNvPr id="78" name="CustomShape 2"/>
+          <p:cNvSpPr/>
           <p:nvPr/>
         </p:nvSpPr>
         <p:spPr>
           <a:xfrm>
             <a:off x="504000" y="1769040"/>
-            <a:ext cx="9071640" cy="4384440"/>
+            <a:ext cx="9070920" cy="4383720"/>
           </a:xfrm>
           <a:prstGeom prst="rect">
             <a:avLst/>
@@ -2995,23 +3449,40 @@
             <a:noFill/>
           </a:ln>
         </p:spPr>
+        <p:style>
+          <a:lnRef idx="0"/>
+          <a:fillRef idx="0"/>
+          <a:effectRef idx="0"/>
+          <a:fontRef idx="minor"/>
+        </p:style>
         <p:txBody>
           <a:bodyPr lIns="0" rIns="0" tIns="0" bIns="0"/>
           <a:p>
             <a:pPr>
-              <a:buSzPct val="45000"/>
-              <a:buFont typeface="StarSymbol"/>
-              <a:buChar char=""/>
-            </a:pPr>
-            <a:r>
-              <a:rPr b="1" lang="en-US" sz="3200">
+              <a:lnSpc>
+                <a:spcPct val="100000"/>
+              </a:lnSpc>
+              <a:buSzPct val="45000"/>
+              <a:buFont typeface="StarSymbol"/>
+              <a:buChar char="l"/>
+            </a:pPr>
+            <a:r>
+              <a:rPr b="1" lang="en-US" sz="3200" strike="noStrike">
+                <a:solidFill>
+                  <a:srgbClr val="000000"/>
+                </a:solidFill>
                 <a:latin typeface="Arial"/>
+                <a:ea typeface="DejaVu Sans"/>
               </a:rPr>
               <a:t>├─</a:t>
             </a:r>
             <a:r>
-              <a:rPr b="1" lang="en-US" sz="3200">
+              <a:rPr b="1" lang="en-US" sz="2000" strike="noStrike">
+                <a:solidFill>
+                  <a:srgbClr val="000000"/>
+                </a:solidFill>
                 <a:latin typeface="Arial"/>
+                <a:ea typeface="DejaVu Sans"/>
               </a:rPr>
               <a:t>cpu,cpuacct</a:t>
             </a:r>
@@ -3019,19 +3490,30 @@
           </a:p>
           <a:p>
             <a:pPr>
-              <a:buSzPct val="45000"/>
-              <a:buFont typeface="StarSymbol"/>
-              <a:buChar char=""/>
-            </a:pPr>
-            <a:r>
-              <a:rPr lang="en-US" sz="3200">
+              <a:lnSpc>
+                <a:spcPct val="100000"/>
+              </a:lnSpc>
+              <a:buSzPct val="45000"/>
+              <a:buFont typeface="StarSymbol"/>
+              <a:buChar char="l"/>
+            </a:pPr>
+            <a:r>
+              <a:rPr lang="en-US" sz="2000" strike="noStrike">
+                <a:solidFill>
+                  <a:srgbClr val="000000"/>
+                </a:solidFill>
                 <a:latin typeface="Arial"/>
+                <a:ea typeface="DejaVu Sans"/>
               </a:rPr>
               <a:t>│ ├─  </a:t>
             </a:r>
             <a:r>
-              <a:rPr lang="en-US" sz="3200">
+              <a:rPr lang="en-US" sz="2000" strike="noStrike">
+                <a:solidFill>
+                  <a:srgbClr val="000000"/>
+                </a:solidFill>
                 <a:latin typeface="Arial"/>
+                <a:ea typeface="DejaVu Sans"/>
               </a:rPr>
               <a:t>1 /sbin/init splash</a:t>
             </a:r>
@@ -3039,19 +3521,30 @@
           </a:p>
           <a:p>
             <a:pPr>
-              <a:buSzPct val="45000"/>
-              <a:buFont typeface="StarSymbol"/>
-              <a:buChar char=""/>
-            </a:pPr>
-            <a:r>
-              <a:rPr lang="en-US" sz="3200">
+              <a:lnSpc>
+                <a:spcPct val="100000"/>
+              </a:lnSpc>
+              <a:buSzPct val="45000"/>
+              <a:buFont typeface="StarSymbol"/>
+              <a:buChar char="l"/>
+            </a:pPr>
+            <a:r>
+              <a:rPr lang="en-US" sz="2000" strike="noStrike">
+                <a:solidFill>
+                  <a:srgbClr val="000000"/>
+                </a:solidFill>
                 <a:latin typeface="Arial"/>
+                <a:ea typeface="DejaVu Sans"/>
               </a:rPr>
               <a:t>│ ├─</a:t>
             </a:r>
             <a:r>
-              <a:rPr lang="en-US" sz="3200">
+              <a:rPr lang="en-US" sz="2000" strike="noStrike">
+                <a:solidFill>
+                  <a:srgbClr val="000000"/>
+                </a:solidFill>
                 <a:latin typeface="Arial"/>
+                <a:ea typeface="DejaVu Sans"/>
               </a:rPr>
               <a:t>710 /sbin/cgmanager -m name=systemd</a:t>
             </a:r>
@@ -3059,25 +3552,30 @@
           </a:p>
           <a:p>
             <a:pPr>
-              <a:buSzPct val="45000"/>
-              <a:buFont typeface="StarSymbol"/>
-              <a:buChar char=""/>
-            </a:pPr>
-            <a:r>
-              <a:rPr lang="en-US" sz="3200">
+              <a:lnSpc>
+                <a:spcPct val="100000"/>
+              </a:lnSpc>
+              <a:buSzPct val="45000"/>
+              <a:buFont typeface="StarSymbol"/>
+              <a:buChar char="l"/>
+            </a:pPr>
+            <a:r>
+              <a:rPr lang="en-US" sz="2000" strike="noStrike">
                 <a:solidFill>
                   <a:srgbClr val="3333ff"/>
                 </a:solidFill>
                 <a:latin typeface="Arial"/>
+                <a:ea typeface="DejaVu Sans"/>
               </a:rPr>
               <a:t>│ ├─</a:t>
             </a:r>
             <a:r>
-              <a:rPr lang="en-US" sz="3200">
+              <a:rPr lang="en-US" sz="2000" strike="noStrike">
                 <a:solidFill>
                   <a:srgbClr val="3333ff"/>
                 </a:solidFill>
                 <a:latin typeface="Arial"/>
+                <a:ea typeface="DejaVu Sans"/>
               </a:rPr>
               <a:t>system.slice</a:t>
             </a:r>
@@ -3085,31 +3583,50 @@
           </a:p>
           <a:p>
             <a:pPr>
-              <a:buSzPct val="45000"/>
-              <a:buFont typeface="StarSymbol"/>
-              <a:buChar char=""/>
-            </a:pPr>
-            <a:r>
-              <a:rPr lang="en-US" sz="3200">
+              <a:lnSpc>
+                <a:spcPct val="100000"/>
+              </a:lnSpc>
+              <a:buSzPct val="45000"/>
+              <a:buFont typeface="StarSymbol"/>
+              <a:buChar char="l"/>
+            </a:pPr>
+            <a:r>
+              <a:rPr lang="en-US" sz="2000" strike="noStrike">
+                <a:solidFill>
+                  <a:srgbClr val="3333ff"/>
+                </a:solidFill>
                 <a:latin typeface="Arial"/>
+                <a:ea typeface="DejaVu Sans"/>
               </a:rPr>
               <a:t>│ </a:t>
             </a:r>
             <a:r>
-              <a:rPr lang="en-US" sz="3200">
-                <a:solidFill>
-                  <a:srgbClr val="ff3333"/>
+              <a:rPr lang="en-US" sz="2000" strike="noStrike">
+                <a:solidFill>
+                  <a:srgbClr val="000000"/>
                 </a:solidFill>
                 <a:latin typeface="Arial"/>
-              </a:rPr>
-              <a:t>│ ├─</a:t>
-            </a:r>
-            <a:r>
-              <a:rPr lang="en-US" sz="3200">
-                <a:solidFill>
-                  <a:srgbClr val="ff3333"/>
+                <a:ea typeface="DejaVu Sans"/>
+              </a:rPr>
+              <a:t>│ </a:t>
+            </a:r>
+            <a:r>
+              <a:rPr lang="en-US" sz="2000" strike="noStrike">
+                <a:solidFill>
+                  <a:srgbClr val="ff00cc"/>
                 </a:solidFill>
                 <a:latin typeface="Arial"/>
+                <a:ea typeface="DejaVu Sans"/>
+              </a:rPr>
+              <a:t>├─</a:t>
+            </a:r>
+            <a:r>
+              <a:rPr lang="en-US" sz="2000" strike="noStrike">
+                <a:solidFill>
+                  <a:srgbClr val="ff00cc"/>
+                </a:solidFill>
+                <a:latin typeface="Arial"/>
+                <a:ea typeface="DejaVu Sans"/>
               </a:rPr>
               <a:t>avahi-daemon.service</a:t>
             </a:r>
@@ -3117,71 +3634,102 @@
           </a:p>
           <a:p>
             <a:pPr>
-              <a:buSzPct val="45000"/>
-              <a:buFont typeface="StarSymbol"/>
-              <a:buChar char=""/>
-            </a:pPr>
-            <a:r>
-              <a:rPr lang="en-US" sz="3200">
+              <a:lnSpc>
+                <a:spcPct val="100000"/>
+              </a:lnSpc>
+              <a:buSzPct val="45000"/>
+              <a:buFont typeface="StarSymbol"/>
+              <a:buChar char="l"/>
+            </a:pPr>
+            <a:r>
+              <a:rPr lang="en-US" sz="2000" strike="noStrike">
+                <a:solidFill>
+                  <a:srgbClr val="000000"/>
+                </a:solidFill>
                 <a:latin typeface="Arial"/>
+                <a:ea typeface="DejaVu Sans"/>
               </a:rPr>
               <a:t>│ │ │ ├─</a:t>
             </a:r>
             <a:r>
-              <a:rPr lang="en-US" sz="3200">
+              <a:rPr lang="en-US" sz="2000" strike="noStrike">
+                <a:solidFill>
+                  <a:srgbClr val="000000"/>
+                </a:solidFill>
                 <a:latin typeface="Arial"/>
-              </a:rPr>
-              <a:t>672 avahi-daemon: running [aragunathan-XPS-13-9343.local</a:t>
-            </a:r>
-            <a:endParaRPr/>
-          </a:p>
-          <a:p>
-            <a:pPr>
-              <a:buSzPct val="45000"/>
-              <a:buFont typeface="StarSymbol"/>
-              <a:buChar char=""/>
-            </a:pPr>
-            <a:r>
-              <a:rPr lang="en-US" sz="3200">
+                <a:ea typeface="DejaVu Sans"/>
+              </a:rPr>
+              <a:t>672 avahi-daemon: running hostname.local</a:t>
+            </a:r>
+            <a:endParaRPr/>
+          </a:p>
+          <a:p>
+            <a:pPr>
+              <a:lnSpc>
+                <a:spcPct val="100000"/>
+              </a:lnSpc>
+              <a:buSzPct val="45000"/>
+              <a:buFont typeface="StarSymbol"/>
+              <a:buChar char="l"/>
+            </a:pPr>
+            <a:r>
+              <a:rPr lang="en-US" sz="2000" strike="noStrike">
+                <a:solidFill>
+                  <a:srgbClr val="000000"/>
+                </a:solidFill>
                 <a:latin typeface="Arial"/>
+                <a:ea typeface="DejaVu Sans"/>
               </a:rPr>
               <a:t>│ │ │ └─</a:t>
             </a:r>
             <a:r>
-              <a:rPr lang="en-US" sz="3200">
+              <a:rPr lang="en-US" sz="2000" strike="noStrike">
+                <a:solidFill>
+                  <a:srgbClr val="000000"/>
+                </a:solidFill>
                 <a:latin typeface="Arial"/>
-              </a:rPr>
-              <a:t>682 avahi-daemon: chroot helpe</a:t>
-            </a:r>
-            <a:endParaRPr/>
-          </a:p>
-          <a:p>
-            <a:pPr>
-              <a:buSzPct val="45000"/>
-              <a:buFont typeface="StarSymbol"/>
-              <a:buChar char=""/>
-            </a:pPr>
-            <a:r>
-              <a:rPr lang="en-US" sz="3200">
+                <a:ea typeface="DejaVu Sans"/>
+              </a:rPr>
+              <a:t>682 avahi-daemon: chroot helper</a:t>
+            </a:r>
+            <a:endParaRPr/>
+          </a:p>
+          <a:p>
+            <a:pPr>
+              <a:lnSpc>
+                <a:spcPct val="100000"/>
+              </a:lnSpc>
+              <a:buSzPct val="45000"/>
+              <a:buFont typeface="StarSymbol"/>
+              <a:buChar char="l"/>
+            </a:pPr>
+            <a:r>
+              <a:rPr lang="en-US" sz="2000" strike="noStrike">
+                <a:solidFill>
+                  <a:srgbClr val="000000"/>
+                </a:solidFill>
                 <a:latin typeface="Arial"/>
-              </a:rPr>
-              <a:t>│ </a:t>
-            </a:r>
-            <a:r>
-              <a:rPr lang="en-US" sz="3200">
-                <a:solidFill>
-                  <a:srgbClr val="ff3333"/>
+                <a:ea typeface="DejaVu Sans"/>
+              </a:rPr>
+              <a:t>│ │ </a:t>
+            </a:r>
+            <a:r>
+              <a:rPr lang="en-US" sz="2000" strike="noStrike">
+                <a:solidFill>
+                  <a:srgbClr val="ff00cc"/>
                 </a:solidFill>
                 <a:latin typeface="Arial"/>
-              </a:rPr>
-              <a:t>│ ├─</a:t>
-            </a:r>
-            <a:r>
-              <a:rPr lang="en-US" sz="3200">
-                <a:solidFill>
-                  <a:srgbClr val="ff3333"/>
+                <a:ea typeface="DejaVu Sans"/>
+              </a:rPr>
+              <a:t>├─</a:t>
+            </a:r>
+            <a:r>
+              <a:rPr lang="en-US" sz="2000" strike="noStrike">
+                <a:solidFill>
+                  <a:srgbClr val="ff00cc"/>
                 </a:solidFill>
                 <a:latin typeface="Arial"/>
+                <a:ea typeface="DejaVu Sans"/>
               </a:rPr>
               <a:t>console-kit-daemon.service</a:t>
             </a:r>
@@ -3189,19 +3737,30 @@
           </a:p>
           <a:p>
             <a:pPr>
-              <a:buSzPct val="45000"/>
-              <a:buFont typeface="StarSymbol"/>
-              <a:buChar char=""/>
-            </a:pPr>
-            <a:r>
-              <a:rPr lang="en-US" sz="3200">
+              <a:lnSpc>
+                <a:spcPct val="100000"/>
+              </a:lnSpc>
+              <a:buSzPct val="45000"/>
+              <a:buFont typeface="StarSymbol"/>
+              <a:buChar char="l"/>
+            </a:pPr>
+            <a:r>
+              <a:rPr lang="en-US" sz="2000" strike="noStrike">
+                <a:solidFill>
+                  <a:srgbClr val="000000"/>
+                </a:solidFill>
                 <a:latin typeface="Arial"/>
+                <a:ea typeface="DejaVu Sans"/>
               </a:rPr>
               <a:t>│ │ │ └─</a:t>
             </a:r>
             <a:r>
-              <a:rPr lang="en-US" sz="3200">
+              <a:rPr lang="en-US" sz="2000" strike="noStrike">
+                <a:solidFill>
+                  <a:srgbClr val="000000"/>
+                </a:solidFill>
                 <a:latin typeface="Arial"/>
+                <a:ea typeface="DejaVu Sans"/>
               </a:rPr>
               <a:t>3408 /usr/sbin/console-kit-daemon --no-daemon</a:t>
             </a:r>
@@ -3209,25 +3768,40 @@
           </a:p>
           <a:p>
             <a:pPr>
-              <a:buSzPct val="45000"/>
-              <a:buFont typeface="StarSymbol"/>
-              <a:buChar char=""/>
-            </a:pPr>
-            <a:r>
-              <a:rPr lang="en-US" sz="3200">
-                <a:solidFill>
-                  <a:srgbClr val="ff3333"/>
+              <a:lnSpc>
+                <a:spcPct val="100000"/>
+              </a:lnSpc>
+              <a:buSzPct val="45000"/>
+              <a:buFont typeface="StarSymbol"/>
+              <a:buChar char="l"/>
+            </a:pPr>
+            <a:r>
+              <a:rPr lang="en-US" sz="2000" strike="noStrike">
+                <a:solidFill>
+                  <a:srgbClr val="000000"/>
                 </a:solidFill>
                 <a:latin typeface="Arial"/>
-              </a:rPr>
-              <a:t>│ │ ├─</a:t>
-            </a:r>
-            <a:r>
-              <a:rPr lang="en-US" sz="3200">
-                <a:solidFill>
-                  <a:srgbClr val="ff3333"/>
+                <a:ea typeface="DejaVu Sans"/>
+              </a:rPr>
+              <a:t>│ │ </a:t>
+            </a:r>
+            <a:r>
+              <a:rPr lang="en-US" sz="2000" strike="noStrike">
+                <a:solidFill>
+                  <a:srgbClr val="ff00cc"/>
                 </a:solidFill>
                 <a:latin typeface="Arial"/>
+                <a:ea typeface="DejaVu Sans"/>
+              </a:rPr>
+              <a:t>├─</a:t>
+            </a:r>
+            <a:r>
+              <a:rPr lang="en-US" sz="2000" strike="noStrike">
+                <a:solidFill>
+                  <a:srgbClr val="ff00cc"/>
+                </a:solidFill>
+                <a:latin typeface="Arial"/>
+                <a:ea typeface="DejaVu Sans"/>
               </a:rPr>
               <a:t>thermald.service</a:t>
             </a:r>
@@ -3235,19 +3809,30 @@
           </a:p>
           <a:p>
             <a:pPr>
-              <a:buSzPct val="45000"/>
-              <a:buFont typeface="StarSymbol"/>
-              <a:buChar char=""/>
-            </a:pPr>
-            <a:r>
-              <a:rPr lang="en-US" sz="3200">
+              <a:lnSpc>
+                <a:spcPct val="100000"/>
+              </a:lnSpc>
+              <a:buSzPct val="45000"/>
+              <a:buFont typeface="StarSymbol"/>
+              <a:buChar char="l"/>
+            </a:pPr>
+            <a:r>
+              <a:rPr lang="en-US" sz="2000" strike="noStrike">
+                <a:solidFill>
+                  <a:srgbClr val="000000"/>
+                </a:solidFill>
                 <a:latin typeface="Arial"/>
+                <a:ea typeface="DejaVu Sans"/>
               </a:rPr>
               <a:t>│ │ │ └─</a:t>
             </a:r>
             <a:r>
-              <a:rPr lang="en-US" sz="3200">
+              <a:rPr lang="en-US" sz="2000" strike="noStrike">
+                <a:solidFill>
+                  <a:srgbClr val="000000"/>
+                </a:solidFill>
                 <a:latin typeface="Arial"/>
+                <a:ea typeface="DejaVu Sans"/>
               </a:rPr>
               <a:t>679 /usr/sbin/thermald --no-daemon --dbus-enable</a:t>
             </a:r>
@@ -3255,25 +3840,40 @@
           </a:p>
           <a:p>
             <a:pPr>
-              <a:buSzPct val="45000"/>
-              <a:buFont typeface="StarSymbol"/>
-              <a:buChar char=""/>
-            </a:pPr>
-            <a:r>
-              <a:rPr lang="en-US" sz="3200">
-                <a:solidFill>
-                  <a:srgbClr val="ff3333"/>
+              <a:lnSpc>
+                <a:spcPct val="100000"/>
+              </a:lnSpc>
+              <a:buSzPct val="45000"/>
+              <a:buFont typeface="StarSymbol"/>
+              <a:buChar char="l"/>
+            </a:pPr>
+            <a:r>
+              <a:rPr lang="en-US" sz="2000" strike="noStrike">
+                <a:solidFill>
+                  <a:srgbClr val="000000"/>
                 </a:solidFill>
                 <a:latin typeface="Arial"/>
-              </a:rPr>
-              <a:t>│ │ ├─</a:t>
-            </a:r>
-            <a:r>
-              <a:rPr lang="en-US" sz="3200">
-                <a:solidFill>
-                  <a:srgbClr val="ff3333"/>
+                <a:ea typeface="DejaVu Sans"/>
+              </a:rPr>
+              <a:t>│ │ </a:t>
+            </a:r>
+            <a:r>
+              <a:rPr lang="en-US" sz="2000" strike="noStrike">
+                <a:solidFill>
+                  <a:srgbClr val="ff00cc"/>
                 </a:solidFill>
                 <a:latin typeface="Arial"/>
+                <a:ea typeface="DejaVu Sans"/>
+              </a:rPr>
+              <a:t>├─</a:t>
+            </a:r>
+            <a:r>
+              <a:rPr lang="en-US" sz="2000" strike="noStrike">
+                <a:solidFill>
+                  <a:srgbClr val="ff00cc"/>
+                </a:solidFill>
+                <a:latin typeface="Arial"/>
+                <a:ea typeface="DejaVu Sans"/>
               </a:rPr>
               <a:t>dbus.service</a:t>
             </a:r>
@@ -3281,45 +3881,71 @@
           </a:p>
           <a:p>
             <a:pPr>
-              <a:buSzPct val="45000"/>
-              <a:buFont typeface="StarSymbol"/>
-              <a:buChar char=""/>
-            </a:pPr>
-            <a:r>
-              <a:rPr lang="en-US" sz="3200">
+              <a:lnSpc>
+                <a:spcPct val="100000"/>
+              </a:lnSpc>
+              <a:buSzPct val="45000"/>
+              <a:buFont typeface="StarSymbol"/>
+              <a:buChar char="l"/>
+            </a:pPr>
+            <a:r>
+              <a:rPr lang="en-US" sz="2000" strike="noStrike">
+                <a:solidFill>
+                  <a:srgbClr val="000000"/>
+                </a:solidFill>
                 <a:latin typeface="Arial"/>
+                <a:ea typeface="DejaVu Sans"/>
               </a:rPr>
               <a:t>│ │ │ └─</a:t>
             </a:r>
             <a:r>
-              <a:rPr lang="en-US" sz="3200">
+              <a:rPr lang="en-US" sz="2000" strike="noStrike">
+                <a:solidFill>
+                  <a:srgbClr val="000000"/>
+                </a:solidFill>
                 <a:latin typeface="Arial"/>
-              </a:rPr>
-              <a:t>747 /usr/bin/dbus-daemon --system --address=systemd: --nofork --nopidfile --systemd-activation</a:t>
-            </a:r>
-            <a:endParaRPr/>
-          </a:p>
-          <a:p>
-            <a:pPr>
-              <a:buSzPct val="45000"/>
-              <a:buFont typeface="StarSymbol"/>
-              <a:buChar char=""/>
-            </a:pPr>
-            <a:r>
-              <a:rPr lang="en-US" sz="3200">
-                <a:solidFill>
-                  <a:srgbClr val="ff3333"/>
+                <a:ea typeface="DejaVu Sans"/>
+              </a:rPr>
+              <a:t>747 /usr/bin/dbus-daemon --system --address=systemd: --nofork </a:t>
+            </a:r>
+            <a:endParaRPr/>
+          </a:p>
+          <a:p>
+            <a:pPr>
+              <a:lnSpc>
+                <a:spcPct val="100000"/>
+              </a:lnSpc>
+              <a:buSzPct val="45000"/>
+              <a:buFont typeface="StarSymbol"/>
+              <a:buChar char="l"/>
+            </a:pPr>
+            <a:r>
+              <a:rPr lang="en-US" sz="2000" strike="noStrike">
+                <a:solidFill>
+                  <a:srgbClr val="000000"/>
                 </a:solidFill>
                 <a:latin typeface="Arial"/>
-              </a:rPr>
-              <a:t>│ │ ├─</a:t>
-            </a:r>
-            <a:r>
-              <a:rPr lang="en-US" sz="3200">
-                <a:solidFill>
-                  <a:srgbClr val="ff3333"/>
+                <a:ea typeface="DejaVu Sans"/>
+              </a:rPr>
+              <a:t>│ │ </a:t>
+            </a:r>
+            <a:r>
+              <a:rPr lang="en-US" sz="2000" strike="noStrike">
+                <a:solidFill>
+                  <a:srgbClr val="ff00cc"/>
                 </a:solidFill>
                 <a:latin typeface="Arial"/>
+                <a:ea typeface="DejaVu Sans"/>
+              </a:rPr>
+              <a:t>├─</a:t>
+            </a:r>
+            <a:r>
+              <a:rPr lang="en-US" sz="2000" strike="noStrike">
+                <a:solidFill>
+                  <a:srgbClr val="ff00cc"/>
+                </a:solidFill>
+                <a:latin typeface="Arial"/>
+                <a:ea typeface="DejaVu Sans"/>
               </a:rPr>
               <a:t>ModemManager.service</a:t>
             </a:r>
@@ -3327,19 +3953,30 @@
           </a:p>
           <a:p>
             <a:pPr>
-              <a:buSzPct val="45000"/>
-              <a:buFont typeface="StarSymbol"/>
-              <a:buChar char=""/>
-            </a:pPr>
-            <a:r>
-              <a:rPr lang="en-US" sz="3200">
+              <a:lnSpc>
+                <a:spcPct val="100000"/>
+              </a:lnSpc>
+              <a:buSzPct val="45000"/>
+              <a:buFont typeface="StarSymbol"/>
+              <a:buChar char="l"/>
+            </a:pPr>
+            <a:r>
+              <a:rPr lang="en-US" sz="2000" strike="noStrike">
+                <a:solidFill>
+                  <a:srgbClr val="000000"/>
+                </a:solidFill>
                 <a:latin typeface="Arial"/>
+                <a:ea typeface="DejaVu Sans"/>
               </a:rPr>
               <a:t>│ │ │ └─</a:t>
             </a:r>
             <a:r>
-              <a:rPr lang="en-US" sz="3200">
+              <a:rPr lang="en-US" sz="2000" strike="noStrike">
+                <a:solidFill>
+                  <a:srgbClr val="000000"/>
+                </a:solidFill>
                 <a:latin typeface="Arial"/>
+                <a:ea typeface="DejaVu Sans"/>
               </a:rPr>
               <a:t>698 /usr/sbin/ModemManager</a:t>
             </a:r>
@@ -3347,9 +3984,9 @@
           </a:p>
           <a:p>
             <a:pPr>
-              <a:buSzPct val="45000"/>
-              <a:buFont typeface="StarSymbol"/>
-              <a:buChar char=""/>
+              <a:lnSpc>
+                <a:spcPct val="100000"/>
+              </a:lnSpc>
             </a:pPr>
             <a:endParaRPr/>
           </a:p>
@@ -3406,14 +4043,14 @@
       </p:grpSpPr>
       <p:sp>
         <p:nvSpPr>
-          <p:cNvPr id="80" name="TextShape 1"/>
-          <p:cNvSpPr txBox="1"/>
+          <p:cNvPr id="79" name="CustomShape 1"/>
+          <p:cNvSpPr/>
           <p:nvPr/>
         </p:nvSpPr>
         <p:spPr>
           <a:xfrm>
             <a:off x="504000" y="301320"/>
-            <a:ext cx="9071640" cy="1262160"/>
+            <a:ext cx="9070920" cy="1261440"/>
           </a:xfrm>
           <a:prstGeom prst="rect">
             <a:avLst/>
@@ -3423,13 +4060,27 @@
             <a:noFill/>
           </a:ln>
         </p:spPr>
+        <p:style>
+          <a:lnRef idx="0"/>
+          <a:fillRef idx="0"/>
+          <a:effectRef idx="0"/>
+          <a:fontRef idx="minor"/>
+        </p:style>
         <p:txBody>
           <a:bodyPr lIns="0" rIns="0" tIns="0" bIns="0" anchor="ctr"/>
           <a:p>
-            <a:pPr algn="ctr"/>
-            <a:r>
-              <a:rPr lang="en-US" sz="4400">
-                <a:latin typeface="Arial"/>
+            <a:pPr algn="ctr">
+              <a:lnSpc>
+                <a:spcPct val="100000"/>
+              </a:lnSpc>
+            </a:pPr>
+            <a:r>
+              <a:rPr lang="en-US" sz="4400" strike="noStrike">
+                <a:solidFill>
+                  <a:srgbClr val="000000"/>
+                </a:solidFill>
+                <a:latin typeface="Ubuntu"/>
+                <a:ea typeface="DejaVu Sans"/>
               </a:rPr>
               <a:t>Step1: Namespaces</a:t>
             </a:r>
@@ -3439,14 +4090,14 @@
       </p:sp>
       <p:sp>
         <p:nvSpPr>
-          <p:cNvPr id="81" name="TextShape 2"/>
-          <p:cNvSpPr txBox="1"/>
+          <p:cNvPr id="80" name="CustomShape 2"/>
+          <p:cNvSpPr/>
           <p:nvPr/>
         </p:nvSpPr>
         <p:spPr>
           <a:xfrm>
             <a:off x="504000" y="1769040"/>
-            <a:ext cx="9071640" cy="4384440"/>
+            <a:ext cx="9070920" cy="4383720"/>
           </a:xfrm>
           <a:prstGeom prst="rect">
             <a:avLst/>
@@ -3456,17 +4107,30 @@
             <a:noFill/>
           </a:ln>
         </p:spPr>
+        <p:style>
+          <a:lnRef idx="0"/>
+          <a:fillRef idx="0"/>
+          <a:effectRef idx="0"/>
+          <a:fontRef idx="minor"/>
+        </p:style>
         <p:txBody>
           <a:bodyPr lIns="0" rIns="0" tIns="0" bIns="0"/>
           <a:p>
             <a:pPr>
-              <a:buSzPct val="45000"/>
-              <a:buFont typeface="StarSymbol"/>
-              <a:buChar char=""/>
-            </a:pPr>
-            <a:r>
-              <a:rPr lang="en-US" sz="3200">
-                <a:latin typeface="Arial"/>
+              <a:lnSpc>
+                <a:spcPct val="100000"/>
+              </a:lnSpc>
+              <a:buSzPct val="45000"/>
+              <a:buFont typeface="StarSymbol"/>
+              <a:buChar char="l"/>
+            </a:pPr>
+            <a:r>
+              <a:rPr lang="en-US" sz="3200" strike="noStrike">
+                <a:solidFill>
+                  <a:srgbClr val="000000"/>
+                </a:solidFill>
+                <a:latin typeface="Ubuntu"/>
+                <a:ea typeface="DejaVu Sans"/>
               </a:rPr>
               <a:t>Provides processes with their scoped view of the system</a:t>
             </a:r>
@@ -3474,19 +4138,30 @@
           </a:p>
           <a:p>
             <a:pPr>
-              <a:buSzPct val="45000"/>
-              <a:buFont typeface="StarSymbol"/>
-              <a:buChar char=""/>
-            </a:pPr>
-            <a:r>
-              <a:rPr i="1" lang="en-US" sz="3200">
-                <a:latin typeface="Arial"/>
+              <a:lnSpc>
+                <a:spcPct val="100000"/>
+              </a:lnSpc>
+              <a:buSzPct val="45000"/>
+              <a:buFont typeface="StarSymbol"/>
+              <a:buChar char="l"/>
+            </a:pPr>
+            <a:r>
+              <a:rPr i="1" lang="en-US" sz="3200" strike="noStrike">
+                <a:solidFill>
+                  <a:srgbClr val="000000"/>
+                </a:solidFill>
+                <a:latin typeface="Ubuntu"/>
+                <a:ea typeface="DejaVu Sans"/>
               </a:rPr>
               <a:t>Cgroups </a:t>
             </a:r>
             <a:r>
-              <a:rPr lang="en-US" sz="3200">
-                <a:latin typeface="Arial"/>
+              <a:rPr lang="en-US" sz="3200" strike="noStrike">
+                <a:solidFill>
+                  <a:srgbClr val="000000"/>
+                </a:solidFill>
+                <a:latin typeface="Ubuntu"/>
+                <a:ea typeface="DejaVu Sans"/>
               </a:rPr>
               <a:t>limits how much a process can use.</a:t>
             </a:r>
@@ -3494,19 +4169,30 @@
           </a:p>
           <a:p>
             <a:pPr>
-              <a:buSzPct val="45000"/>
-              <a:buFont typeface="StarSymbol"/>
-              <a:buChar char=""/>
-            </a:pPr>
-            <a:r>
-              <a:rPr i="1" lang="en-US" sz="3200">
-                <a:latin typeface="Arial"/>
+              <a:lnSpc>
+                <a:spcPct val="100000"/>
+              </a:lnSpc>
+              <a:buSzPct val="45000"/>
+              <a:buFont typeface="StarSymbol"/>
+              <a:buChar char="l"/>
+            </a:pPr>
+            <a:r>
+              <a:rPr i="1" lang="en-US" sz="3200" strike="noStrike">
+                <a:solidFill>
+                  <a:srgbClr val="000000"/>
+                </a:solidFill>
+                <a:latin typeface="Ubuntu"/>
+                <a:ea typeface="DejaVu Sans"/>
               </a:rPr>
               <a:t>Namespaces </a:t>
             </a:r>
             <a:r>
-              <a:rPr lang="en-US" sz="3200">
-                <a:latin typeface="Arial"/>
+              <a:rPr lang="en-US" sz="3200" strike="noStrike">
+                <a:solidFill>
+                  <a:srgbClr val="000000"/>
+                </a:solidFill>
+                <a:latin typeface="Ubuntu"/>
+                <a:ea typeface="DejaVu Sans"/>
               </a:rPr>
               <a:t>limits what a process can see &amp; use</a:t>
             </a:r>
@@ -3514,19 +4200,30 @@
           </a:p>
           <a:p>
             <a:pPr>
-              <a:buSzPct val="45000"/>
-              <a:buFont typeface="StarSymbol"/>
-              <a:buChar char=""/>
-            </a:pPr>
-            <a:r>
-              <a:rPr lang="en-US" sz="3200">
-                <a:latin typeface="Arial"/>
+              <a:lnSpc>
+                <a:spcPct val="100000"/>
+              </a:lnSpc>
+              <a:buSzPct val="45000"/>
+              <a:buFont typeface="StarSymbol"/>
+              <a:buChar char="l"/>
+            </a:pPr>
+            <a:r>
+              <a:rPr lang="en-US" sz="3200" strike="noStrike">
+                <a:solidFill>
+                  <a:srgbClr val="000000"/>
+                </a:solidFill>
+                <a:latin typeface="Ubuntu"/>
+                <a:ea typeface="DejaVu Sans"/>
               </a:rPr>
               <a:t>Multiple namespace types: </a:t>
             </a:r>
             <a:r>
-              <a:rPr i="1" lang="en-US" sz="3200">
-                <a:latin typeface="Arial"/>
+              <a:rPr i="1" lang="en-US" sz="3200" strike="noStrike">
+                <a:solidFill>
+                  <a:srgbClr val="000000"/>
+                </a:solidFill>
+                <a:latin typeface="Ubuntu"/>
+                <a:ea typeface="DejaVu Sans"/>
               </a:rPr>
               <a:t>net, mnt, ipc, user, pid, utc</a:t>
             </a:r>
@@ -3534,13 +4231,20 @@
           </a:p>
           <a:p>
             <a:pPr>
-              <a:buSzPct val="45000"/>
-              <a:buFont typeface="StarSymbol"/>
-              <a:buChar char=""/>
-            </a:pPr>
-            <a:r>
-              <a:rPr lang="en-US" sz="3200">
-                <a:latin typeface="Arial"/>
+              <a:lnSpc>
+                <a:spcPct val="100000"/>
+              </a:lnSpc>
+              <a:buSzPct val="45000"/>
+              <a:buFont typeface="StarSymbol"/>
+              <a:buChar char="l"/>
+            </a:pPr>
+            <a:r>
+              <a:rPr lang="en-US" sz="3200" strike="noStrike">
+                <a:solidFill>
+                  <a:srgbClr val="000000"/>
+                </a:solidFill>
+                <a:latin typeface="Ubuntu"/>
+                <a:ea typeface="DejaVu Sans"/>
               </a:rPr>
               <a:t>Each process is in one namespace of each type</a:t>
             </a:r>
@@ -3599,14 +4303,14 @@
       </p:grpSpPr>
       <p:sp>
         <p:nvSpPr>
-          <p:cNvPr id="82" name="TextShape 1"/>
-          <p:cNvSpPr txBox="1"/>
+          <p:cNvPr id="81" name="CustomShape 1"/>
+          <p:cNvSpPr/>
           <p:nvPr/>
         </p:nvSpPr>
         <p:spPr>
           <a:xfrm>
-            <a:off x="504000" y="248760"/>
-            <a:ext cx="9071640" cy="626760"/>
+            <a:off x="504000" y="317520"/>
+            <a:ext cx="9070920" cy="618840"/>
           </a:xfrm>
           <a:prstGeom prst="rect">
             <a:avLst/>
@@ -3616,30 +4320,60 @@
             <a:noFill/>
           </a:ln>
         </p:spPr>
+        <p:style>
+          <a:lnRef idx="0"/>
+          <a:fillRef idx="0"/>
+          <a:effectRef idx="0"/>
+          <a:fontRef idx="minor"/>
+        </p:style>
         <p:txBody>
           <a:bodyPr lIns="0" rIns="0" tIns="0" bIns="0" anchor="ctr"/>
           <a:p>
-            <a:pPr algn="ctr"/>
-            <a:r>
-              <a:rPr lang="en-US" sz="4400">
-                <a:latin typeface="Arial"/>
-              </a:rPr>
-              <a:t>Step1: Namespaces (contd...)</a:t>
-            </a:r>
+            <a:pPr algn="ctr">
+              <a:lnSpc>
+                <a:spcPct val="100000"/>
+              </a:lnSpc>
+            </a:pPr>
+            <a:endParaRPr/>
+          </a:p>
+          <a:p>
+            <a:pPr algn="ctr">
+              <a:lnSpc>
+                <a:spcPct val="100000"/>
+              </a:lnSpc>
+            </a:pPr>
+            <a:r>
+              <a:rPr lang="en-US" sz="3600" strike="noStrike">
+                <a:solidFill>
+                  <a:srgbClr val="000000"/>
+                </a:solidFill>
+                <a:latin typeface="Ubuntu"/>
+                <a:ea typeface="DejaVu Sans"/>
+              </a:rPr>
+              <a:t>Step1: Namespaces </a:t>
+            </a:r>
+            <a:endParaRPr/>
+          </a:p>
+          <a:p>
+            <a:pPr algn="ctr">
+              <a:lnSpc>
+                <a:spcPct val="100000"/>
+              </a:lnSpc>
+            </a:pPr>
             <a:endParaRPr/>
           </a:p>
         </p:txBody>
       </p:sp>
       <p:sp>
         <p:nvSpPr>
-          <p:cNvPr id="83" name="TextShape 2"/>
-          <p:cNvSpPr txBox="1"/>
+          <p:cNvPr id="82" name="CustomShape 2"/>
+          <p:cNvSpPr/>
           <p:nvPr/>
         </p:nvSpPr>
         <p:spPr>
           <a:xfrm>
-            <a:off x="504000" y="1097280"/>
-            <a:ext cx="9071640" cy="5056200"/>
+            <a:off x="825480" y="1837800"/>
+            <a:ext cx="8749440" cy="4314960"/>
           </a:xfrm>
           <a:prstGeom prst="rect">
             <a:avLst/>
@@ -3649,145 +4383,148 @@
             <a:noFill/>
           </a:ln>
         </p:spPr>
+        <p:style>
+          <a:lnRef idx="0"/>
+          <a:fillRef idx="0"/>
+          <a:effectRef idx="0"/>
+          <a:fontRef idx="minor"/>
+        </p:style>
         <p:txBody>
           <a:bodyPr lIns="0" rIns="0" tIns="0" bIns="0"/>
           <a:p>
             <a:pPr>
-              <a:buSzPct val="45000"/>
-              <a:buFont typeface="StarSymbol"/>
-              <a:buChar char=""/>
-            </a:pPr>
-            <a:r>
-              <a:rPr lang="en-US" sz="2400">
-                <a:latin typeface="Arial"/>
-              </a:rPr>
-              <a:t>PID </a:t>
-            </a:r>
-            <a:endParaRPr/>
-          </a:p>
-          <a:p>
-            <a:pPr>
-              <a:buSzPct val="45000"/>
-              <a:buFont typeface="StarSymbol"/>
-              <a:buChar char=""/>
-            </a:pPr>
-            <a:r>
-              <a:rPr lang="en-US" sz="2400">
-                <a:latin typeface="Arial"/>
-              </a:rPr>
-              <a:t>Processes in a PID namespace can only see processes within the same PID namespace.</a:t>
-            </a:r>
-            <a:endParaRPr/>
-          </a:p>
-          <a:p>
-            <a:pPr>
-              <a:buSzPct val="45000"/>
-              <a:buFont typeface="StarSymbol"/>
-              <a:buChar char=""/>
-            </a:pPr>
-            <a:r>
-              <a:rPr lang="en-US" sz="2400">
-                <a:latin typeface="Arial"/>
-              </a:rPr>
-              <a:t>NET</a:t>
-            </a:r>
-            <a:endParaRPr/>
-          </a:p>
-          <a:p>
-            <a:pPr>
-              <a:buSzPct val="45000"/>
-              <a:buFont typeface="StarSymbol"/>
-              <a:buChar char=""/>
-            </a:pPr>
-            <a:r>
-              <a:rPr lang="en-US" sz="2400">
-                <a:latin typeface="Arial"/>
-              </a:rPr>
-              <a:t>Processes within a given network namespace get their own private network stack including network interfaces, route tables, sockets, etc</a:t>
-            </a:r>
-            <a:endParaRPr/>
-          </a:p>
-          <a:p>
-            <a:pPr>
-              <a:buSzPct val="45000"/>
-              <a:buFont typeface="StarSymbol"/>
-              <a:buChar char=""/>
-            </a:pPr>
-            <a:r>
-              <a:rPr lang="en-US" sz="2400">
-                <a:latin typeface="Arial"/>
-              </a:rPr>
-              <a:t>MNT</a:t>
-            </a:r>
-            <a:endParaRPr/>
-          </a:p>
-          <a:p>
-            <a:pPr>
-              <a:buSzPct val="45000"/>
-              <a:buFont typeface="StarSymbol"/>
-              <a:buChar char=""/>
-            </a:pPr>
-            <a:r>
-              <a:rPr lang="en-US" sz="2400">
-                <a:latin typeface="Arial"/>
-              </a:rPr>
-              <a:t>Processes have their own rootfs</a:t>
-            </a:r>
-            <a:endParaRPr/>
-          </a:p>
-          <a:p>
-            <a:pPr>
-              <a:buSzPct val="45000"/>
-              <a:buFont typeface="StarSymbol"/>
-              <a:buChar char=""/>
-            </a:pPr>
-            <a:r>
-              <a:rPr lang="en-US" sz="2400">
-                <a:latin typeface="Arial"/>
-              </a:rPr>
-              <a:t>IPC</a:t>
-            </a:r>
-            <a:endParaRPr/>
-          </a:p>
-          <a:p>
-            <a:pPr>
-              <a:buSzPct val="45000"/>
-              <a:buFont typeface="StarSymbol"/>
-              <a:buChar char=""/>
-            </a:pPr>
-            <a:r>
-              <a:rPr lang="en-US" sz="2400">
-                <a:latin typeface="Arial"/>
-              </a:rPr>
-              <a:t>Allows processes in the namespace to have their own IPC (semaphores, message queues, shared memory) without conflicts with other instances.</a:t>
-            </a:r>
-            <a:endParaRPr/>
-          </a:p>
-          <a:p>
-            <a:pPr>
-              <a:buSzPct val="45000"/>
-              <a:buFont typeface="StarSymbol"/>
-              <a:buChar char=""/>
-            </a:pPr>
-            <a:r>
-              <a:rPr lang="en-US" sz="2400">
-                <a:latin typeface="Arial"/>
-              </a:rPr>
-              <a:t>USER</a:t>
-            </a:r>
-            <a:endParaRPr/>
-          </a:p>
-          <a:p>
-            <a:pPr>
-              <a:buSzPct val="45000"/>
-              <a:buFont typeface="StarSymbol"/>
-              <a:buChar char=""/>
-            </a:pPr>
-            <a:r>
-              <a:rPr lang="en-US" sz="2400">
-                <a:latin typeface="Arial"/>
-              </a:rPr>
-              <a:t>Big security improvement for containers. Allows mapping host UID/GID into a different container UID/GID. Popular use case: UID 0 (root) in container mapped to non-privileged user on host.</a:t>
+              <a:lnSpc>
+                <a:spcPct val="100000"/>
+              </a:lnSpc>
+              <a:buSzPct val="45000"/>
+              <a:buFont typeface="StarSymbol"/>
+              <a:buChar char="l"/>
+            </a:pPr>
+            <a:r>
+              <a:rPr lang="en-US" sz="2200" strike="noStrike">
+                <a:solidFill>
+                  <a:srgbClr val="000000"/>
+                </a:solidFill>
+                <a:latin typeface="Ubuntu"/>
+                <a:ea typeface="DejaVu Sans"/>
+              </a:rPr>
+              <a:t>PID: Processes in a PID namespace can only see processes within the same PID namespace.</a:t>
+            </a:r>
+            <a:endParaRPr/>
+          </a:p>
+          <a:p>
+            <a:pPr>
+              <a:lnSpc>
+                <a:spcPct val="100000"/>
+              </a:lnSpc>
+            </a:pPr>
+            <a:endParaRPr/>
+          </a:p>
+          <a:p>
+            <a:pPr>
+              <a:lnSpc>
+                <a:spcPct val="100000"/>
+              </a:lnSpc>
+              <a:buSzPct val="45000"/>
+              <a:buFont typeface="StarSymbol"/>
+              <a:buChar char="l"/>
+            </a:pPr>
+            <a:r>
+              <a:rPr lang="en-US" sz="2200" strike="noStrike">
+                <a:solidFill>
+                  <a:srgbClr val="000000"/>
+                </a:solidFill>
+                <a:latin typeface="Ubuntu"/>
+                <a:ea typeface="DejaVu Sans"/>
+              </a:rPr>
+              <a:t>NET: Processes within a given network namespace get their own private network stack including network interfaces, route tables, sockets, etc</a:t>
+            </a:r>
+            <a:endParaRPr/>
+          </a:p>
+          <a:p>
+            <a:pPr>
+              <a:lnSpc>
+                <a:spcPct val="100000"/>
+              </a:lnSpc>
+            </a:pPr>
+            <a:endParaRPr/>
+          </a:p>
+          <a:p>
+            <a:pPr>
+              <a:lnSpc>
+                <a:spcPct val="100000"/>
+              </a:lnSpc>
+              <a:buSzPct val="45000"/>
+              <a:buFont typeface="StarSymbol"/>
+              <a:buChar char="l"/>
+            </a:pPr>
+            <a:r>
+              <a:rPr lang="en-US" sz="2200" strike="noStrike">
+                <a:solidFill>
+                  <a:srgbClr val="000000"/>
+                </a:solidFill>
+                <a:latin typeface="Ubuntu"/>
+                <a:ea typeface="DejaVu Sans"/>
+              </a:rPr>
+              <a:t>MNT: Processes have their own rootfs</a:t>
+            </a:r>
+            <a:endParaRPr/>
+          </a:p>
+          <a:p>
+            <a:pPr>
+              <a:lnSpc>
+                <a:spcPct val="100000"/>
+              </a:lnSpc>
+            </a:pPr>
+            <a:endParaRPr/>
+          </a:p>
+          <a:p>
+            <a:pPr>
+              <a:lnSpc>
+                <a:spcPct val="100000"/>
+              </a:lnSpc>
+              <a:buSzPct val="45000"/>
+              <a:buFont typeface="StarSymbol"/>
+              <a:buChar char="l"/>
+            </a:pPr>
+            <a:r>
+              <a:rPr lang="en-US" sz="2200" strike="noStrike">
+                <a:solidFill>
+                  <a:srgbClr val="000000"/>
+                </a:solidFill>
+                <a:latin typeface="Ubuntu"/>
+                <a:ea typeface="DejaVu Sans"/>
+              </a:rPr>
+              <a:t>IPC: Allows processes in the namespace to have their own IPC (semaphores, message queues, shared memory) without conflicts with other instances.</a:t>
+            </a:r>
+            <a:endParaRPr/>
+          </a:p>
+          <a:p>
+            <a:pPr>
+              <a:lnSpc>
+                <a:spcPct val="100000"/>
+              </a:lnSpc>
+            </a:pPr>
+            <a:endParaRPr/>
+          </a:p>
+          <a:p>
+            <a:pPr>
+              <a:lnSpc>
+                <a:spcPct val="100000"/>
+              </a:lnSpc>
+              <a:buSzPct val="45000"/>
+              <a:buFont typeface="StarSymbol"/>
+              <a:buChar char="l"/>
+            </a:pPr>
+            <a:r>
+              <a:rPr lang="en-US" sz="2200" strike="noStrike">
+                <a:solidFill>
+                  <a:srgbClr val="000000"/>
+                </a:solidFill>
+                <a:latin typeface="Ubuntu"/>
+                <a:ea typeface="DejaVu Sans"/>
+              </a:rPr>
+              <a:t>USR: Big security improvement for containers. Allows mapping host UID/GID into a different container UID/GID. Popular use case: UID 0 (root) in container mapped to non-privileged user on host.</a:t>
             </a:r>
             <a:endParaRPr/>
           </a:p>
@@ -3844,14 +4581,14 @@
       </p:grpSpPr>
       <p:sp>
         <p:nvSpPr>
-          <p:cNvPr id="41" name="TextShape 1"/>
-          <p:cNvSpPr txBox="1"/>
+          <p:cNvPr id="40" name="CustomShape 1"/>
+          <p:cNvSpPr/>
           <p:nvPr/>
         </p:nvSpPr>
         <p:spPr>
           <a:xfrm>
             <a:off x="504000" y="301320"/>
-            <a:ext cx="9071640" cy="1262160"/>
+            <a:ext cx="9070920" cy="1261440"/>
           </a:xfrm>
           <a:prstGeom prst="rect">
             <a:avLst/>
@@ -3861,13 +4598,27 @@
             <a:noFill/>
           </a:ln>
         </p:spPr>
+        <p:style>
+          <a:lnRef idx="0"/>
+          <a:fillRef idx="0"/>
+          <a:effectRef idx="0"/>
+          <a:fontRef idx="minor"/>
+        </p:style>
         <p:txBody>
           <a:bodyPr lIns="0" rIns="0" tIns="0" bIns="0" anchor="ctr"/>
           <a:p>
-            <a:pPr algn="ctr"/>
-            <a:r>
-              <a:rPr lang="en-US" sz="4400">
-                <a:latin typeface="Arial"/>
+            <a:pPr>
+              <a:lnSpc>
+                <a:spcPct val="100000"/>
+              </a:lnSpc>
+            </a:pPr>
+            <a:r>
+              <a:rPr lang="en-US" sz="4400" strike="noStrike">
+                <a:solidFill>
+                  <a:srgbClr val="000000"/>
+                </a:solidFill>
+                <a:latin typeface="Ubuntu"/>
+                <a:ea typeface="DejaVu Sans"/>
               </a:rPr>
               <a:t>Agenda</a:t>
             </a:r>
@@ -3877,14 +4628,14 @@
       </p:sp>
       <p:sp>
         <p:nvSpPr>
-          <p:cNvPr id="42" name="TextShape 2"/>
-          <p:cNvSpPr txBox="1"/>
+          <p:cNvPr id="41" name="CustomShape 2"/>
+          <p:cNvSpPr/>
           <p:nvPr/>
         </p:nvSpPr>
         <p:spPr>
           <a:xfrm>
             <a:off x="504000" y="1769040"/>
-            <a:ext cx="9071640" cy="4384440"/>
+            <a:ext cx="9070920" cy="4383720"/>
           </a:xfrm>
           <a:prstGeom prst="rect">
             <a:avLst/>
@@ -3894,17 +4645,30 @@
             <a:noFill/>
           </a:ln>
         </p:spPr>
+        <p:style>
+          <a:lnRef idx="0"/>
+          <a:fillRef idx="0"/>
+          <a:effectRef idx="0"/>
+          <a:fontRef idx="minor"/>
+        </p:style>
         <p:txBody>
           <a:bodyPr lIns="0" rIns="0" tIns="0" bIns="0"/>
           <a:p>
             <a:pPr>
-              <a:buSzPct val="45000"/>
-              <a:buFont typeface="StarSymbol"/>
-              <a:buChar char=""/>
-            </a:pPr>
-            <a:r>
-              <a:rPr lang="en-US" sz="3200">
-                <a:latin typeface="Arial"/>
+              <a:lnSpc>
+                <a:spcPct val="100000"/>
+              </a:lnSpc>
+              <a:buSzPct val="45000"/>
+              <a:buFont typeface="StarSymbol"/>
+              <a:buChar char="l"/>
+            </a:pPr>
+            <a:r>
+              <a:rPr lang="en-US" sz="3200" strike="noStrike">
+                <a:solidFill>
+                  <a:srgbClr val="000000"/>
+                </a:solidFill>
+                <a:latin typeface="Ubuntu"/>
+                <a:ea typeface="DejaVu Sans"/>
               </a:rPr>
               <a:t>Introduction to Docker</a:t>
             </a:r>
@@ -3912,13 +4676,20 @@
           </a:p>
           <a:p>
             <a:pPr lvl="1">
-              <a:buSzPct val="75000"/>
-              <a:buFont typeface="StarSymbol"/>
-              <a:buChar char=""/>
-            </a:pPr>
-            <a:r>
-              <a:rPr lang="en-US" sz="2800">
-                <a:latin typeface="Arial"/>
+              <a:lnSpc>
+                <a:spcPct val="100000"/>
+              </a:lnSpc>
+              <a:buSzPct val="45000"/>
+              <a:buFont typeface="StarSymbol"/>
+              <a:buChar char="l"/>
+            </a:pPr>
+            <a:r>
+              <a:rPr lang="en-US" sz="2800" strike="noStrike">
+                <a:solidFill>
+                  <a:srgbClr val="000000"/>
+                </a:solidFill>
+                <a:latin typeface="Ubuntu"/>
+                <a:ea typeface="DejaVu Sans"/>
               </a:rPr>
               <a:t>Terminology</a:t>
             </a:r>
@@ -3926,13 +4697,20 @@
           </a:p>
           <a:p>
             <a:pPr lvl="1">
-              <a:buSzPct val="75000"/>
-              <a:buFont typeface="StarSymbol"/>
-              <a:buChar char=""/>
-            </a:pPr>
-            <a:r>
-              <a:rPr lang="en-US" sz="2800">
-                <a:latin typeface="Arial"/>
+              <a:lnSpc>
+                <a:spcPct val="100000"/>
+              </a:lnSpc>
+              <a:buSzPct val="45000"/>
+              <a:buFont typeface="StarSymbol"/>
+              <a:buChar char="l"/>
+            </a:pPr>
+            <a:r>
+              <a:rPr lang="en-US" sz="2800" strike="noStrike">
+                <a:solidFill>
+                  <a:srgbClr val="000000"/>
+                </a:solidFill>
+                <a:latin typeface="Ubuntu"/>
+                <a:ea typeface="DejaVu Sans"/>
               </a:rPr>
               <a:t>Challenges in application landscape</a:t>
             </a:r>
@@ -3940,13 +4718,20 @@
           </a:p>
           <a:p>
             <a:pPr lvl="1">
-              <a:buSzPct val="75000"/>
-              <a:buFont typeface="StarSymbol"/>
-              <a:buChar char=""/>
-            </a:pPr>
-            <a:r>
-              <a:rPr lang="en-US" sz="2800">
-                <a:latin typeface="Arial"/>
+              <a:lnSpc>
+                <a:spcPct val="100000"/>
+              </a:lnSpc>
+              <a:buSzPct val="45000"/>
+              <a:buFont typeface="StarSymbol"/>
+              <a:buChar char="l"/>
+            </a:pPr>
+            <a:r>
+              <a:rPr lang="en-US" sz="2800" strike="noStrike">
+                <a:solidFill>
+                  <a:srgbClr val="000000"/>
+                </a:solidFill>
+                <a:latin typeface="Ubuntu"/>
+                <a:ea typeface="DejaVu Sans"/>
               </a:rPr>
               <a:t>How containerization resolves the challenge</a:t>
             </a:r>
@@ -3954,13 +4739,20 @@
           </a:p>
           <a:p>
             <a:pPr lvl="1">
-              <a:buSzPct val="75000"/>
-              <a:buFont typeface="StarSymbol"/>
-              <a:buChar char=""/>
-            </a:pPr>
-            <a:r>
-              <a:rPr lang="en-US" sz="2800">
-                <a:latin typeface="Arial"/>
+              <a:lnSpc>
+                <a:spcPct val="100000"/>
+              </a:lnSpc>
+              <a:buSzPct val="45000"/>
+              <a:buFont typeface="StarSymbol"/>
+              <a:buChar char="l"/>
+            </a:pPr>
+            <a:r>
+              <a:rPr lang="en-US" sz="2800" strike="noStrike">
+                <a:solidFill>
+                  <a:srgbClr val="000000"/>
+                </a:solidFill>
+                <a:latin typeface="Ubuntu"/>
+                <a:ea typeface="DejaVu Sans"/>
               </a:rPr>
               <a:t>How Containers work</a:t>
             </a:r>
@@ -3968,13 +4760,20 @@
           </a:p>
           <a:p>
             <a:pPr lvl="1">
-              <a:buSzPct val="75000"/>
-              <a:buFont typeface="StarSymbol"/>
-              <a:buChar char=""/>
-            </a:pPr>
-            <a:r>
-              <a:rPr lang="en-US" sz="2800">
-                <a:latin typeface="Arial"/>
+              <a:lnSpc>
+                <a:spcPct val="100000"/>
+              </a:lnSpc>
+              <a:buSzPct val="45000"/>
+              <a:buFont typeface="StarSymbol"/>
+              <a:buChar char="l"/>
+            </a:pPr>
+            <a:r>
+              <a:rPr lang="en-US" sz="2800" strike="noStrike">
+                <a:solidFill>
+                  <a:srgbClr val="000000"/>
+                </a:solidFill>
+                <a:latin typeface="Ubuntu"/>
+                <a:ea typeface="DejaVu Sans"/>
               </a:rPr>
               <a:t>Modern software life-cycle using containers.</a:t>
             </a:r>
@@ -3982,13 +4781,20 @@
           </a:p>
           <a:p>
             <a:pPr>
-              <a:buSzPct val="45000"/>
-              <a:buFont typeface="StarSymbol"/>
-              <a:buChar char=""/>
-            </a:pPr>
-            <a:r>
-              <a:rPr lang="en-US" sz="3200">
-                <a:latin typeface="Arial"/>
+              <a:lnSpc>
+                <a:spcPct val="100000"/>
+              </a:lnSpc>
+              <a:buSzPct val="45000"/>
+              <a:buFont typeface="StarSymbol"/>
+              <a:buChar char="l"/>
+            </a:pPr>
+            <a:r>
+              <a:rPr lang="en-US" sz="3200" strike="noStrike">
+                <a:solidFill>
+                  <a:srgbClr val="000000"/>
+                </a:solidFill>
+                <a:latin typeface="Ubuntu"/>
+                <a:ea typeface="DejaVu Sans"/>
               </a:rPr>
               <a:t>Workshop exercises</a:t>
             </a:r>
@@ -4047,14 +4853,14 @@
       </p:grpSpPr>
       <p:sp>
         <p:nvSpPr>
-          <p:cNvPr id="84" name="TextShape 1"/>
-          <p:cNvSpPr txBox="1"/>
+          <p:cNvPr id="83" name="CustomShape 1"/>
+          <p:cNvSpPr/>
           <p:nvPr/>
         </p:nvSpPr>
         <p:spPr>
           <a:xfrm>
             <a:off x="504000" y="301320"/>
-            <a:ext cx="9071640" cy="1262160"/>
+            <a:ext cx="9070920" cy="1261440"/>
           </a:xfrm>
           <a:prstGeom prst="rect">
             <a:avLst/>
@@ -4064,13 +4870,27 @@
             <a:noFill/>
           </a:ln>
         </p:spPr>
+        <p:style>
+          <a:lnRef idx="0"/>
+          <a:fillRef idx="0"/>
+          <a:effectRef idx="0"/>
+          <a:fontRef idx="minor"/>
+        </p:style>
         <p:txBody>
           <a:bodyPr lIns="0" rIns="0" tIns="0" bIns="0" anchor="ctr"/>
           <a:p>
-            <a:pPr algn="ctr"/>
-            <a:r>
-              <a:rPr lang="en-US" sz="4400">
-                <a:latin typeface="Arial"/>
+            <a:pPr algn="ctr">
+              <a:lnSpc>
+                <a:spcPct val="100000"/>
+              </a:lnSpc>
+            </a:pPr>
+            <a:r>
+              <a:rPr lang="en-US" sz="4000" strike="noStrike">
+                <a:solidFill>
+                  <a:srgbClr val="000000"/>
+                </a:solidFill>
+                <a:latin typeface="Ubuntu"/>
+                <a:ea typeface="DejaVu Sans"/>
               </a:rPr>
               <a:t>Step1: Copy-On-Write</a:t>
             </a:r>
@@ -4080,14 +4900,14 @@
       </p:sp>
       <p:sp>
         <p:nvSpPr>
-          <p:cNvPr id="85" name="TextShape 2"/>
-          <p:cNvSpPr txBox="1"/>
+          <p:cNvPr id="84" name="CustomShape 2"/>
+          <p:cNvSpPr/>
           <p:nvPr/>
         </p:nvSpPr>
         <p:spPr>
           <a:xfrm>
             <a:off x="504000" y="1769040"/>
-            <a:ext cx="9071640" cy="4384440"/>
+            <a:ext cx="9070920" cy="4383720"/>
           </a:xfrm>
           <a:prstGeom prst="rect">
             <a:avLst/>
@@ -4097,17 +4917,30 @@
             <a:noFill/>
           </a:ln>
         </p:spPr>
+        <p:style>
+          <a:lnRef idx="0"/>
+          <a:fillRef idx="0"/>
+          <a:effectRef idx="0"/>
+          <a:fontRef idx="minor"/>
+        </p:style>
         <p:txBody>
           <a:bodyPr lIns="0" rIns="0" tIns="0" bIns="0"/>
           <a:p>
             <a:pPr>
-              <a:buSzPct val="45000"/>
-              <a:buFont typeface="StarSymbol"/>
-              <a:buChar char=""/>
-            </a:pPr>
-            <a:r>
-              <a:rPr lang="en-US" sz="3200">
-                <a:latin typeface="Arial"/>
+              <a:lnSpc>
+                <a:spcPct val="100000"/>
+              </a:lnSpc>
+              <a:buSzPct val="45000"/>
+              <a:buFont typeface="StarSymbol"/>
+              <a:buChar char="l"/>
+            </a:pPr>
+            <a:r>
+              <a:rPr lang="en-US" sz="3200" strike="noStrike">
+                <a:solidFill>
+                  <a:srgbClr val="000000"/>
+                </a:solidFill>
+                <a:latin typeface="Ubuntu"/>
+                <a:ea typeface="DejaVu Sans"/>
               </a:rPr>
               <a:t>Create a new container instantly, instead of copying its entire filesystem</a:t>
             </a:r>
@@ -4115,13 +4948,28 @@
           </a:p>
           <a:p>
             <a:pPr>
-              <a:buSzPct val="45000"/>
-              <a:buFont typeface="StarSymbol"/>
-              <a:buChar char=""/>
-            </a:pPr>
-            <a:r>
-              <a:rPr lang="en-US" sz="3200">
-                <a:latin typeface="Arial"/>
+              <a:lnSpc>
+                <a:spcPct val="100000"/>
+              </a:lnSpc>
+            </a:pPr>
+            <a:endParaRPr/>
+          </a:p>
+          <a:p>
+            <a:pPr>
+              <a:lnSpc>
+                <a:spcPct val="100000"/>
+              </a:lnSpc>
+              <a:buSzPct val="45000"/>
+              <a:buFont typeface="StarSymbol"/>
+              <a:buChar char="l"/>
+            </a:pPr>
+            <a:r>
+              <a:rPr lang="en-US" sz="3200" strike="noStrike">
+                <a:solidFill>
+                  <a:srgbClr val="000000"/>
+                </a:solidFill>
+                <a:latin typeface="Ubuntu"/>
+                <a:ea typeface="DejaVu Sans"/>
               </a:rPr>
               <a:t>Storage drivers keep track of what has changed</a:t>
             </a:r>
@@ -4129,13 +4977,28 @@
           </a:p>
           <a:p>
             <a:pPr>
-              <a:buSzPct val="45000"/>
-              <a:buFont typeface="StarSymbol"/>
-              <a:buChar char=""/>
-            </a:pPr>
-            <a:r>
-              <a:rPr lang="en-US" sz="3200">
-                <a:latin typeface="Arial"/>
+              <a:lnSpc>
+                <a:spcPct val="100000"/>
+              </a:lnSpc>
+            </a:pPr>
+            <a:endParaRPr/>
+          </a:p>
+          <a:p>
+            <a:pPr>
+              <a:lnSpc>
+                <a:spcPct val="100000"/>
+              </a:lnSpc>
+              <a:buSzPct val="45000"/>
+              <a:buFont typeface="StarSymbol"/>
+              <a:buChar char="l"/>
+            </a:pPr>
+            <a:r>
+              <a:rPr lang="en-US" sz="3200" strike="noStrike">
+                <a:solidFill>
+                  <a:srgbClr val="000000"/>
+                </a:solidFill>
+                <a:latin typeface="Ubuntu"/>
+                <a:ea typeface="DejaVu Sans"/>
               </a:rPr>
               <a:t>Considerably reduces boot times and disk footprint.</a:t>
             </a:r>
@@ -4194,14 +5057,14 @@
       </p:grpSpPr>
       <p:sp>
         <p:nvSpPr>
-          <p:cNvPr id="86" name="TextShape 1"/>
-          <p:cNvSpPr txBox="1"/>
+          <p:cNvPr id="85" name="CustomShape 1"/>
+          <p:cNvSpPr/>
           <p:nvPr/>
         </p:nvSpPr>
         <p:spPr>
           <a:xfrm>
             <a:off x="504000" y="301320"/>
-            <a:ext cx="9071640" cy="1262160"/>
+            <a:ext cx="9070920" cy="1261440"/>
           </a:xfrm>
           <a:prstGeom prst="rect">
             <a:avLst/>
@@ -4211,15 +5074,47 @@
             <a:noFill/>
           </a:ln>
         </p:spPr>
+        <p:style>
+          <a:lnRef idx="0"/>
+          <a:fillRef idx="0"/>
+          <a:effectRef idx="0"/>
+          <a:fontRef idx="minor"/>
+        </p:style>
         <p:txBody>
           <a:bodyPr lIns="0" rIns="0" tIns="0" bIns="0" anchor="ctr"/>
           <a:p>
-            <a:pPr algn="ctr"/>
-            <a:r>
-              <a:rPr lang="en-US" sz="4400">
-                <a:latin typeface="Arial"/>
-              </a:rPr>
-              <a:t>Step1: Containers as light weight VMs</a:t>
+            <a:pPr algn="ctr">
+              <a:lnSpc>
+                <a:spcPct val="100000"/>
+              </a:lnSpc>
+            </a:pPr>
+            <a:r>
+              <a:rPr lang="en-US" sz="4400" strike="noStrike">
+                <a:solidFill>
+                  <a:srgbClr val="000000"/>
+                </a:solidFill>
+                <a:latin typeface="Ubuntu"/>
+                <a:ea typeface="DejaVu Sans"/>
+              </a:rPr>
+              <a:t>Step1: Containers vs </a:t>
+            </a:r>
+            <a:endParaRPr/>
+          </a:p>
+          <a:p>
+            <a:pPr algn="ctr">
+              <a:lnSpc>
+                <a:spcPct val="100000"/>
+              </a:lnSpc>
+            </a:pPr>
+            <a:r>
+              <a:rPr lang="en-US" sz="4400" strike="noStrike">
+                <a:solidFill>
+                  <a:srgbClr val="000000"/>
+                </a:solidFill>
+                <a:latin typeface="Ubuntu"/>
+                <a:ea typeface="DejaVu Sans"/>
+              </a:rPr>
+              <a:t>VMs</a:t>
             </a:r>
             <a:endParaRPr/>
           </a:p>
@@ -4227,14 +5122,14 @@
       </p:sp>
       <p:sp>
         <p:nvSpPr>
-          <p:cNvPr id="87" name="TextShape 2"/>
-          <p:cNvSpPr txBox="1"/>
+          <p:cNvPr id="86" name="CustomShape 2"/>
+          <p:cNvSpPr/>
           <p:nvPr/>
         </p:nvSpPr>
         <p:spPr>
           <a:xfrm>
             <a:off x="504000" y="1769040"/>
-            <a:ext cx="9071640" cy="4384440"/>
+            <a:ext cx="9070920" cy="4383720"/>
           </a:xfrm>
           <a:prstGeom prst="rect">
             <a:avLst/>
@@ -4244,16 +5139,16 @@
             <a:noFill/>
           </a:ln>
         </p:spPr>
-        <p:txBody>
-          <a:bodyPr lIns="0" rIns="0" tIns="0" bIns="0"/>
-          <a:p>
-            <a:endParaRPr/>
-          </a:p>
-        </p:txBody>
+        <p:style>
+          <a:lnRef idx="0"/>
+          <a:fillRef idx="0"/>
+          <a:effectRef idx="0"/>
+          <a:fontRef idx="minor"/>
+        </p:style>
       </p:sp>
       <p:pic>
         <p:nvPicPr>
-          <p:cNvPr id="88" name="" descr=""/>
+          <p:cNvPr id="87" name="" descr=""/>
           <p:cNvPicPr/>
           <p:nvPr/>
         </p:nvPicPr>
@@ -4264,7 +5159,7 @@
         <p:spPr>
           <a:xfrm>
             <a:off x="622080" y="1715760"/>
-            <a:ext cx="8467200" cy="4247640"/>
+            <a:ext cx="8466480" cy="4246920"/>
           </a:xfrm>
           <a:prstGeom prst="rect">
             <a:avLst/>
@@ -4325,14 +5220,14 @@
       </p:grpSpPr>
       <p:sp>
         <p:nvSpPr>
-          <p:cNvPr id="89" name="TextShape 1"/>
-          <p:cNvSpPr txBox="1"/>
+          <p:cNvPr id="88" name="CustomShape 1"/>
+          <p:cNvSpPr/>
           <p:nvPr/>
         </p:nvSpPr>
         <p:spPr>
           <a:xfrm>
             <a:off x="504000" y="301320"/>
-            <a:ext cx="9071640" cy="613080"/>
+            <a:ext cx="9070920" cy="612360"/>
           </a:xfrm>
           <a:prstGeom prst="rect">
             <a:avLst/>
@@ -4342,15 +5237,47 @@
             <a:noFill/>
           </a:ln>
         </p:spPr>
+        <p:style>
+          <a:lnRef idx="0"/>
+          <a:fillRef idx="0"/>
+          <a:effectRef idx="0"/>
+          <a:fontRef idx="minor"/>
+        </p:style>
         <p:txBody>
           <a:bodyPr lIns="0" rIns="0" tIns="0" bIns="0" anchor="ctr"/>
           <a:p>
-            <a:pPr algn="ctr"/>
-            <a:r>
-              <a:rPr lang="en-US" sz="3200">
-                <a:latin typeface="Arial"/>
-              </a:rPr>
-              <a:t>Step 2: Commoditization of containers</a:t>
+            <a:pPr algn="ctr">
+              <a:lnSpc>
+                <a:spcPct val="100000"/>
+              </a:lnSpc>
+            </a:pPr>
+            <a:r>
+              <a:rPr lang="en-US" sz="3200" strike="noStrike">
+                <a:solidFill>
+                  <a:srgbClr val="000000"/>
+                </a:solidFill>
+                <a:latin typeface="Ubuntu"/>
+                <a:ea typeface="DejaVu Sans"/>
+              </a:rPr>
+              <a:t>Step 2: Commoditization of </a:t>
+            </a:r>
+            <a:endParaRPr/>
+          </a:p>
+          <a:p>
+            <a:pPr algn="ctr">
+              <a:lnSpc>
+                <a:spcPct val="100000"/>
+              </a:lnSpc>
+            </a:pPr>
+            <a:r>
+              <a:rPr lang="en-US" sz="3200" strike="noStrike">
+                <a:solidFill>
+                  <a:srgbClr val="000000"/>
+                </a:solidFill>
+                <a:latin typeface="Ubuntu"/>
+                <a:ea typeface="DejaVu Sans"/>
+              </a:rPr>
+              <a:t>containers</a:t>
             </a:r>
             <a:endParaRPr/>
           </a:p>
@@ -4358,14 +5285,14 @@
       </p:sp>
       <p:sp>
         <p:nvSpPr>
-          <p:cNvPr id="90" name="TextShape 2"/>
-          <p:cNvSpPr txBox="1"/>
+          <p:cNvPr id="89" name="CustomShape 2"/>
+          <p:cNvSpPr/>
           <p:nvPr/>
         </p:nvSpPr>
         <p:spPr>
           <a:xfrm>
             <a:off x="504000" y="1769040"/>
-            <a:ext cx="9071640" cy="4384440"/>
+            <a:ext cx="9070920" cy="4383720"/>
           </a:xfrm>
           <a:prstGeom prst="rect">
             <a:avLst/>
@@ -4375,17 +5302,30 @@
             <a:noFill/>
           </a:ln>
         </p:spPr>
+        <p:style>
+          <a:lnRef idx="0"/>
+          <a:fillRef idx="0"/>
+          <a:effectRef idx="0"/>
+          <a:fontRef idx="minor"/>
+        </p:style>
         <p:txBody>
           <a:bodyPr lIns="0" rIns="0" tIns="0" bIns="0"/>
           <a:p>
             <a:pPr>
-              <a:buSzPct val="45000"/>
-              <a:buFont typeface="StarSymbol"/>
-              <a:buChar char=""/>
-            </a:pPr>
-            <a:r>
-              <a:rPr lang="en-US" sz="3200">
-                <a:latin typeface="Arial"/>
+              <a:lnSpc>
+                <a:spcPct val="100000"/>
+              </a:lnSpc>
+              <a:buSzPct val="45000"/>
+              <a:buFont typeface="StarSymbol"/>
+              <a:buChar char="l"/>
+            </a:pPr>
+            <a:r>
+              <a:rPr lang="en-US" sz="3200" strike="noStrike">
+                <a:solidFill>
+                  <a:srgbClr val="000000"/>
+                </a:solidFill>
+                <a:latin typeface="Ubuntu"/>
+                <a:ea typeface="DejaVu Sans"/>
               </a:rPr>
               <a:t>Container technology has been around for a while (eg. LXC on Linux, Solaris Zones, BSD Jails)</a:t>
             </a:r>
@@ -4393,13 +5333,20 @@
           </a:p>
           <a:p>
             <a:pPr>
-              <a:buSzPct val="45000"/>
-              <a:buFont typeface="StarSymbol"/>
-              <a:buChar char=""/>
-            </a:pPr>
-            <a:r>
-              <a:rPr lang="en-US" sz="3200">
-                <a:latin typeface="Arial"/>
+              <a:lnSpc>
+                <a:spcPct val="100000"/>
+              </a:lnSpc>
+              <a:buSzPct val="45000"/>
+              <a:buFont typeface="StarSymbol"/>
+              <a:buChar char="l"/>
+            </a:pPr>
+            <a:r>
+              <a:rPr lang="en-US" sz="3200" strike="noStrike">
+                <a:solidFill>
+                  <a:srgbClr val="000000"/>
+                </a:solidFill>
+                <a:latin typeface="Ubuntu"/>
+                <a:ea typeface="DejaVu Sans"/>
               </a:rPr>
               <a:t>What's new with Docker:</a:t>
             </a:r>
@@ -4407,13 +5354,20 @@
           </a:p>
           <a:p>
             <a:pPr lvl="1">
-              <a:buSzPct val="75000"/>
-              <a:buFont typeface="StarSymbol"/>
-              <a:buChar char=""/>
-            </a:pPr>
-            <a:r>
-              <a:rPr lang="en-US" sz="2800">
-                <a:latin typeface="Arial"/>
+              <a:lnSpc>
+                <a:spcPct val="100000"/>
+              </a:lnSpc>
+              <a:buSzPct val="45000"/>
+              <a:buFont typeface="StarSymbol"/>
+              <a:buChar char="l"/>
+            </a:pPr>
+            <a:r>
+              <a:rPr lang="en-US" sz="2800" strike="noStrike">
+                <a:solidFill>
+                  <a:srgbClr val="000000"/>
+                </a:solidFill>
+                <a:latin typeface="Ubuntu"/>
+                <a:ea typeface="DejaVu Sans"/>
               </a:rPr>
               <a:t>Standardized container format, because containers were not portable.</a:t>
             </a:r>
@@ -4421,13 +5375,20 @@
           </a:p>
           <a:p>
             <a:pPr lvl="1">
-              <a:buSzPct val="75000"/>
-              <a:buFont typeface="StarSymbol"/>
-              <a:buChar char=""/>
-            </a:pPr>
-            <a:r>
-              <a:rPr lang="en-US" sz="2800">
-                <a:latin typeface="Arial"/>
+              <a:lnSpc>
+                <a:spcPct val="100000"/>
+              </a:lnSpc>
+              <a:buSzPct val="45000"/>
+              <a:buFont typeface="StarSymbol"/>
+              <a:buChar char="l"/>
+            </a:pPr>
+            <a:r>
+              <a:rPr lang="en-US" sz="2800" strike="noStrike">
+                <a:solidFill>
+                  <a:srgbClr val="000000"/>
+                </a:solidFill>
+                <a:latin typeface="Ubuntu"/>
+                <a:ea typeface="DejaVu Sans"/>
               </a:rPr>
               <a:t>Make containers easy for developers</a:t>
             </a:r>
@@ -4435,13 +5396,20 @@
           </a:p>
           <a:p>
             <a:pPr lvl="1">
-              <a:buSzPct val="75000"/>
-              <a:buFont typeface="StarSymbol"/>
-              <a:buChar char=""/>
-            </a:pPr>
-            <a:r>
-              <a:rPr lang="en-US" sz="2800">
-                <a:latin typeface="Arial"/>
+              <a:lnSpc>
+                <a:spcPct val="100000"/>
+              </a:lnSpc>
+              <a:buSzPct val="45000"/>
+              <a:buFont typeface="StarSymbol"/>
+              <a:buChar char="l"/>
+            </a:pPr>
+            <a:r>
+              <a:rPr lang="en-US" sz="2800" strike="noStrike">
+                <a:solidFill>
+                  <a:srgbClr val="000000"/>
+                </a:solidFill>
+                <a:latin typeface="Ubuntu"/>
+                <a:ea typeface="DejaVu Sans"/>
               </a:rPr>
               <a:t>Emphasis on reusable components, APIs, ecosystem of standard tools</a:t>
             </a:r>
@@ -4449,13 +5417,20 @@
           </a:p>
           <a:p>
             <a:pPr lvl="1">
-              <a:buSzPct val="75000"/>
-              <a:buFont typeface="StarSymbol"/>
-              <a:buChar char=""/>
-            </a:pPr>
-            <a:r>
-              <a:rPr lang="en-US" sz="2800">
-                <a:latin typeface="Arial"/>
+              <a:lnSpc>
+                <a:spcPct val="100000"/>
+              </a:lnSpc>
+              <a:buSzPct val="45000"/>
+              <a:buFont typeface="StarSymbol"/>
+              <a:buChar char="l"/>
+            </a:pPr>
+            <a:r>
+              <a:rPr lang="en-US" sz="2800" strike="noStrike">
+                <a:solidFill>
+                  <a:srgbClr val="000000"/>
+                </a:solidFill>
+                <a:latin typeface="Ubuntu"/>
+                <a:ea typeface="DejaVu Sans"/>
               </a:rPr>
               <a:t>Huge improvement over ad-hoc, inhouse tools</a:t>
             </a:r>
@@ -4514,14 +5489,14 @@
       </p:grpSpPr>
       <p:sp>
         <p:nvSpPr>
-          <p:cNvPr id="91" name="TextShape 1"/>
-          <p:cNvSpPr txBox="1"/>
+          <p:cNvPr id="90" name="CustomShape 1"/>
+          <p:cNvSpPr/>
           <p:nvPr/>
         </p:nvSpPr>
         <p:spPr>
           <a:xfrm>
             <a:off x="504000" y="301320"/>
-            <a:ext cx="9071640" cy="1262160"/>
+            <a:ext cx="9070920" cy="1261440"/>
           </a:xfrm>
           <a:prstGeom prst="rect">
             <a:avLst/>
@@ -4531,15 +5506,47 @@
             <a:noFill/>
           </a:ln>
         </p:spPr>
+        <p:style>
+          <a:lnRef idx="0"/>
+          <a:fillRef idx="0"/>
+          <a:effectRef idx="0"/>
+          <a:fontRef idx="minor"/>
+        </p:style>
         <p:txBody>
           <a:bodyPr lIns="0" rIns="0" tIns="0" bIns="0" anchor="ctr"/>
           <a:p>
-            <a:pPr algn="ctr"/>
-            <a:r>
-              <a:rPr lang="en-US" sz="3600">
-                <a:latin typeface="Arial"/>
-              </a:rPr>
-              <a:t>Step 2: Running containers everywhere</a:t>
+            <a:pPr algn="ctr">
+              <a:lnSpc>
+                <a:spcPct val="100000"/>
+              </a:lnSpc>
+            </a:pPr>
+            <a:r>
+              <a:rPr lang="en-US" sz="3600" strike="noStrike">
+                <a:solidFill>
+                  <a:srgbClr val="000000"/>
+                </a:solidFill>
+                <a:latin typeface="Ubuntu"/>
+                <a:ea typeface="DejaVu Sans"/>
+              </a:rPr>
+              <a:t>Step 2: Running containers </a:t>
+            </a:r>
+            <a:endParaRPr/>
+          </a:p>
+          <a:p>
+            <a:pPr algn="ctr">
+              <a:lnSpc>
+                <a:spcPct val="100000"/>
+              </a:lnSpc>
+            </a:pPr>
+            <a:r>
+              <a:rPr lang="en-US" sz="3600" strike="noStrike">
+                <a:solidFill>
+                  <a:srgbClr val="000000"/>
+                </a:solidFill>
+                <a:latin typeface="Ubuntu"/>
+                <a:ea typeface="DejaVu Sans"/>
+              </a:rPr>
+              <a:t>everywhere</a:t>
             </a:r>
             <a:endParaRPr/>
           </a:p>
@@ -4547,14 +5554,14 @@
       </p:sp>
       <p:sp>
         <p:nvSpPr>
-          <p:cNvPr id="92" name="TextShape 2"/>
-          <p:cNvSpPr txBox="1"/>
+          <p:cNvPr id="91" name="CustomShape 2"/>
+          <p:cNvSpPr/>
           <p:nvPr/>
         </p:nvSpPr>
         <p:spPr>
           <a:xfrm>
             <a:off x="504000" y="1769040"/>
-            <a:ext cx="9071640" cy="4384440"/>
+            <a:ext cx="9070920" cy="4383720"/>
           </a:xfrm>
           <a:prstGeom prst="rect">
             <a:avLst/>
@@ -4564,17 +5571,30 @@
             <a:noFill/>
           </a:ln>
         </p:spPr>
+        <p:style>
+          <a:lnRef idx="0"/>
+          <a:fillRef idx="0"/>
+          <a:effectRef idx="0"/>
+          <a:fontRef idx="minor"/>
+        </p:style>
         <p:txBody>
           <a:bodyPr lIns="0" rIns="0" tIns="0" bIns="0"/>
           <a:p>
             <a:pPr>
-              <a:buSzPct val="45000"/>
-              <a:buFont typeface="StarSymbol"/>
-              <a:buChar char=""/>
-            </a:pPr>
-            <a:r>
-              <a:rPr lang="en-US" sz="3200">
-                <a:latin typeface="Arial"/>
+              <a:lnSpc>
+                <a:spcPct val="100000"/>
+              </a:lnSpc>
+              <a:buSzPct val="45000"/>
+              <a:buFont typeface="StarSymbol"/>
+              <a:buChar char="l"/>
+            </a:pPr>
+            <a:r>
+              <a:rPr lang="en-US" sz="2800" strike="noStrike">
+                <a:solidFill>
+                  <a:srgbClr val="000000"/>
+                </a:solidFill>
+                <a:latin typeface="Ubuntu"/>
+                <a:ea typeface="DejaVu Sans"/>
               </a:rPr>
               <a:t>Maturity of underlying systems (cgroups, namespaces, copy-on-write systems)</a:t>
             </a:r>
@@ -4582,13 +5602,20 @@
           </a:p>
           <a:p>
             <a:pPr>
-              <a:buSzPct val="45000"/>
-              <a:buFont typeface="StarSymbol"/>
-              <a:buChar char=""/>
-            </a:pPr>
-            <a:r>
-              <a:rPr lang="en-US" sz="3200">
-                <a:latin typeface="Arial"/>
+              <a:lnSpc>
+                <a:spcPct val="100000"/>
+              </a:lnSpc>
+              <a:buSzPct val="45000"/>
+              <a:buFont typeface="StarSymbol"/>
+              <a:buChar char="l"/>
+            </a:pPr>
+            <a:r>
+              <a:rPr lang="en-US" sz="2800" strike="noStrike">
+                <a:solidFill>
+                  <a:srgbClr val="000000"/>
+                </a:solidFill>
+                <a:latin typeface="Ubuntu"/>
+                <a:ea typeface="DejaVu Sans"/>
               </a:rPr>
               <a:t>Ability to run on any system today: Physical, VM, cloud, etc</a:t>
             </a:r>
@@ -4596,13 +5623,20 @@
           </a:p>
           <a:p>
             <a:pPr>
-              <a:buSzPct val="45000"/>
-              <a:buFont typeface="StarSymbol"/>
-              <a:buChar char=""/>
-            </a:pPr>
-            <a:r>
-              <a:rPr lang="en-US" sz="3200">
-                <a:latin typeface="Arial"/>
+              <a:lnSpc>
+                <a:spcPct val="100000"/>
+              </a:lnSpc>
+              <a:buSzPct val="45000"/>
+              <a:buFont typeface="StarSymbol"/>
+              <a:buChar char="l"/>
+            </a:pPr>
+            <a:r>
+              <a:rPr lang="en-US" sz="2800" strike="noStrike">
+                <a:solidFill>
+                  <a:srgbClr val="000000"/>
+                </a:solidFill>
+                <a:latin typeface="Ubuntu"/>
+                <a:ea typeface="DejaVu Sans"/>
               </a:rPr>
               <a:t>Ease of migration between any of the above within seconds, without any modifications</a:t>
             </a:r>
@@ -4610,13 +5644,20 @@
           </a:p>
           <a:p>
             <a:pPr>
-              <a:buSzPct val="45000"/>
-              <a:buFont typeface="StarSymbol"/>
-              <a:buChar char=""/>
-            </a:pPr>
-            <a:r>
-              <a:rPr lang="en-US" sz="3200">
-                <a:latin typeface="Arial"/>
+              <a:lnSpc>
+                <a:spcPct val="100000"/>
+              </a:lnSpc>
+              <a:buSzPct val="45000"/>
+              <a:buFont typeface="StarSymbol"/>
+              <a:buChar char="l"/>
+            </a:pPr>
+            <a:r>
+              <a:rPr lang="en-US" sz="2800" strike="noStrike">
+                <a:solidFill>
+                  <a:srgbClr val="000000"/>
+                </a:solidFill>
+                <a:latin typeface="Ubuntu"/>
+                <a:ea typeface="DejaVu Sans"/>
               </a:rPr>
               <a:t>Self contained environment = no dependency hell</a:t>
             </a:r>
@@ -4624,13 +5665,20 @@
           </a:p>
           <a:p>
             <a:pPr>
-              <a:buSzPct val="45000"/>
-              <a:buFont typeface="StarSymbol"/>
-              <a:buChar char=""/>
-            </a:pPr>
-            <a:r>
-              <a:rPr lang="en-US" sz="3200">
-                <a:latin typeface="Arial"/>
+              <a:lnSpc>
+                <a:spcPct val="100000"/>
+              </a:lnSpc>
+              <a:buSzPct val="45000"/>
+              <a:buFont typeface="StarSymbol"/>
+              <a:buChar char="l"/>
+            </a:pPr>
+            <a:r>
+              <a:rPr lang="en-US" sz="2800" strike="noStrike">
+                <a:solidFill>
+                  <a:srgbClr val="000000"/>
+                </a:solidFill>
+                <a:latin typeface="Ubuntu"/>
+                <a:ea typeface="DejaVu Sans"/>
               </a:rPr>
               <a:t>Tools for running containers everywhere: linking, discovery, orchestration.</a:t>
             </a:r>
@@ -4689,14 +5737,14 @@
       </p:grpSpPr>
       <p:sp>
         <p:nvSpPr>
-          <p:cNvPr id="93" name="TextShape 1"/>
-          <p:cNvSpPr txBox="1"/>
+          <p:cNvPr id="92" name="CustomShape 1"/>
+          <p:cNvSpPr/>
           <p:nvPr/>
         </p:nvSpPr>
         <p:spPr>
           <a:xfrm>
             <a:off x="548640" y="301320"/>
-            <a:ext cx="9027000" cy="613080"/>
+            <a:ext cx="9026280" cy="612360"/>
           </a:xfrm>
           <a:prstGeom prst="rect">
             <a:avLst/>
@@ -4706,15 +5754,47 @@
             <a:noFill/>
           </a:ln>
         </p:spPr>
+        <p:style>
+          <a:lnRef idx="0"/>
+          <a:fillRef idx="0"/>
+          <a:effectRef idx="0"/>
+          <a:fontRef idx="minor"/>
+        </p:style>
         <p:txBody>
           <a:bodyPr lIns="0" rIns="0" tIns="0" bIns="0" anchor="ctr"/>
           <a:p>
-            <a:pPr algn="ctr"/>
-            <a:r>
-              <a:rPr lang="en-US" sz="3200">
-                <a:latin typeface="Arial"/>
-              </a:rPr>
-              <a:t>Step 3: Shipping containers efficiently</a:t>
+            <a:pPr algn="ctr">
+              <a:lnSpc>
+                <a:spcPct val="100000"/>
+              </a:lnSpc>
+            </a:pPr>
+            <a:r>
+              <a:rPr lang="en-US" sz="3200" strike="noStrike">
+                <a:solidFill>
+                  <a:srgbClr val="000000"/>
+                </a:solidFill>
+                <a:latin typeface="Ubuntu"/>
+                <a:ea typeface="DejaVu Sans"/>
+              </a:rPr>
+              <a:t>Step 3: Shipping containers </a:t>
+            </a:r>
+            <a:endParaRPr/>
+          </a:p>
+          <a:p>
+            <a:pPr algn="ctr">
+              <a:lnSpc>
+                <a:spcPct val="100000"/>
+              </a:lnSpc>
+            </a:pPr>
+            <a:r>
+              <a:rPr lang="en-US" sz="3200" strike="noStrike">
+                <a:solidFill>
+                  <a:srgbClr val="000000"/>
+                </a:solidFill>
+                <a:latin typeface="Ubuntu"/>
+                <a:ea typeface="DejaVu Sans"/>
+              </a:rPr>
+              <a:t>efficiently</a:t>
             </a:r>
             <a:endParaRPr/>
           </a:p>
@@ -4722,14 +5802,14 @@
       </p:sp>
       <p:sp>
         <p:nvSpPr>
-          <p:cNvPr id="94" name="TextShape 2"/>
-          <p:cNvSpPr txBox="1"/>
+          <p:cNvPr id="93" name="CustomShape 2"/>
+          <p:cNvSpPr/>
           <p:nvPr/>
         </p:nvSpPr>
         <p:spPr>
           <a:xfrm>
             <a:off x="504000" y="1188720"/>
-            <a:ext cx="9071640" cy="4964760"/>
+            <a:ext cx="9070920" cy="4964040"/>
           </a:xfrm>
           <a:prstGeom prst="rect">
             <a:avLst/>
@@ -4739,17 +5819,46 @@
             <a:noFill/>
           </a:ln>
         </p:spPr>
+        <p:style>
+          <a:lnRef idx="0"/>
+          <a:fillRef idx="0"/>
+          <a:effectRef idx="0"/>
+          <a:fontRef idx="minor"/>
+        </p:style>
         <p:txBody>
           <a:bodyPr lIns="0" rIns="0" tIns="0" bIns="0"/>
           <a:p>
+            <a:pPr>
+              <a:lnSpc>
+                <a:spcPct val="100000"/>
+              </a:lnSpc>
+            </a:pPr>
+            <a:endParaRPr/>
+          </a:p>
+          <a:p>
+            <a:pPr>
+              <a:lnSpc>
+                <a:spcPct val="100000"/>
+              </a:lnSpc>
+            </a:pPr>
+            <a:endParaRPr/>
+          </a:p>
+          <a:p>
             <a:pPr lvl="1">
+              <a:lnSpc>
+                <a:spcPct val="100000"/>
+              </a:lnSpc>
               <a:buSzPct val="75000"/>
               <a:buFont typeface="StarSymbol"/>
-              <a:buChar char=""/>
-            </a:pPr>
-            <a:r>
-              <a:rPr lang="en-US" sz="2800">
-                <a:latin typeface="Arial"/>
+              <a:buChar char="l"/>
+            </a:pPr>
+            <a:r>
+              <a:rPr lang="en-US" sz="2000" strike="noStrike">
+                <a:solidFill>
+                  <a:srgbClr val="000000"/>
+                </a:solidFill>
+                <a:latin typeface="Ubuntu"/>
+                <a:ea typeface="DejaVu Sans"/>
               </a:rPr>
               <a:t>Ship container images, made of reusable shared layers. Saves memory, disk and network usage</a:t>
             </a:r>
@@ -4759,7 +5868,7 @@
       </p:sp>
       <p:pic>
         <p:nvPicPr>
-          <p:cNvPr id="95" name="" descr=""/>
+          <p:cNvPr id="94" name="" descr=""/>
           <p:cNvPicPr/>
           <p:nvPr/>
         </p:nvPicPr>
@@ -4769,8 +5878,8 @@
         </p:blipFill>
         <p:spPr>
           <a:xfrm>
-            <a:off x="853920" y="2049840"/>
-            <a:ext cx="8467200" cy="4228920"/>
+            <a:off x="853920" y="2373840"/>
+            <a:ext cx="8466480" cy="4228200"/>
           </a:xfrm>
           <a:prstGeom prst="rect">
             <a:avLst/>
@@ -4831,14 +5940,14 @@
       </p:grpSpPr>
       <p:sp>
         <p:nvSpPr>
-          <p:cNvPr id="96" name="TextShape 1"/>
-          <p:cNvSpPr txBox="1"/>
+          <p:cNvPr id="95" name="CustomShape 1"/>
+          <p:cNvSpPr/>
           <p:nvPr/>
         </p:nvSpPr>
         <p:spPr>
           <a:xfrm>
             <a:off x="504000" y="301320"/>
-            <a:ext cx="9071640" cy="1262160"/>
+            <a:ext cx="9070920" cy="1261440"/>
           </a:xfrm>
           <a:prstGeom prst="rect">
             <a:avLst/>
@@ -4848,15 +5957,47 @@
             <a:noFill/>
           </a:ln>
         </p:spPr>
+        <p:style>
+          <a:lnRef idx="0"/>
+          <a:fillRef idx="0"/>
+          <a:effectRef idx="0"/>
+          <a:fontRef idx="minor"/>
+        </p:style>
         <p:txBody>
           <a:bodyPr lIns="0" rIns="0" tIns="0" bIns="0" anchor="ctr"/>
           <a:p>
-            <a:pPr algn="ctr"/>
-            <a:r>
-              <a:rPr lang="en-US" sz="4400">
-                <a:latin typeface="Arial"/>
-              </a:rPr>
-              <a:t>Step 4: Containers in a modern software factory</a:t>
+            <a:pPr algn="ctr">
+              <a:lnSpc>
+                <a:spcPct val="100000"/>
+              </a:lnSpc>
+            </a:pPr>
+            <a:r>
+              <a:rPr lang="en-US" sz="3600" strike="noStrike">
+                <a:solidFill>
+                  <a:srgbClr val="000000"/>
+                </a:solidFill>
+                <a:latin typeface="Ubuntu"/>
+                <a:ea typeface="DejaVu Sans"/>
+              </a:rPr>
+              <a:t>Step 4: Containers in a </a:t>
+            </a:r>
+            <a:endParaRPr/>
+          </a:p>
+          <a:p>
+            <a:pPr algn="ctr">
+              <a:lnSpc>
+                <a:spcPct val="100000"/>
+              </a:lnSpc>
+            </a:pPr>
+            <a:r>
+              <a:rPr lang="en-US" sz="3600" strike="noStrike">
+                <a:solidFill>
+                  <a:srgbClr val="000000"/>
+                </a:solidFill>
+                <a:latin typeface="Ubuntu"/>
+                <a:ea typeface="DejaVu Sans"/>
+              </a:rPr>
+              <a:t>modern software factory</a:t>
             </a:r>
             <a:endParaRPr/>
           </a:p>
@@ -4864,14 +6005,14 @@
       </p:sp>
       <p:sp>
         <p:nvSpPr>
-          <p:cNvPr id="97" name="TextShape 2"/>
-          <p:cNvSpPr txBox="1"/>
+          <p:cNvPr id="96" name="CustomShape 2"/>
+          <p:cNvSpPr/>
           <p:nvPr/>
         </p:nvSpPr>
         <p:spPr>
           <a:xfrm>
             <a:off x="504000" y="1769040"/>
-            <a:ext cx="9071640" cy="4384440"/>
+            <a:ext cx="9070920" cy="4383720"/>
           </a:xfrm>
           <a:prstGeom prst="rect">
             <a:avLst/>
@@ -4881,16 +6022,16 @@
             <a:noFill/>
           </a:ln>
         </p:spPr>
-        <p:txBody>
-          <a:bodyPr lIns="0" rIns="0" tIns="0" bIns="0"/>
-          <a:p>
-            <a:endParaRPr/>
-          </a:p>
-        </p:txBody>
+        <p:style>
+          <a:lnRef idx="0"/>
+          <a:fillRef idx="0"/>
+          <a:effectRef idx="0"/>
+          <a:fontRef idx="minor"/>
+        </p:style>
       </p:sp>
       <p:pic>
         <p:nvPicPr>
-          <p:cNvPr id="98" name="" descr=""/>
+          <p:cNvPr id="97" name="" descr=""/>
           <p:cNvPicPr/>
           <p:nvPr/>
         </p:nvPicPr>
@@ -4901,7 +6042,7 @@
         <p:spPr>
           <a:xfrm>
             <a:off x="618840" y="1793160"/>
-            <a:ext cx="8562600" cy="4276440"/>
+            <a:ext cx="8561880" cy="4275720"/>
           </a:xfrm>
           <a:prstGeom prst="rect">
             <a:avLst/>
@@ -4962,14 +6103,14 @@
       </p:grpSpPr>
       <p:sp>
         <p:nvSpPr>
-          <p:cNvPr id="99" name="TextShape 1"/>
-          <p:cNvSpPr txBox="1"/>
+          <p:cNvPr id="98" name="CustomShape 1"/>
+          <p:cNvSpPr/>
           <p:nvPr/>
         </p:nvSpPr>
         <p:spPr>
           <a:xfrm>
             <a:off x="504000" y="301320"/>
-            <a:ext cx="9071640" cy="1262160"/>
+            <a:ext cx="9070920" cy="1261440"/>
           </a:xfrm>
           <a:prstGeom prst="rect">
             <a:avLst/>
@@ -4979,13 +6120,27 @@
             <a:noFill/>
           </a:ln>
         </p:spPr>
+        <p:style>
+          <a:lnRef idx="0"/>
+          <a:fillRef idx="0"/>
+          <a:effectRef idx="0"/>
+          <a:fontRef idx="minor"/>
+        </p:style>
         <p:txBody>
           <a:bodyPr lIns="0" rIns="0" tIns="0" bIns="0" anchor="ctr"/>
           <a:p>
-            <a:pPr algn="ctr"/>
-            <a:r>
-              <a:rPr lang="en-US" sz="4400">
-                <a:latin typeface="Arial"/>
+            <a:pPr algn="ctr">
+              <a:lnSpc>
+                <a:spcPct val="100000"/>
+              </a:lnSpc>
+            </a:pPr>
+            <a:r>
+              <a:rPr lang="en-US" sz="4400" strike="noStrike">
+                <a:solidFill>
+                  <a:srgbClr val="000000"/>
+                </a:solidFill>
+                <a:latin typeface="Ubuntu"/>
+                <a:ea typeface="DejaVu Sans"/>
               </a:rPr>
               <a:t>References</a:t>
             </a:r>
@@ -4995,14 +6150,14 @@
       </p:sp>
       <p:sp>
         <p:nvSpPr>
-          <p:cNvPr id="100" name="TextShape 2"/>
-          <p:cNvSpPr txBox="1"/>
+          <p:cNvPr id="99" name="CustomShape 2"/>
+          <p:cNvSpPr/>
           <p:nvPr/>
         </p:nvSpPr>
         <p:spPr>
           <a:xfrm>
             <a:off x="504000" y="1805040"/>
-            <a:ext cx="9071640" cy="4384440"/>
+            <a:ext cx="9070920" cy="4383720"/>
           </a:xfrm>
           <a:prstGeom prst="rect">
             <a:avLst/>
@@ -5012,17 +6167,30 @@
             <a:noFill/>
           </a:ln>
         </p:spPr>
+        <p:style>
+          <a:lnRef idx="0"/>
+          <a:fillRef idx="0"/>
+          <a:effectRef idx="0"/>
+          <a:fontRef idx="minor"/>
+        </p:style>
         <p:txBody>
           <a:bodyPr lIns="0" rIns="0" tIns="0" bIns="0"/>
           <a:p>
             <a:pPr>
-              <a:buSzPct val="45000"/>
-              <a:buFont typeface="StarSymbol"/>
-              <a:buChar char=""/>
-            </a:pPr>
-            <a:r>
-              <a:rPr lang="en-US" sz="3200">
-                <a:latin typeface="Arial"/>
+              <a:lnSpc>
+                <a:spcPct val="100000"/>
+              </a:lnSpc>
+              <a:buSzPct val="45000"/>
+              <a:buFont typeface="StarSymbol"/>
+              <a:buChar char="l"/>
+            </a:pPr>
+            <a:r>
+              <a:rPr lang="en-US" sz="3200" strike="noStrike">
+                <a:solidFill>
+                  <a:srgbClr val="000000"/>
+                </a:solidFill>
+                <a:latin typeface="Ubuntu"/>
+                <a:ea typeface="DejaVu Sans"/>
               </a:rPr>
               <a:t>training.docker.com</a:t>
             </a:r>
@@ -5030,13 +6198,20 @@
           </a:p>
           <a:p>
             <a:pPr>
-              <a:buSzPct val="45000"/>
-              <a:buFont typeface="StarSymbol"/>
-              <a:buChar char=""/>
-            </a:pPr>
-            <a:r>
-              <a:rPr lang="en-US" sz="3200">
-                <a:latin typeface="Arial"/>
+              <a:lnSpc>
+                <a:spcPct val="100000"/>
+              </a:lnSpc>
+              <a:buSzPct val="45000"/>
+              <a:buFont typeface="StarSymbol"/>
+              <a:buChar char="l"/>
+            </a:pPr>
+            <a:r>
+              <a:rPr lang="en-US" sz="3200" strike="noStrike">
+                <a:solidFill>
+                  <a:srgbClr val="000000"/>
+                </a:solidFill>
+                <a:latin typeface="Ubuntu"/>
+                <a:ea typeface="DejaVu Sans"/>
               </a:rPr>
               <a:t>github.com/docker/docker</a:t>
             </a:r>
@@ -5044,26 +6219,41 @@
           </a:p>
           <a:p>
             <a:pPr>
-              <a:buSzPct val="45000"/>
-              <a:buFont typeface="StarSymbol"/>
-              <a:buChar char=""/>
-            </a:pPr>
-            <a:r>
-              <a:rPr lang="en-US" sz="3200">
-                <a:latin typeface="Arial"/>
+              <a:lnSpc>
+                <a:spcPct val="100000"/>
+              </a:lnSpc>
+              <a:buSzPct val="45000"/>
+              <a:buFont typeface="StarSymbol"/>
+              <a:buChar char="l"/>
+            </a:pPr>
+            <a:r>
+              <a:rPr lang="en-US" sz="3200" strike="noStrike">
+                <a:solidFill>
+                  <a:srgbClr val="000000"/>
+                </a:solidFill>
+                <a:latin typeface="Ubuntu"/>
+                <a:ea typeface="DejaVu Sans"/>
               </a:rPr>
               <a:t>Huge thanks to </a:t>
             </a:r>
             <a:r>
-              <a:rPr lang="en-US" sz="3200">
-                <a:latin typeface="Arial"/>
+              <a:rPr lang="en-US" sz="3200" strike="noStrike" u="sng">
+                <a:solidFill>
+                  <a:srgbClr val="0000ff"/>
+                </a:solidFill>
+                <a:latin typeface="Ubuntu"/>
+                <a:ea typeface="DejaVu Sans"/>
                 <a:hlinkClick r:id="rId1"/>
               </a:rPr>
               <a:t>jpetazzo@docker</a:t>
             </a:r>
             <a:r>
-              <a:rPr lang="en-US" sz="3200">
-                <a:latin typeface="Arial"/>
+              <a:rPr lang="en-US" sz="3200" strike="noStrike">
+                <a:solidFill>
+                  <a:srgbClr val="0000ff"/>
+                </a:solidFill>
+                <a:latin typeface="Ubuntu"/>
+                <a:ea typeface="DejaVu Sans"/>
               </a:rPr>
               <a:t> for his invaluable reference material.</a:t>
             </a:r>
@@ -5071,9 +6261,9 @@
           </a:p>
           <a:p>
             <a:pPr>
-              <a:buSzPct val="45000"/>
-              <a:buFont typeface="StarSymbol"/>
-              <a:buChar char=""/>
+              <a:lnSpc>
+                <a:spcPct val="100000"/>
+              </a:lnSpc>
             </a:pPr>
             <a:endParaRPr/>
           </a:p>
@@ -5130,14 +6320,14 @@
       </p:grpSpPr>
       <p:sp>
         <p:nvSpPr>
-          <p:cNvPr id="43" name="TextShape 1"/>
-          <p:cNvSpPr txBox="1"/>
+          <p:cNvPr id="42" name="CustomShape 1"/>
+          <p:cNvSpPr/>
           <p:nvPr/>
         </p:nvSpPr>
         <p:spPr>
           <a:xfrm>
             <a:off x="504000" y="301320"/>
-            <a:ext cx="9071640" cy="1262160"/>
+            <a:ext cx="9070920" cy="1261440"/>
           </a:xfrm>
           <a:prstGeom prst="rect">
             <a:avLst/>
@@ -5147,19 +6337,37 @@
             <a:noFill/>
           </a:ln>
         </p:spPr>
+        <p:style>
+          <a:lnRef idx="0"/>
+          <a:fillRef idx="0"/>
+          <a:effectRef idx="0"/>
+          <a:fontRef idx="minor"/>
+        </p:style>
         <p:txBody>
           <a:bodyPr lIns="0" rIns="0" tIns="0" bIns="0" anchor="ctr"/>
           <a:p>
-            <a:pPr algn="ctr"/>
-            <a:r>
-              <a:rPr lang="en-US" sz="4400">
-                <a:latin typeface="Arial"/>
+            <a:pPr>
+              <a:lnSpc>
+                <a:spcPct val="100000"/>
+              </a:lnSpc>
+            </a:pPr>
+            <a:r>
+              <a:rPr lang="en-US" sz="4400" strike="noStrike">
+                <a:solidFill>
+                  <a:srgbClr val="000000"/>
+                </a:solidFill>
+                <a:latin typeface="Ubuntu"/>
+                <a:ea typeface="DejaVu Sans"/>
               </a:rPr>
               <a:t>What is Docker?</a:t>
             </a:r>
             <a:r>
-              <a:rPr lang="en-US" sz="4400">
-                <a:latin typeface="Arial"/>
+              <a:rPr lang="en-US" sz="4400" strike="noStrike">
+                <a:solidFill>
+                  <a:srgbClr val="000000"/>
+                </a:solidFill>
+                <a:latin typeface="Ubuntu"/>
+                <a:ea typeface="DejaVu Sans"/>
               </a:rPr>
               <a:t>	</a:t>
             </a:r>
@@ -5169,14 +6377,14 @@
       </p:sp>
       <p:sp>
         <p:nvSpPr>
-          <p:cNvPr id="44" name="TextShape 2"/>
-          <p:cNvSpPr txBox="1"/>
+          <p:cNvPr id="43" name="CustomShape 2"/>
+          <p:cNvSpPr/>
           <p:nvPr/>
         </p:nvSpPr>
         <p:spPr>
           <a:xfrm>
             <a:off x="504000" y="1769040"/>
-            <a:ext cx="9071640" cy="4384440"/>
+            <a:ext cx="9070920" cy="4383720"/>
           </a:xfrm>
           <a:prstGeom prst="rect">
             <a:avLst/>
@@ -5186,17 +6394,30 @@
             <a:noFill/>
           </a:ln>
         </p:spPr>
+        <p:style>
+          <a:lnRef idx="0"/>
+          <a:fillRef idx="0"/>
+          <a:effectRef idx="0"/>
+          <a:fontRef idx="minor"/>
+        </p:style>
         <p:txBody>
           <a:bodyPr lIns="0" rIns="0" tIns="0" bIns="0"/>
           <a:p>
             <a:pPr>
-              <a:buSzPct val="45000"/>
-              <a:buFont typeface="StarSymbol"/>
-              <a:buChar char=""/>
-            </a:pPr>
-            <a:r>
-              <a:rPr lang="en-US" sz="3200">
-                <a:latin typeface="Arial"/>
+              <a:lnSpc>
+                <a:spcPct val="100000"/>
+              </a:lnSpc>
+              <a:buSzPct val="45000"/>
+              <a:buFont typeface="StarSymbol"/>
+              <a:buChar char="l"/>
+            </a:pPr>
+            <a:r>
+              <a:rPr lang="en-US" sz="2800" strike="noStrike">
+                <a:solidFill>
+                  <a:srgbClr val="000000"/>
+                </a:solidFill>
+                <a:latin typeface="Ubuntu"/>
+                <a:ea typeface="DejaVu Sans"/>
               </a:rPr>
               <a:t>Docker Engine – synonymous with “Docker” and the open source container management. Today's focus.</a:t>
             </a:r>
@@ -5204,13 +6425,28 @@
           </a:p>
           <a:p>
             <a:pPr>
-              <a:buSzPct val="45000"/>
-              <a:buFont typeface="StarSymbol"/>
-              <a:buChar char=""/>
-            </a:pPr>
-            <a:r>
-              <a:rPr lang="en-US" sz="3200">
-                <a:latin typeface="Arial"/>
+              <a:lnSpc>
+                <a:spcPct val="100000"/>
+              </a:lnSpc>
+            </a:pPr>
+            <a:endParaRPr/>
+          </a:p>
+          <a:p>
+            <a:pPr>
+              <a:lnSpc>
+                <a:spcPct val="100000"/>
+              </a:lnSpc>
+              <a:buSzPct val="45000"/>
+              <a:buFont typeface="StarSymbol"/>
+              <a:buChar char="l"/>
+            </a:pPr>
+            <a:r>
+              <a:rPr lang="en-US" sz="2800" strike="noStrike">
+                <a:solidFill>
+                  <a:srgbClr val="000000"/>
+                </a:solidFill>
+                <a:latin typeface="Ubuntu"/>
+                <a:ea typeface="DejaVu Sans"/>
               </a:rPr>
               <a:t>Docker DataCenter – Suite to manage containers in your datacenter.</a:t>
             </a:r>
@@ -5218,49 +6454,30 @@
           </a:p>
           <a:p>
             <a:pPr>
-              <a:buSzPct val="45000"/>
-              <a:buFont typeface="StarSymbol"/>
-              <a:buChar char=""/>
-            </a:pPr>
-            <a:r>
-              <a:rPr lang="en-US" sz="3200">
-                <a:latin typeface="Arial"/>
+              <a:lnSpc>
+                <a:spcPct val="100000"/>
+              </a:lnSpc>
+            </a:pPr>
+            <a:endParaRPr/>
+          </a:p>
+          <a:p>
+            <a:pPr>
+              <a:lnSpc>
+                <a:spcPct val="100000"/>
+              </a:lnSpc>
+              <a:buSzPct val="45000"/>
+              <a:buFont typeface="StarSymbol"/>
+              <a:buChar char="l"/>
+            </a:pPr>
+            <a:r>
+              <a:rPr lang="en-US" sz="2800" strike="noStrike">
+                <a:solidFill>
+                  <a:srgbClr val="000000"/>
+                </a:solidFill>
+                <a:latin typeface="Ubuntu"/>
+                <a:ea typeface="DejaVu Sans"/>
               </a:rPr>
               <a:t>Docker Hub - online home and hub for managing your Docker containers.</a:t>
-            </a:r>
-            <a:endParaRPr/>
-          </a:p>
-          <a:p>
-            <a:pPr>
-              <a:buSzPct val="45000"/>
-              <a:buFont typeface="StarSymbol"/>
-              <a:buChar char=""/>
-            </a:pPr>
-            <a:r>
-              <a:rPr lang="en-US" sz="3200">
-                <a:latin typeface="Arial"/>
-              </a:rPr>
-              <a:t>Docker Enterprise Support - commercial support for Docker.</a:t>
-            </a:r>
-            <a:endParaRPr/>
-          </a:p>
-          <a:p>
-            <a:pPr>
-              <a:buSzPct val="45000"/>
-              <a:buFont typeface="StarSymbol"/>
-              <a:buChar char=""/>
-            </a:pPr>
-            <a:r>
-              <a:rPr lang="en-US" sz="3200">
-                <a:latin typeface="Arial"/>
-              </a:rPr>
-              <a:t> </a:t>
-            </a:r>
-            <a:r>
-              <a:rPr lang="en-US" sz="3200">
-                <a:latin typeface="Arial"/>
-              </a:rPr>
-              <a:t>Docker Services &amp; Training - professional services and training to help you get the best out of Docker.</a:t>
             </a:r>
             <a:endParaRPr/>
           </a:p>
@@ -5317,14 +6534,14 @@
       </p:grpSpPr>
       <p:sp>
         <p:nvSpPr>
-          <p:cNvPr id="45" name="TextShape 1"/>
-          <p:cNvSpPr txBox="1"/>
+          <p:cNvPr id="44" name="CustomShape 1"/>
+          <p:cNvSpPr/>
           <p:nvPr/>
         </p:nvSpPr>
         <p:spPr>
           <a:xfrm>
             <a:off x="504000" y="301320"/>
-            <a:ext cx="9071640" cy="1262160"/>
+            <a:ext cx="9070920" cy="1261440"/>
           </a:xfrm>
           <a:prstGeom prst="rect">
             <a:avLst/>
@@ -5334,19 +6551,37 @@
             <a:noFill/>
           </a:ln>
         </p:spPr>
+        <p:style>
+          <a:lnRef idx="0"/>
+          <a:fillRef idx="0"/>
+          <a:effectRef idx="0"/>
+          <a:fontRef idx="minor"/>
+        </p:style>
         <p:txBody>
           <a:bodyPr lIns="0" rIns="0" tIns="0" bIns="0" anchor="ctr"/>
           <a:p>
-            <a:pPr algn="ctr"/>
-            <a:r>
-              <a:rPr lang="en-US" sz="4400">
-                <a:latin typeface="Arial"/>
+            <a:pPr>
+              <a:lnSpc>
+                <a:spcPct val="100000"/>
+              </a:lnSpc>
+            </a:pPr>
+            <a:r>
+              <a:rPr lang="en-US" sz="4400" strike="noStrike">
+                <a:solidFill>
+                  <a:srgbClr val="000000"/>
+                </a:solidFill>
+                <a:latin typeface="Ubuntu"/>
+                <a:ea typeface="DejaVu Sans"/>
               </a:rPr>
               <a:t>Terminology</a:t>
             </a:r>
             <a:r>
-              <a:rPr lang="en-US" sz="4400">
-                <a:latin typeface="Arial"/>
+              <a:rPr lang="en-US" sz="4400" strike="noStrike">
+                <a:solidFill>
+                  <a:srgbClr val="000000"/>
+                </a:solidFill>
+                <a:latin typeface="Ubuntu"/>
+                <a:ea typeface="DejaVu Sans"/>
               </a:rPr>
               <a:t>	</a:t>
             </a:r>
@@ -5356,14 +6591,14 @@
       </p:sp>
       <p:sp>
         <p:nvSpPr>
-          <p:cNvPr id="46" name="TextShape 2"/>
-          <p:cNvSpPr txBox="1"/>
+          <p:cNvPr id="45" name="CustomShape 2"/>
+          <p:cNvSpPr/>
           <p:nvPr/>
         </p:nvSpPr>
         <p:spPr>
           <a:xfrm>
             <a:off x="504000" y="1769040"/>
-            <a:ext cx="9071640" cy="4384440"/>
+            <a:ext cx="9070920" cy="4383720"/>
           </a:xfrm>
           <a:prstGeom prst="rect">
             <a:avLst/>
@@ -5373,17 +6608,30 @@
             <a:noFill/>
           </a:ln>
         </p:spPr>
+        <p:style>
+          <a:lnRef idx="0"/>
+          <a:fillRef idx="0"/>
+          <a:effectRef idx="0"/>
+          <a:fontRef idx="minor"/>
+        </p:style>
         <p:txBody>
           <a:bodyPr lIns="0" rIns="0" tIns="0" bIns="0"/>
           <a:p>
             <a:pPr>
-              <a:buSzPct val="45000"/>
-              <a:buFont typeface="StarSymbol"/>
-              <a:buChar char=""/>
-            </a:pPr>
-            <a:r>
-              <a:rPr lang="en-US" sz="3200">
-                <a:latin typeface="Arial"/>
+              <a:lnSpc>
+                <a:spcPct val="100000"/>
+              </a:lnSpc>
+              <a:buSzPct val="45000"/>
+              <a:buFont typeface="StarSymbol"/>
+              <a:buChar char="l"/>
+            </a:pPr>
+            <a:r>
+              <a:rPr lang="en-US" sz="3200" strike="noStrike">
+                <a:solidFill>
+                  <a:srgbClr val="000000"/>
+                </a:solidFill>
+                <a:latin typeface="Ubuntu"/>
+                <a:ea typeface="DejaVu Sans"/>
               </a:rPr>
               <a:t>Container: process with a scoped view of system resources</a:t>
             </a:r>
@@ -5391,13 +6639,20 @@
           </a:p>
           <a:p>
             <a:pPr>
-              <a:buSzPct val="45000"/>
-              <a:buFont typeface="StarSymbol"/>
-              <a:buChar char=""/>
-            </a:pPr>
-            <a:r>
-              <a:rPr lang="en-US" sz="3200">
-                <a:latin typeface="Arial"/>
+              <a:lnSpc>
+                <a:spcPct val="100000"/>
+              </a:lnSpc>
+              <a:buSzPct val="45000"/>
+              <a:buFont typeface="StarSymbol"/>
+              <a:buChar char="l"/>
+            </a:pPr>
+            <a:r>
+              <a:rPr lang="en-US" sz="3200" strike="noStrike">
+                <a:solidFill>
+                  <a:srgbClr val="000000"/>
+                </a:solidFill>
+                <a:latin typeface="Ubuntu"/>
+                <a:ea typeface="DejaVu Sans"/>
               </a:rPr>
               <a:t>Images: On-disk representation of the container</a:t>
             </a:r>
@@ -5405,27 +6660,41 @@
           </a:p>
           <a:p>
             <a:pPr>
-              <a:buSzPct val="45000"/>
-              <a:buFont typeface="StarSymbol"/>
-              <a:buChar char=""/>
-            </a:pPr>
-            <a:r>
-              <a:rPr lang="en-US" sz="3200">
-                <a:latin typeface="Arial"/>
-              </a:rPr>
-              <a:t>Scaled up apps: Vertical scale, bigger footprint</a:t>
-            </a:r>
-            <a:endParaRPr/>
-          </a:p>
-          <a:p>
-            <a:pPr>
-              <a:buSzPct val="45000"/>
-              <a:buFont typeface="StarSymbol"/>
-              <a:buChar char=""/>
-            </a:pPr>
-            <a:r>
-              <a:rPr lang="en-US" sz="3200">
-                <a:latin typeface="Arial"/>
+              <a:lnSpc>
+                <a:spcPct val="100000"/>
+              </a:lnSpc>
+              <a:buSzPct val="45000"/>
+              <a:buFont typeface="StarSymbol"/>
+              <a:buChar char="l"/>
+            </a:pPr>
+            <a:r>
+              <a:rPr lang="en-US" sz="3200" strike="noStrike">
+                <a:solidFill>
+                  <a:srgbClr val="000000"/>
+                </a:solidFill>
+                <a:latin typeface="Ubuntu"/>
+                <a:ea typeface="DejaVu Sans"/>
+              </a:rPr>
+              <a:t>Scaled up apps: Vertical scale, more cpu/mem</a:t>
+            </a:r>
+            <a:endParaRPr/>
+          </a:p>
+          <a:p>
+            <a:pPr>
+              <a:lnSpc>
+                <a:spcPct val="100000"/>
+              </a:lnSpc>
+              <a:buSzPct val="45000"/>
+              <a:buFont typeface="StarSymbol"/>
+              <a:buChar char="l"/>
+            </a:pPr>
+            <a:r>
+              <a:rPr lang="en-US" sz="3200" strike="noStrike">
+                <a:solidFill>
+                  <a:srgbClr val="000000"/>
+                </a:solidFill>
+                <a:latin typeface="Ubuntu"/>
+                <a:ea typeface="DejaVu Sans"/>
               </a:rPr>
               <a:t>Scale out apps: Horizontal scale, more instances.</a:t>
             </a:r>
@@ -5433,13 +6702,20 @@
           </a:p>
           <a:p>
             <a:pPr>
-              <a:buSzPct val="45000"/>
-              <a:buFont typeface="StarSymbol"/>
-              <a:buChar char=""/>
-            </a:pPr>
-            <a:r>
-              <a:rPr lang="en-US" sz="3200">
-                <a:latin typeface="Arial"/>
+              <a:lnSpc>
+                <a:spcPct val="100000"/>
+              </a:lnSpc>
+              <a:buSzPct val="45000"/>
+              <a:buFont typeface="StarSymbol"/>
+              <a:buChar char="l"/>
+            </a:pPr>
+            <a:r>
+              <a:rPr lang="en-US" sz="3200" strike="noStrike">
+                <a:solidFill>
+                  <a:srgbClr val="000000"/>
+                </a:solidFill>
+                <a:latin typeface="Ubuntu"/>
+                <a:ea typeface="DejaVu Sans"/>
               </a:rPr>
               <a:t>Cloud-native apps: Decoupled from physical/virtual resources.</a:t>
             </a:r>
@@ -5498,14 +6774,14 @@
       </p:grpSpPr>
       <p:sp>
         <p:nvSpPr>
-          <p:cNvPr id="47" name="TextShape 1"/>
-          <p:cNvSpPr txBox="1"/>
+          <p:cNvPr id="46" name="CustomShape 1"/>
+          <p:cNvSpPr/>
           <p:nvPr/>
         </p:nvSpPr>
         <p:spPr>
           <a:xfrm>
             <a:off x="504000" y="301320"/>
-            <a:ext cx="9071640" cy="1262160"/>
+            <a:ext cx="9070920" cy="1261440"/>
           </a:xfrm>
           <a:prstGeom prst="rect">
             <a:avLst/>
@@ -5515,13 +6791,27 @@
             <a:noFill/>
           </a:ln>
         </p:spPr>
+        <p:style>
+          <a:lnRef idx="0"/>
+          <a:fillRef idx="0"/>
+          <a:effectRef idx="0"/>
+          <a:fontRef idx="minor"/>
+        </p:style>
         <p:txBody>
           <a:bodyPr lIns="0" rIns="0" tIns="0" bIns="0" anchor="ctr"/>
           <a:p>
-            <a:pPr algn="ctr"/>
-            <a:r>
-              <a:rPr lang="en-US" sz="4400">
-                <a:latin typeface="Arial"/>
+            <a:pPr>
+              <a:lnSpc>
+                <a:spcPct val="100000"/>
+              </a:lnSpc>
+            </a:pPr>
+            <a:r>
+              <a:rPr lang="en-US" sz="3600" strike="noStrike">
+                <a:solidFill>
+                  <a:srgbClr val="000000"/>
+                </a:solidFill>
+                <a:latin typeface="Ubuntu"/>
+                <a:ea typeface="DejaVu Sans"/>
               </a:rPr>
               <a:t>Change in Application landscape</a:t>
             </a:r>
@@ -5531,14 +6821,14 @@
       </p:sp>
       <p:sp>
         <p:nvSpPr>
-          <p:cNvPr id="48" name="TextShape 2"/>
-          <p:cNvSpPr txBox="1"/>
+          <p:cNvPr id="47" name="CustomShape 2"/>
+          <p:cNvSpPr/>
           <p:nvPr/>
         </p:nvSpPr>
         <p:spPr>
           <a:xfrm>
             <a:off x="504000" y="1769040"/>
-            <a:ext cx="9071640" cy="4384440"/>
+            <a:ext cx="9070920" cy="4383720"/>
           </a:xfrm>
           <a:prstGeom prst="rect">
             <a:avLst/>
@@ -5548,17 +6838,30 @@
             <a:noFill/>
           </a:ln>
         </p:spPr>
+        <p:style>
+          <a:lnRef idx="0"/>
+          <a:fillRef idx="0"/>
+          <a:effectRef idx="0"/>
+          <a:fontRef idx="minor"/>
+        </p:style>
         <p:txBody>
           <a:bodyPr lIns="0" rIns="0" tIns="0" bIns="0"/>
           <a:p>
             <a:pPr>
-              <a:buSzPct val="45000"/>
-              <a:buFont typeface="StarSymbol"/>
-              <a:buChar char=""/>
-            </a:pPr>
-            <a:r>
-              <a:rPr lang="en-US" sz="3200">
-                <a:latin typeface="Arial"/>
+              <a:lnSpc>
+                <a:spcPct val="100000"/>
+              </a:lnSpc>
+              <a:buSzPct val="45000"/>
+              <a:buFont typeface="StarSymbol"/>
+              <a:buChar char="l"/>
+            </a:pPr>
+            <a:r>
+              <a:rPr lang="en-US" sz="3200" strike="noStrike">
+                <a:solidFill>
+                  <a:srgbClr val="000000"/>
+                </a:solidFill>
+                <a:latin typeface="Ubuntu"/>
+                <a:ea typeface="DejaVu Sans"/>
               </a:rPr>
               <a:t>The software industry has changed.</a:t>
             </a:r>
@@ -5566,19 +6869,30 @@
           </a:p>
           <a:p>
             <a:pPr>
-              <a:buSzPct val="45000"/>
-              <a:buFont typeface="StarSymbol"/>
-              <a:buChar char=""/>
-            </a:pPr>
-            <a:r>
-              <a:rPr lang="en-US" sz="3200">
-                <a:latin typeface="Arial"/>
+              <a:lnSpc>
+                <a:spcPct val="100000"/>
+              </a:lnSpc>
+              <a:buSzPct val="45000"/>
+              <a:buFont typeface="StarSymbol"/>
+              <a:buChar char="l"/>
+            </a:pPr>
+            <a:r>
+              <a:rPr lang="en-US" sz="3200" strike="noStrike">
+                <a:solidFill>
+                  <a:srgbClr val="000000"/>
+                </a:solidFill>
+                <a:latin typeface="Ubuntu"/>
+                <a:ea typeface="DejaVu Sans"/>
               </a:rPr>
               <a:t> </a:t>
             </a:r>
             <a:r>
-              <a:rPr lang="en-US" sz="3200">
-                <a:latin typeface="Arial"/>
+              <a:rPr lang="en-US" sz="3200" strike="noStrike">
+                <a:solidFill>
+                  <a:srgbClr val="000000"/>
+                </a:solidFill>
+                <a:latin typeface="Ubuntu"/>
+                <a:ea typeface="DejaVu Sans"/>
               </a:rPr>
               <a:t>Applications used to be monolithic, with long life-cycles, scaled up.</a:t>
             </a:r>
@@ -5586,19 +6900,30 @@
           </a:p>
           <a:p>
             <a:pPr>
-              <a:buSzPct val="45000"/>
-              <a:buFont typeface="StarSymbol"/>
-              <a:buChar char=""/>
-            </a:pPr>
-            <a:r>
-              <a:rPr lang="en-US" sz="3200">
-                <a:latin typeface="Arial"/>
+              <a:lnSpc>
+                <a:spcPct val="100000"/>
+              </a:lnSpc>
+              <a:buSzPct val="45000"/>
+              <a:buFont typeface="StarSymbol"/>
+              <a:buChar char="l"/>
+            </a:pPr>
+            <a:r>
+              <a:rPr lang="en-US" sz="3200" strike="noStrike">
+                <a:solidFill>
+                  <a:srgbClr val="000000"/>
+                </a:solidFill>
+                <a:latin typeface="Ubuntu"/>
+                <a:ea typeface="DejaVu Sans"/>
               </a:rPr>
               <a:t> </a:t>
             </a:r>
             <a:r>
-              <a:rPr lang="en-US" sz="3200">
-                <a:latin typeface="Arial"/>
+              <a:rPr lang="en-US" sz="3200" strike="noStrike">
+                <a:solidFill>
+                  <a:srgbClr val="000000"/>
+                </a:solidFill>
+                <a:latin typeface="Ubuntu"/>
+                <a:ea typeface="DejaVu Sans"/>
               </a:rPr>
               <a:t>Today, applications are decoupled, built iteratively, scaled out.</a:t>
             </a:r>
@@ -5606,21 +6931,32 @@
           </a:p>
           <a:p>
             <a:pPr>
-              <a:buSzPct val="45000"/>
-              <a:buFont typeface="StarSymbol"/>
-              <a:buChar char=""/>
-            </a:pPr>
-            <a:r>
-              <a:rPr lang="en-US" sz="3200">
-                <a:latin typeface="Arial"/>
+              <a:lnSpc>
+                <a:spcPct val="100000"/>
+              </a:lnSpc>
+              <a:buSzPct val="45000"/>
+              <a:buFont typeface="StarSymbol"/>
+              <a:buChar char="l"/>
+            </a:pPr>
+            <a:r>
+              <a:rPr lang="en-US" sz="3200" strike="noStrike">
+                <a:solidFill>
+                  <a:srgbClr val="000000"/>
+                </a:solidFill>
+                <a:latin typeface="Ubuntu"/>
+                <a:ea typeface="DejaVu Sans"/>
               </a:rPr>
               <a:t> </a:t>
             </a:r>
             <a:r>
-              <a:rPr lang="en-US" sz="3200">
-                <a:latin typeface="Arial"/>
-              </a:rPr>
-              <a:t>As a result, deployment is tough!</a:t>
+              <a:rPr lang="en-US" sz="3200" strike="noStrike">
+                <a:solidFill>
+                  <a:srgbClr val="000000"/>
+                </a:solidFill>
+                <a:latin typeface="Ubuntu"/>
+                <a:ea typeface="DejaVu Sans"/>
+              </a:rPr>
+              <a:t>As a result, deployment is tough</a:t>
             </a:r>
             <a:endParaRPr/>
           </a:p>
@@ -5677,14 +7013,14 @@
       </p:grpSpPr>
       <p:sp>
         <p:nvSpPr>
-          <p:cNvPr id="49" name="TextShape 1"/>
-          <p:cNvSpPr txBox="1"/>
+          <p:cNvPr id="48" name="CustomShape 1"/>
+          <p:cNvSpPr/>
           <p:nvPr/>
         </p:nvSpPr>
         <p:spPr>
           <a:xfrm>
             <a:off x="504000" y="301320"/>
-            <a:ext cx="9071640" cy="1262160"/>
+            <a:ext cx="9070920" cy="1261440"/>
           </a:xfrm>
           <a:prstGeom prst="rect">
             <a:avLst/>
@@ -5694,13 +7030,27 @@
             <a:noFill/>
           </a:ln>
         </p:spPr>
+        <p:style>
+          <a:lnRef idx="0"/>
+          <a:fillRef idx="0"/>
+          <a:effectRef idx="0"/>
+          <a:fontRef idx="minor"/>
+        </p:style>
         <p:txBody>
           <a:bodyPr lIns="0" rIns="0" tIns="0" bIns="0" anchor="ctr"/>
           <a:p>
-            <a:pPr algn="ctr"/>
-            <a:r>
-              <a:rPr lang="en-US" sz="4400">
-                <a:latin typeface="Arial"/>
+            <a:pPr>
+              <a:lnSpc>
+                <a:spcPct val="100000"/>
+              </a:lnSpc>
+            </a:pPr>
+            <a:r>
+              <a:rPr lang="en-US" sz="4400" strike="noStrike">
+                <a:solidFill>
+                  <a:srgbClr val="000000"/>
+                </a:solidFill>
+                <a:latin typeface="Ubuntu"/>
+                <a:ea typeface="DejaVu Sans"/>
               </a:rPr>
               <a:t>The challenge circa 2015</a:t>
             </a:r>
@@ -5710,14 +7060,14 @@
       </p:sp>
       <p:sp>
         <p:nvSpPr>
-          <p:cNvPr id="50" name="TextShape 2"/>
-          <p:cNvSpPr txBox="1"/>
+          <p:cNvPr id="49" name="CustomShape 2"/>
+          <p:cNvSpPr/>
           <p:nvPr/>
         </p:nvSpPr>
         <p:spPr>
           <a:xfrm>
             <a:off x="504000" y="1769040"/>
-            <a:ext cx="9071640" cy="4384440"/>
+            <a:ext cx="9070920" cy="4383720"/>
           </a:xfrm>
           <a:prstGeom prst="rect">
             <a:avLst/>
@@ -5727,16 +7077,16 @@
             <a:noFill/>
           </a:ln>
         </p:spPr>
-        <p:txBody>
-          <a:bodyPr lIns="0" rIns="0" tIns="0" bIns="0"/>
-          <a:p>
-            <a:endParaRPr/>
-          </a:p>
-        </p:txBody>
+        <p:style>
+          <a:lnRef idx="0"/>
+          <a:fillRef idx="0"/>
+          <a:effectRef idx="0"/>
+          <a:fontRef idx="minor"/>
+        </p:style>
       </p:sp>
       <p:pic>
         <p:nvPicPr>
-          <p:cNvPr id="51" name="" descr=""/>
+          <p:cNvPr id="50" name="" descr=""/>
           <p:cNvPicPr/>
           <p:nvPr/>
         </p:nvPicPr>
@@ -5747,7 +7097,7 @@
         <p:spPr>
           <a:xfrm>
             <a:off x="481680" y="1752480"/>
-            <a:ext cx="8638920" cy="4390560"/>
+            <a:ext cx="8638200" cy="4389840"/>
           </a:xfrm>
           <a:prstGeom prst="rect">
             <a:avLst/>
@@ -5808,14 +7158,14 @@
       </p:grpSpPr>
       <p:sp>
         <p:nvSpPr>
-          <p:cNvPr id="52" name="TextShape 1"/>
-          <p:cNvSpPr txBox="1"/>
+          <p:cNvPr id="51" name="CustomShape 1"/>
+          <p:cNvSpPr/>
           <p:nvPr/>
         </p:nvSpPr>
         <p:spPr>
           <a:xfrm>
             <a:off x="504000" y="301320"/>
-            <a:ext cx="9071640" cy="1262160"/>
+            <a:ext cx="9070920" cy="1261440"/>
           </a:xfrm>
           <a:prstGeom prst="rect">
             <a:avLst/>
@@ -5825,13 +7175,27 @@
             <a:noFill/>
           </a:ln>
         </p:spPr>
+        <p:style>
+          <a:lnRef idx="0"/>
+          <a:fillRef idx="0"/>
+          <a:effectRef idx="0"/>
+          <a:fontRef idx="minor"/>
+        </p:style>
         <p:txBody>
           <a:bodyPr lIns="0" rIns="0" tIns="0" bIns="0" anchor="ctr"/>
           <a:p>
-            <a:pPr algn="ctr"/>
-            <a:r>
-              <a:rPr lang="en-US" sz="4400">
-                <a:latin typeface="Arial"/>
+            <a:pPr>
+              <a:lnSpc>
+                <a:spcPct val="100000"/>
+              </a:lnSpc>
+            </a:pPr>
+            <a:r>
+              <a:rPr lang="en-US" sz="4400" strike="noStrike">
+                <a:solidFill>
+                  <a:srgbClr val="000000"/>
+                </a:solidFill>
+                <a:latin typeface="Ubuntu"/>
+                <a:ea typeface="DejaVu Sans"/>
               </a:rPr>
               <a:t>The Matrix from Hell</a:t>
             </a:r>
@@ -5841,14 +7205,14 @@
       </p:sp>
       <p:sp>
         <p:nvSpPr>
-          <p:cNvPr id="53" name="TextShape 2"/>
-          <p:cNvSpPr txBox="1"/>
+          <p:cNvPr id="52" name="CustomShape 2"/>
+          <p:cNvSpPr/>
           <p:nvPr/>
         </p:nvSpPr>
         <p:spPr>
           <a:xfrm>
             <a:off x="504000" y="1769040"/>
-            <a:ext cx="9071640" cy="4384440"/>
+            <a:ext cx="9070920" cy="4383720"/>
           </a:xfrm>
           <a:prstGeom prst="rect">
             <a:avLst/>
@@ -5858,16 +7222,16 @@
             <a:noFill/>
           </a:ln>
         </p:spPr>
-        <p:txBody>
-          <a:bodyPr lIns="0" rIns="0" tIns="0" bIns="0"/>
-          <a:p>
-            <a:endParaRPr/>
-          </a:p>
-        </p:txBody>
+        <p:style>
+          <a:lnRef idx="0"/>
+          <a:fillRef idx="0"/>
+          <a:effectRef idx="0"/>
+          <a:fontRef idx="minor"/>
+        </p:style>
       </p:sp>
       <p:pic>
         <p:nvPicPr>
-          <p:cNvPr id="54" name="" descr=""/>
+          <p:cNvPr id="53" name="" descr=""/>
           <p:cNvPicPr/>
           <p:nvPr/>
         </p:nvPicPr>
@@ -5877,8 +7241,8 @@
         </p:blipFill>
         <p:spPr>
           <a:xfrm>
-            <a:off x="576000" y="1615320"/>
-            <a:ext cx="8162640" cy="4304880"/>
+            <a:off x="576000" y="1759320"/>
+            <a:ext cx="8161920" cy="4304160"/>
           </a:xfrm>
           <a:prstGeom prst="rect">
             <a:avLst/>
@@ -5939,14 +7303,14 @@
       </p:grpSpPr>
       <p:sp>
         <p:nvSpPr>
-          <p:cNvPr id="55" name="TextShape 1"/>
-          <p:cNvSpPr txBox="1"/>
+          <p:cNvPr id="54" name="CustomShape 1"/>
+          <p:cNvSpPr/>
           <p:nvPr/>
         </p:nvSpPr>
         <p:spPr>
           <a:xfrm>
             <a:off x="504000" y="301320"/>
-            <a:ext cx="9071640" cy="1262160"/>
+            <a:ext cx="9070920" cy="1261440"/>
           </a:xfrm>
           <a:prstGeom prst="rect">
             <a:avLst/>
@@ -5956,15 +7320,47 @@
             <a:noFill/>
           </a:ln>
         </p:spPr>
+        <p:style>
+          <a:lnRef idx="0"/>
+          <a:fillRef idx="0"/>
+          <a:effectRef idx="0"/>
+          <a:fontRef idx="minor"/>
+        </p:style>
         <p:txBody>
           <a:bodyPr lIns="0" rIns="0" tIns="0" bIns="0" anchor="ctr"/>
           <a:p>
-            <a:pPr algn="ctr"/>
-            <a:r>
-              <a:rPr lang="en-US" sz="4400">
-                <a:latin typeface="Arial"/>
-              </a:rPr>
-              <a:t>A look back at history for inspiration</a:t>
+            <a:pPr>
+              <a:lnSpc>
+                <a:spcPct val="100000"/>
+              </a:lnSpc>
+            </a:pPr>
+            <a:r>
+              <a:rPr lang="en-US" sz="4400" strike="noStrike">
+                <a:solidFill>
+                  <a:srgbClr val="000000"/>
+                </a:solidFill>
+                <a:latin typeface="Ubuntu"/>
+                <a:ea typeface="DejaVu Sans"/>
+              </a:rPr>
+              <a:t>A look back at history </a:t>
+            </a:r>
+            <a:endParaRPr/>
+          </a:p>
+          <a:p>
+            <a:pPr>
+              <a:lnSpc>
+                <a:spcPct val="100000"/>
+              </a:lnSpc>
+            </a:pPr>
+            <a:r>
+              <a:rPr lang="en-US" sz="4400" strike="noStrike">
+                <a:solidFill>
+                  <a:srgbClr val="000000"/>
+                </a:solidFill>
+                <a:latin typeface="Ubuntu"/>
+                <a:ea typeface="DejaVu Sans"/>
+              </a:rPr>
+              <a:t>for inspiration</a:t>
             </a:r>
             <a:endParaRPr/>
           </a:p>
@@ -5972,14 +7368,14 @@
       </p:sp>
       <p:sp>
         <p:nvSpPr>
-          <p:cNvPr id="56" name="TextShape 2"/>
-          <p:cNvSpPr txBox="1"/>
+          <p:cNvPr id="55" name="CustomShape 2"/>
+          <p:cNvSpPr/>
           <p:nvPr/>
         </p:nvSpPr>
         <p:spPr>
           <a:xfrm>
             <a:off x="504000" y="1769040"/>
-            <a:ext cx="9071640" cy="4384440"/>
+            <a:ext cx="9070920" cy="4383720"/>
           </a:xfrm>
           <a:prstGeom prst="rect">
             <a:avLst/>
@@ -5989,16 +7385,16 @@
             <a:noFill/>
           </a:ln>
         </p:spPr>
-        <p:txBody>
-          <a:bodyPr lIns="0" rIns="0" tIns="0" bIns="0"/>
-          <a:p>
-            <a:endParaRPr/>
-          </a:p>
-        </p:txBody>
+        <p:style>
+          <a:lnRef idx="0"/>
+          <a:fillRef idx="0"/>
+          <a:effectRef idx="0"/>
+          <a:fontRef idx="minor"/>
+        </p:style>
       </p:sp>
       <p:pic>
         <p:nvPicPr>
-          <p:cNvPr id="57" name="" descr=""/>
+          <p:cNvPr id="56" name="" descr=""/>
           <p:cNvPicPr/>
           <p:nvPr/>
         </p:nvPicPr>
@@ -6009,7 +7405,7 @@
         <p:spPr>
           <a:xfrm>
             <a:off x="570240" y="1816200"/>
-            <a:ext cx="8534160" cy="4190760"/>
+            <a:ext cx="8533440" cy="4190040"/>
           </a:xfrm>
           <a:prstGeom prst="rect">
             <a:avLst/>
@@ -6070,14 +7466,14 @@
       </p:grpSpPr>
       <p:sp>
         <p:nvSpPr>
-          <p:cNvPr id="58" name="TextShape 1"/>
-          <p:cNvSpPr txBox="1"/>
+          <p:cNvPr id="57" name="CustomShape 1"/>
+          <p:cNvSpPr/>
           <p:nvPr/>
         </p:nvSpPr>
         <p:spPr>
           <a:xfrm>
             <a:off x="504000" y="301320"/>
-            <a:ext cx="9071640" cy="1262160"/>
+            <a:ext cx="9070920" cy="1261440"/>
           </a:xfrm>
           <a:prstGeom prst="rect">
             <a:avLst/>
@@ -6087,13 +7483,27 @@
             <a:noFill/>
           </a:ln>
         </p:spPr>
+        <p:style>
+          <a:lnRef idx="0"/>
+          <a:fillRef idx="0"/>
+          <a:effectRef idx="0"/>
+          <a:fontRef idx="minor"/>
+        </p:style>
         <p:txBody>
           <a:bodyPr lIns="0" rIns="0" tIns="0" bIns="0" anchor="ctr"/>
           <a:p>
-            <a:pPr algn="ctr"/>
-            <a:r>
-              <a:rPr lang="en-US" sz="4400">
-                <a:latin typeface="Arial"/>
+            <a:pPr>
+              <a:lnSpc>
+                <a:spcPct val="100000"/>
+              </a:lnSpc>
+            </a:pPr>
+            <a:r>
+              <a:rPr lang="en-US" sz="3600" strike="noStrike">
+                <a:solidFill>
+                  <a:srgbClr val="000000"/>
+                </a:solidFill>
+                <a:latin typeface="Ubuntu"/>
+                <a:ea typeface="DejaVu Sans"/>
               </a:rPr>
               <a:t>Inter-modal shipping containers</a:t>
             </a:r>
@@ -6103,14 +7513,14 @@
       </p:sp>
       <p:sp>
         <p:nvSpPr>
-          <p:cNvPr id="59" name="TextShape 2"/>
-          <p:cNvSpPr txBox="1"/>
+          <p:cNvPr id="58" name="CustomShape 2"/>
+          <p:cNvSpPr/>
           <p:nvPr/>
         </p:nvSpPr>
         <p:spPr>
           <a:xfrm>
             <a:off x="504000" y="1769040"/>
-            <a:ext cx="9071640" cy="4384440"/>
+            <a:ext cx="9070920" cy="4383720"/>
           </a:xfrm>
           <a:prstGeom prst="rect">
             <a:avLst/>
@@ -6120,16 +7530,16 @@
             <a:noFill/>
           </a:ln>
         </p:spPr>
-        <p:txBody>
-          <a:bodyPr lIns="0" rIns="0" tIns="0" bIns="0"/>
-          <a:p>
-            <a:endParaRPr/>
-          </a:p>
-        </p:txBody>
+        <p:style>
+          <a:lnRef idx="0"/>
+          <a:fillRef idx="0"/>
+          <a:effectRef idx="0"/>
+          <a:fontRef idx="minor"/>
+        </p:style>
       </p:sp>
       <p:pic>
         <p:nvPicPr>
-          <p:cNvPr id="60" name="" descr=""/>
+          <p:cNvPr id="59" name="" descr=""/>
           <p:cNvPicPr/>
           <p:nvPr/>
         </p:nvPicPr>
@@ -6140,7 +7550,7 @@
         <p:spPr>
           <a:xfrm>
             <a:off x="604080" y="1764000"/>
-            <a:ext cx="8610120" cy="4295520"/>
+            <a:ext cx="8609400" cy="4294800"/>
           </a:xfrm>
           <a:prstGeom prst="rect">
             <a:avLst/>
